--- a/assets/slides/su24/03-Loops.pptx
+++ b/assets/slides/su24/03-Loops.pptx
@@ -5,46 +5,51 @@
     <p:sldMasterId id="2147484051" r:id="rId1"/>
   </p:sldMasterIdLst>
   <p:notesMasterIdLst>
-    <p:notesMasterId r:id="rId36"/>
+    <p:notesMasterId r:id="rId41"/>
   </p:notesMasterIdLst>
   <p:handoutMasterIdLst>
-    <p:handoutMasterId r:id="rId37"/>
+    <p:handoutMasterId r:id="rId42"/>
   </p:handoutMasterIdLst>
   <p:sldIdLst>
     <p:sldId id="396" r:id="rId2"/>
     <p:sldId id="405" r:id="rId3"/>
-    <p:sldId id="413" r:id="rId4"/>
-    <p:sldId id="412" r:id="rId5"/>
-    <p:sldId id="391" r:id="rId6"/>
-    <p:sldId id="390" r:id="rId7"/>
-    <p:sldId id="371" r:id="rId8"/>
-    <p:sldId id="410" r:id="rId9"/>
-    <p:sldId id="409" r:id="rId10"/>
-    <p:sldId id="411" r:id="rId11"/>
-    <p:sldId id="398" r:id="rId12"/>
-    <p:sldId id="378" r:id="rId13"/>
-    <p:sldId id="386" r:id="rId14"/>
-    <p:sldId id="377" r:id="rId15"/>
-    <p:sldId id="379" r:id="rId16"/>
-    <p:sldId id="399" r:id="rId17"/>
-    <p:sldId id="407" r:id="rId18"/>
-    <p:sldId id="408" r:id="rId19"/>
-    <p:sldId id="414" r:id="rId20"/>
-    <p:sldId id="392" r:id="rId21"/>
-    <p:sldId id="400" r:id="rId22"/>
-    <p:sldId id="367" r:id="rId23"/>
-    <p:sldId id="402" r:id="rId24"/>
-    <p:sldId id="287" r:id="rId25"/>
-    <p:sldId id="293" r:id="rId26"/>
-    <p:sldId id="266" r:id="rId27"/>
-    <p:sldId id="289" r:id="rId28"/>
-    <p:sldId id="265" r:id="rId29"/>
-    <p:sldId id="288" r:id="rId30"/>
-    <p:sldId id="401" r:id="rId31"/>
-    <p:sldId id="403" r:id="rId32"/>
-    <p:sldId id="366" r:id="rId33"/>
-    <p:sldId id="404" r:id="rId34"/>
-    <p:sldId id="384" r:id="rId35"/>
+    <p:sldId id="415" r:id="rId4"/>
+    <p:sldId id="413" r:id="rId5"/>
+    <p:sldId id="412" r:id="rId6"/>
+    <p:sldId id="391" r:id="rId7"/>
+    <p:sldId id="390" r:id="rId8"/>
+    <p:sldId id="371" r:id="rId9"/>
+    <p:sldId id="410" r:id="rId10"/>
+    <p:sldId id="409" r:id="rId11"/>
+    <p:sldId id="411" r:id="rId12"/>
+    <p:sldId id="398" r:id="rId13"/>
+    <p:sldId id="378" r:id="rId14"/>
+    <p:sldId id="386" r:id="rId15"/>
+    <p:sldId id="418" r:id="rId16"/>
+    <p:sldId id="419" r:id="rId17"/>
+    <p:sldId id="377" r:id="rId18"/>
+    <p:sldId id="379" r:id="rId19"/>
+    <p:sldId id="399" r:id="rId20"/>
+    <p:sldId id="407" r:id="rId21"/>
+    <p:sldId id="408" r:id="rId22"/>
+    <p:sldId id="414" r:id="rId23"/>
+    <p:sldId id="392" r:id="rId24"/>
+    <p:sldId id="400" r:id="rId25"/>
+    <p:sldId id="367" r:id="rId26"/>
+    <p:sldId id="402" r:id="rId27"/>
+    <p:sldId id="287" r:id="rId28"/>
+    <p:sldId id="293" r:id="rId29"/>
+    <p:sldId id="266" r:id="rId30"/>
+    <p:sldId id="289" r:id="rId31"/>
+    <p:sldId id="265" r:id="rId32"/>
+    <p:sldId id="288" r:id="rId33"/>
+    <p:sldId id="401" r:id="rId34"/>
+    <p:sldId id="403" r:id="rId35"/>
+    <p:sldId id="366" r:id="rId36"/>
+    <p:sldId id="404" r:id="rId37"/>
+    <p:sldId id="384" r:id="rId38"/>
+    <p:sldId id="416" r:id="rId39"/>
+    <p:sldId id="417" r:id="rId40"/>
   </p:sldIdLst>
   <p:sldSz cx="12192000" cy="6858000"/>
   <p:notesSz cx="6997700" cy="9194800"/>
@@ -742,14 +747,14 @@
           </a:ln>
           <a:extLst>
             <a:ext uri="{909E8E84-426E-40dd-AFC4-6F175D3DCCD1}">
-              <a14:hiddenFill xmlns="" xmlns:a14="http://schemas.microsoft.com/office/drawing/2010/main">
+              <a14:hiddenFill xmlns:a14="http://schemas.microsoft.com/office/drawing/2010/main" xmlns="">
                 <a:solidFill>
                   <a:srgbClr val="FFFFFF"/>
                 </a:solidFill>
               </a14:hiddenFill>
             </a:ext>
             <a:ext uri="{91240B29-F687-4f45-9708-019B960494DF}">
-              <a14:hiddenLine xmlns="" xmlns:a14="http://schemas.microsoft.com/office/drawing/2010/main" w="9525">
+              <a14:hiddenLine xmlns:a14="http://schemas.microsoft.com/office/drawing/2010/main" xmlns="" w="9525">
                 <a:solidFill>
                   <a:srgbClr val="000000"/>
                 </a:solidFill>
@@ -823,14 +828,14 @@
           </a:ln>
           <a:extLst>
             <a:ext uri="{909E8E84-426E-40dd-AFC4-6F175D3DCCD1}">
-              <a14:hiddenFill xmlns="" xmlns:a14="http://schemas.microsoft.com/office/drawing/2010/main">
+              <a14:hiddenFill xmlns:a14="http://schemas.microsoft.com/office/drawing/2010/main" xmlns="">
                 <a:solidFill>
                   <a:srgbClr val="FFFFFF"/>
                 </a:solidFill>
               </a14:hiddenFill>
             </a:ext>
             <a:ext uri="{FAA26D3D-D897-4be2-8F04-BA451C77F1D7}">
-              <ma14:placeholderFlag xmlns="" xmlns:ma14="http://schemas.microsoft.com/office/mac/drawingml/2011/main" val="1"/>
+              <ma14:placeholderFlag xmlns:ma14="http://schemas.microsoft.com/office/mac/drawingml/2011/main" xmlns="" val="1"/>
             </a:ext>
           </a:extLst>
         </p:spPr>
@@ -1087,14 +1092,14 @@
           <a:ln/>
           <a:extLst>
             <a:ext uri="{909E8E84-426E-40dd-AFC4-6F175D3DCCD1}">
-              <a14:hiddenFill xmlns:a14="http://schemas.microsoft.com/office/drawing/2010/main" xmlns="">
+              <a14:hiddenFill xmlns="" xmlns:a14="http://schemas.microsoft.com/office/drawing/2010/main">
                 <a:solidFill>
                   <a:srgbClr val="FFFFFF"/>
                 </a:solidFill>
               </a14:hiddenFill>
             </a:ext>
             <a:ext uri="{91240B29-F687-4f45-9708-019B960494DF}">
-              <a14:hiddenLine xmlns:a14="http://schemas.microsoft.com/office/drawing/2010/main" xmlns="" w="9525">
+              <a14:hiddenLine xmlns="" xmlns:a14="http://schemas.microsoft.com/office/drawing/2010/main" w="9525">
                 <a:solidFill>
                   <a:srgbClr val="000000"/>
                 </a:solidFill>
@@ -1262,14 +1267,14 @@
           <a:ln/>
           <a:extLst>
             <a:ext uri="{909E8E84-426E-40dd-AFC4-6F175D3DCCD1}">
-              <a14:hiddenFill xmlns:a14="http://schemas.microsoft.com/office/drawing/2010/main" xmlns="">
+              <a14:hiddenFill xmlns="" xmlns:a14="http://schemas.microsoft.com/office/drawing/2010/main">
                 <a:solidFill>
                   <a:srgbClr val="FFFFFF"/>
                 </a:solidFill>
               </a14:hiddenFill>
             </a:ext>
             <a:ext uri="{91240B29-F687-4f45-9708-019B960494DF}">
-              <a14:hiddenLine xmlns:a14="http://schemas.microsoft.com/office/drawing/2010/main" xmlns="" w="9525">
+              <a14:hiddenLine xmlns="" xmlns:a14="http://schemas.microsoft.com/office/drawing/2010/main" w="9525">
                 <a:solidFill>
                   <a:srgbClr val="000000"/>
                 </a:solidFill>
@@ -1279,7 +1284,7 @@
               </a14:hiddenLine>
             </a:ext>
             <a:ext uri="{FAA26D3D-D897-4be2-8F04-BA451C77F1D7}">
-              <ma14:placeholderFlag xmlns:ma14="http://schemas.microsoft.com/office/mac/drawingml/2011/main" xmlns="" val="1"/>
+              <ma14:placeholderFlag xmlns="" xmlns:ma14="http://schemas.microsoft.com/office/mac/drawingml/2011/main" val="1"/>
             </a:ext>
           </a:extLst>
         </p:spPr>
@@ -1340,14 +1345,14 @@
           <a:ln/>
           <a:extLst>
             <a:ext uri="{909E8E84-426E-40dd-AFC4-6F175D3DCCD1}">
-              <a14:hiddenFill xmlns="" xmlns:a14="http://schemas.microsoft.com/office/drawing/2010/main">
+              <a14:hiddenFill xmlns:a14="http://schemas.microsoft.com/office/drawing/2010/main" xmlns="">
                 <a:solidFill>
                   <a:srgbClr val="FFFFFF"/>
                 </a:solidFill>
               </a14:hiddenFill>
             </a:ext>
             <a:ext uri="{91240B29-F687-4f45-9708-019B960494DF}">
-              <a14:hiddenLine xmlns="" xmlns:a14="http://schemas.microsoft.com/office/drawing/2010/main" w="9525">
+              <a14:hiddenLine xmlns:a14="http://schemas.microsoft.com/office/drawing/2010/main" xmlns="" w="9525">
                 <a:solidFill>
                   <a:srgbClr val="000000"/>
                 </a:solidFill>
@@ -1474,7 +1479,7 @@
                 <a:latin typeface="Open Sans" panose="020B0606030504020204" pitchFamily="34" charset="0"/>
               </a:rPr>
               <a:pPr/>
-              <a:t>30</a:t>
+              <a:t>33</a:t>
             </a:fld>
             <a:endParaRPr lang="en-US" sz="900" dirty="0">
               <a:latin typeface="Open Sans" panose="020B0606030504020204" pitchFamily="34" charset="0"/>
@@ -1515,14 +1520,14 @@
           <a:ln/>
           <a:extLst>
             <a:ext uri="{909E8E84-426E-40dd-AFC4-6F175D3DCCD1}">
-              <a14:hiddenFill xmlns="" xmlns:a14="http://schemas.microsoft.com/office/drawing/2010/main">
+              <a14:hiddenFill xmlns:a14="http://schemas.microsoft.com/office/drawing/2010/main" xmlns="">
                 <a:solidFill>
                   <a:srgbClr val="FFFFFF"/>
                 </a:solidFill>
               </a14:hiddenFill>
             </a:ext>
             <a:ext uri="{91240B29-F687-4f45-9708-019B960494DF}">
-              <a14:hiddenLine xmlns="" xmlns:a14="http://schemas.microsoft.com/office/drawing/2010/main" w="9525">
+              <a14:hiddenLine xmlns:a14="http://schemas.microsoft.com/office/drawing/2010/main" xmlns="" w="9525">
                 <a:solidFill>
                   <a:srgbClr val="000000"/>
                 </a:solidFill>
@@ -1532,7 +1537,7 @@
               </a14:hiddenLine>
             </a:ext>
             <a:ext uri="{FAA26D3D-D897-4be2-8F04-BA451C77F1D7}">
-              <ma14:placeholderFlag xmlns="" xmlns:ma14="http://schemas.microsoft.com/office/mac/drawingml/2011/main" val="1"/>
+              <ma14:placeholderFlag xmlns:ma14="http://schemas.microsoft.com/office/mac/drawingml/2011/main" xmlns="" val="1"/>
             </a:ext>
           </a:extLst>
         </p:spPr>
@@ -1637,7 +1642,7 @@
               <a:pPr>
                 <a:defRPr/>
               </a:pPr>
-              <a:t>32</a:t>
+              <a:t>35</a:t>
             </a:fld>
             <a:endParaRPr lang="en-US"/>
           </a:p>
@@ -1688,14 +1693,14 @@
           <a:ln/>
           <a:extLst>
             <a:ext uri="{909E8E84-426E-40dd-AFC4-6F175D3DCCD1}">
-              <a14:hiddenFill xmlns:a14="http://schemas.microsoft.com/office/drawing/2010/main" xmlns="">
+              <a14:hiddenFill xmlns="" xmlns:a14="http://schemas.microsoft.com/office/drawing/2010/main">
                 <a:solidFill>
                   <a:srgbClr val="FFFFFF"/>
                 </a:solidFill>
               </a14:hiddenFill>
             </a:ext>
             <a:ext uri="{91240B29-F687-4f45-9708-019B960494DF}">
-              <a14:hiddenLine xmlns:a14="http://schemas.microsoft.com/office/drawing/2010/main" xmlns="" w="9525">
+              <a14:hiddenLine xmlns="" xmlns:a14="http://schemas.microsoft.com/office/drawing/2010/main" w="9525">
                 <a:solidFill>
                   <a:srgbClr val="000000"/>
                 </a:solidFill>
@@ -1822,7 +1827,7 @@
                 <a:latin typeface="Open Sans" panose="020B0606030504020204" pitchFamily="34" charset="0"/>
               </a:rPr>
               <a:pPr/>
-              <a:t>3</a:t>
+              <a:t>4</a:t>
             </a:fld>
             <a:endParaRPr lang="en-US" sz="900" dirty="0">
               <a:latin typeface="Open Sans" panose="020B0606030504020204" pitchFamily="34" charset="0"/>
@@ -1863,14 +1868,14 @@
           <a:ln/>
           <a:extLst>
             <a:ext uri="{909E8E84-426E-40dd-AFC4-6F175D3DCCD1}">
-              <a14:hiddenFill xmlns:a14="http://schemas.microsoft.com/office/drawing/2010/main" xmlns="">
+              <a14:hiddenFill xmlns="" xmlns:a14="http://schemas.microsoft.com/office/drawing/2010/main">
                 <a:solidFill>
                   <a:srgbClr val="FFFFFF"/>
                 </a:solidFill>
               </a14:hiddenFill>
             </a:ext>
             <a:ext uri="{91240B29-F687-4f45-9708-019B960494DF}">
-              <a14:hiddenLine xmlns:a14="http://schemas.microsoft.com/office/drawing/2010/main" xmlns="" w="9525">
+              <a14:hiddenLine xmlns="" xmlns:a14="http://schemas.microsoft.com/office/drawing/2010/main" w="9525">
                 <a:solidFill>
                   <a:srgbClr val="000000"/>
                 </a:solidFill>
@@ -1880,7 +1885,7 @@
               </a14:hiddenLine>
             </a:ext>
             <a:ext uri="{FAA26D3D-D897-4be2-8F04-BA451C77F1D7}">
-              <ma14:placeholderFlag xmlns:ma14="http://schemas.microsoft.com/office/mac/drawingml/2011/main" xmlns="" val="1"/>
+              <ma14:placeholderFlag xmlns="" xmlns:ma14="http://schemas.microsoft.com/office/mac/drawingml/2011/main" val="1"/>
             </a:ext>
           </a:extLst>
         </p:spPr>
@@ -1941,14 +1946,14 @@
           <a:ln/>
           <a:extLst>
             <a:ext uri="{909E8E84-426E-40dd-AFC4-6F175D3DCCD1}">
-              <a14:hiddenFill xmlns="" xmlns:a14="http://schemas.microsoft.com/office/drawing/2010/main">
+              <a14:hiddenFill xmlns:a14="http://schemas.microsoft.com/office/drawing/2010/main" xmlns="">
                 <a:solidFill>
                   <a:srgbClr val="FFFFFF"/>
                 </a:solidFill>
               </a14:hiddenFill>
             </a:ext>
             <a:ext uri="{91240B29-F687-4f45-9708-019B960494DF}">
-              <a14:hiddenLine xmlns="" xmlns:a14="http://schemas.microsoft.com/office/drawing/2010/main" w="9525">
+              <a14:hiddenLine xmlns:a14="http://schemas.microsoft.com/office/drawing/2010/main" xmlns="" w="9525">
                 <a:solidFill>
                   <a:srgbClr val="000000"/>
                 </a:solidFill>
@@ -2075,7 +2080,7 @@
                 <a:latin typeface="Open Sans" panose="020B0606030504020204" pitchFamily="34" charset="0"/>
               </a:rPr>
               <a:pPr/>
-              <a:t>5</a:t>
+              <a:t>6</a:t>
             </a:fld>
             <a:endParaRPr lang="en-US" sz="900" dirty="0">
               <a:latin typeface="Open Sans" panose="020B0606030504020204" pitchFamily="34" charset="0"/>
@@ -2116,14 +2121,14 @@
           <a:ln/>
           <a:extLst>
             <a:ext uri="{909E8E84-426E-40dd-AFC4-6F175D3DCCD1}">
-              <a14:hiddenFill xmlns="" xmlns:a14="http://schemas.microsoft.com/office/drawing/2010/main">
+              <a14:hiddenFill xmlns:a14="http://schemas.microsoft.com/office/drawing/2010/main" xmlns="">
                 <a:solidFill>
                   <a:srgbClr val="FFFFFF"/>
                 </a:solidFill>
               </a14:hiddenFill>
             </a:ext>
             <a:ext uri="{91240B29-F687-4f45-9708-019B960494DF}">
-              <a14:hiddenLine xmlns="" xmlns:a14="http://schemas.microsoft.com/office/drawing/2010/main" w="9525">
+              <a14:hiddenLine xmlns:a14="http://schemas.microsoft.com/office/drawing/2010/main" xmlns="" w="9525">
                 <a:solidFill>
                   <a:srgbClr val="000000"/>
                 </a:solidFill>
@@ -2133,7 +2138,7 @@
               </a14:hiddenLine>
             </a:ext>
             <a:ext uri="{FAA26D3D-D897-4be2-8F04-BA451C77F1D7}">
-              <ma14:placeholderFlag xmlns="" xmlns:ma14="http://schemas.microsoft.com/office/mac/drawingml/2011/main" val="1"/>
+              <ma14:placeholderFlag xmlns:ma14="http://schemas.microsoft.com/office/mac/drawingml/2011/main" xmlns="" val="1"/>
             </a:ext>
           </a:extLst>
         </p:spPr>
@@ -2268,7 +2273,7 @@
               <a:pPr>
                 <a:defRPr/>
               </a:pPr>
-              <a:t>7</a:t>
+              <a:t>8</a:t>
             </a:fld>
             <a:endParaRPr lang="en-US"/>
           </a:p>
@@ -2358,7 +2363,7 @@
               <a:pPr>
                 <a:defRPr/>
               </a:pPr>
-              <a:t>12</a:t>
+              <a:t>13</a:t>
             </a:fld>
             <a:endParaRPr lang="en-US"/>
           </a:p>
@@ -2409,14 +2414,14 @@
           <a:ln/>
           <a:extLst>
             <a:ext uri="{909E8E84-426E-40dd-AFC4-6F175D3DCCD1}">
-              <a14:hiddenFill xmlns="" xmlns:a14="http://schemas.microsoft.com/office/drawing/2010/main">
+              <a14:hiddenFill xmlns:a14="http://schemas.microsoft.com/office/drawing/2010/main" xmlns="">
                 <a:solidFill>
                   <a:srgbClr val="FFFFFF"/>
                 </a:solidFill>
               </a14:hiddenFill>
             </a:ext>
             <a:ext uri="{91240B29-F687-4f45-9708-019B960494DF}">
-              <a14:hiddenLine xmlns="" xmlns:a14="http://schemas.microsoft.com/office/drawing/2010/main" w="9525">
+              <a14:hiddenLine xmlns:a14="http://schemas.microsoft.com/office/drawing/2010/main" xmlns="" w="9525">
                 <a:solidFill>
                   <a:srgbClr val="000000"/>
                 </a:solidFill>
@@ -2543,7 +2548,7 @@
                 <a:latin typeface="Open Sans" panose="020B0606030504020204" pitchFamily="34" charset="0"/>
               </a:rPr>
               <a:pPr/>
-              <a:t>16</a:t>
+              <a:t>19</a:t>
             </a:fld>
             <a:endParaRPr lang="en-US" sz="900" dirty="0">
               <a:latin typeface="Open Sans" panose="020B0606030504020204" pitchFamily="34" charset="0"/>
@@ -2584,14 +2589,14 @@
           <a:ln/>
           <a:extLst>
             <a:ext uri="{909E8E84-426E-40dd-AFC4-6F175D3DCCD1}">
-              <a14:hiddenFill xmlns="" xmlns:a14="http://schemas.microsoft.com/office/drawing/2010/main">
+              <a14:hiddenFill xmlns:a14="http://schemas.microsoft.com/office/drawing/2010/main" xmlns="">
                 <a:solidFill>
                   <a:srgbClr val="FFFFFF"/>
                 </a:solidFill>
               </a14:hiddenFill>
             </a:ext>
             <a:ext uri="{91240B29-F687-4f45-9708-019B960494DF}">
-              <a14:hiddenLine xmlns="" xmlns:a14="http://schemas.microsoft.com/office/drawing/2010/main" w="9525">
+              <a14:hiddenLine xmlns:a14="http://schemas.microsoft.com/office/drawing/2010/main" xmlns="" w="9525">
                 <a:solidFill>
                   <a:srgbClr val="000000"/>
                 </a:solidFill>
@@ -2601,7 +2606,7 @@
               </a14:hiddenLine>
             </a:ext>
             <a:ext uri="{FAA26D3D-D897-4be2-8F04-BA451C77F1D7}">
-              <ma14:placeholderFlag xmlns="" xmlns:ma14="http://schemas.microsoft.com/office/mac/drawingml/2011/main" val="1"/>
+              <ma14:placeholderFlag xmlns:ma14="http://schemas.microsoft.com/office/mac/drawingml/2011/main" xmlns="" val="1"/>
             </a:ext>
           </a:extLst>
         </p:spPr>
@@ -2662,14 +2667,14 @@
           <a:ln/>
           <a:extLst>
             <a:ext uri="{909E8E84-426E-40dd-AFC4-6F175D3DCCD1}">
-              <a14:hiddenFill xmlns="" xmlns:a14="http://schemas.microsoft.com/office/drawing/2010/main">
+              <a14:hiddenFill xmlns:a14="http://schemas.microsoft.com/office/drawing/2010/main" xmlns="">
                 <a:solidFill>
                   <a:srgbClr val="FFFFFF"/>
                 </a:solidFill>
               </a14:hiddenFill>
             </a:ext>
             <a:ext uri="{91240B29-F687-4f45-9708-019B960494DF}">
-              <a14:hiddenLine xmlns="" xmlns:a14="http://schemas.microsoft.com/office/drawing/2010/main" w="9525">
+              <a14:hiddenLine xmlns:a14="http://schemas.microsoft.com/office/drawing/2010/main" xmlns="" w="9525">
                 <a:solidFill>
                   <a:srgbClr val="000000"/>
                 </a:solidFill>
@@ -2796,7 +2801,7 @@
                 <a:latin typeface="Open Sans" panose="020B0606030504020204" pitchFamily="34" charset="0"/>
               </a:rPr>
               <a:pPr/>
-              <a:t>20</a:t>
+              <a:t>23</a:t>
             </a:fld>
             <a:endParaRPr lang="en-US" sz="900" dirty="0">
               <a:latin typeface="Open Sans" panose="020B0606030504020204" pitchFamily="34" charset="0"/>
@@ -2837,14 +2842,14 @@
           <a:ln/>
           <a:extLst>
             <a:ext uri="{909E8E84-426E-40dd-AFC4-6F175D3DCCD1}">
-              <a14:hiddenFill xmlns="" xmlns:a14="http://schemas.microsoft.com/office/drawing/2010/main">
+              <a14:hiddenFill xmlns:a14="http://schemas.microsoft.com/office/drawing/2010/main" xmlns="">
                 <a:solidFill>
                   <a:srgbClr val="FFFFFF"/>
                 </a:solidFill>
               </a14:hiddenFill>
             </a:ext>
             <a:ext uri="{91240B29-F687-4f45-9708-019B960494DF}">
-              <a14:hiddenLine xmlns="" xmlns:a14="http://schemas.microsoft.com/office/drawing/2010/main" w="9525">
+              <a14:hiddenLine xmlns:a14="http://schemas.microsoft.com/office/drawing/2010/main" xmlns="" w="9525">
                 <a:solidFill>
                   <a:srgbClr val="000000"/>
                 </a:solidFill>
@@ -2854,7 +2859,7 @@
               </a14:hiddenLine>
             </a:ext>
             <a:ext uri="{FAA26D3D-D897-4be2-8F04-BA451C77F1D7}">
-              <ma14:placeholderFlag xmlns="" xmlns:ma14="http://schemas.microsoft.com/office/mac/drawingml/2011/main" val="1"/>
+              <ma14:placeholderFlag xmlns:ma14="http://schemas.microsoft.com/office/mac/drawingml/2011/main" xmlns="" val="1"/>
             </a:ext>
           </a:extLst>
         </p:spPr>
@@ -2941,7 +2946,7 @@
                 <a:latin typeface="Open Sans" panose="020B0606030504020204" pitchFamily="34" charset="0"/>
                 <a:ea typeface="ＭＳ Ｐゴシック"/>
               </a:rPr>
-              <a:t>24</a:t>
+              <a:t>27</a:t>
             </a:fld>
             <a:endParaRPr lang="en-US" sz="2400" strike="noStrike" spc="-1" dirty="0">
               <a:solidFill>
@@ -3095,7 +3100,7 @@
                   </a:solidFill>
                 </a:uFill>
               </a:rPr>
-              <a:t>29</a:t>
+              <a:t>32</a:t>
             </a:fld>
             <a:endParaRPr lang="en-US" sz="1400" strike="noStrike" spc="-1" dirty="0">
               <a:solidFill>
@@ -3294,7 +3299,7 @@
           <a:p>
             <a:r>
               <a:rPr lang="en-US" dirty="0"/>
-              <a:t>Michael Ball | UC Berkeley | https://c88c.org | © CC BY-NC-SA</a:t>
+              <a:t>Eric Kim | UC Berkeley | https://c88c.org | © CC BY-NC-SA</a:t>
             </a:r>
           </a:p>
         </p:txBody>
@@ -3389,7 +3394,7 @@
           <a:p>
             <a:r>
               <a:rPr lang="en-US" dirty="0"/>
-              <a:t>Michael Ball | UC Berkeley | https://c88c.org | © CC BY-NC-SA</a:t>
+              <a:t>Eric Kim | UC Berkeley | https://c88c.org | © CC BY-NC-SA</a:t>
             </a:r>
           </a:p>
         </p:txBody>
@@ -3457,8 +3462,8 @@
           </a:lstStyle>
           <a:p>
             <a:r>
-              <a:rPr lang="en-US"/>
-              <a:t>Michael Ball | UC Berkeley | https://c88c.org | © CC BY-NC-SA</a:t>
+              <a:rPr lang="en-US" dirty="0"/>
+              <a:t>Eric Kim | UC Berkeley | https://c88c.org | © CC BY-NC-SA</a:t>
             </a:r>
           </a:p>
         </p:txBody>
@@ -3752,8 +3757,8 @@
           </a:lstStyle>
           <a:p>
             <a:r>
-              <a:rPr lang="en-US"/>
-              <a:t>Michael Ball | UC Berkeley | https://c88c.org | © CC BY-NC-SA</a:t>
+              <a:rPr lang="en-US" dirty="0"/>
+              <a:t>Eric Kim | UC Berkeley | https://c88c.org | © CC BY-NC-SA</a:t>
             </a:r>
           </a:p>
         </p:txBody>
@@ -3977,8 +3982,8 @@
           </a:lstStyle>
           <a:p>
             <a:r>
-              <a:rPr lang="en-US"/>
-              <a:t>Michael Ball | UC Berkeley | https://c88c.org | © CC BY-NC-SA</a:t>
+              <a:rPr lang="en-US" dirty="0"/>
+              <a:t>Eric Kim | UC Berkeley | https://c88c.org | © CC BY-NC-SA</a:t>
             </a:r>
           </a:p>
         </p:txBody>
@@ -4376,8 +4381,8 @@
           </a:lstStyle>
           <a:p>
             <a:r>
-              <a:rPr lang="en-US"/>
-              <a:t>Michael Ball | UC Berkeley | https://c88c.org | © CC BY-NC-SA</a:t>
+              <a:rPr lang="en-US" dirty="0"/>
+              <a:t>Eric Kim | UC Berkeley | https://c88c.org | © CC BY-NC-SA</a:t>
             </a:r>
           </a:p>
         </p:txBody>
@@ -4527,8 +4532,8 @@
           </a:lstStyle>
           <a:p>
             <a:r>
-              <a:rPr lang="en-US"/>
-              <a:t>Michael Ball | UC Berkeley | https://c88c.org | © CC BY-NC-SA</a:t>
+              <a:rPr lang="en-US" dirty="0"/>
+              <a:t>Eric Kim | UC Berkeley | https://c88c.org | © CC BY-NC-SA</a:t>
             </a:r>
           </a:p>
         </p:txBody>
@@ -4707,10 +4712,10 @@
           <a:lstStyle/>
           <a:p>
             <a:r>
-              <a:rPr lang="en-US">
+              <a:rPr lang="en-US" dirty="0">
                 <a:latin typeface="FreightMicro Pro Light" panose="02000603030000020004" pitchFamily="2" charset="0"/>
               </a:rPr>
-              <a:t>Michael Ball | UC Berkeley | https://c88c.org | © CC BY-NC-SA</a:t>
+              <a:t>Eric Kim | UC Berkeley | https://c88c.org | © CC BY-NC-SA</a:t>
             </a:r>
           </a:p>
         </p:txBody>
@@ -4969,10 +4974,10 @@
           <a:lstStyle/>
           <a:p>
             <a:r>
-              <a:rPr lang="en-US">
+              <a:rPr lang="en-US" dirty="0">
                 <a:latin typeface="FreightMicro Pro Light" panose="02000603030000020004" pitchFamily="2" charset="0"/>
               </a:rPr>
-              <a:t>Michael Ball | UC Berkeley | https://c88c.org | © CC BY-NC-SA</a:t>
+              <a:t>Eric Kim | UC Berkeley | https://c88c.org | © CC BY-NC-SA</a:t>
             </a:r>
           </a:p>
         </p:txBody>
@@ -5364,10 +5369,10 @@
           <a:lstStyle/>
           <a:p>
             <a:r>
-              <a:rPr lang="en-US">
+              <a:rPr lang="en-US" dirty="0">
                 <a:latin typeface="FreightMicro Pro Light" panose="02000603030000020004" pitchFamily="2" charset="0"/>
               </a:rPr>
-              <a:t>Michael Ball | UC Berkeley | https://c88c.org | © CC BY-NC-SA</a:t>
+              <a:t>Eric Kim | UC Berkeley | https://c88c.org | © CC BY-NC-SA</a:t>
             </a:r>
           </a:p>
         </p:txBody>
@@ -5759,10 +5764,10 @@
           <a:lstStyle/>
           <a:p>
             <a:r>
-              <a:rPr lang="en-US">
+              <a:rPr lang="en-US" dirty="0">
                 <a:latin typeface="FreightMicro Pro Light" panose="02000603030000020004" pitchFamily="2" charset="0"/>
               </a:rPr>
-              <a:t>Michael Ball | UC Berkeley | https://c88c.org | © CC BY-NC-SA</a:t>
+              <a:t>Eric Kim | UC Berkeley | https://c88c.org | © CC BY-NC-SA</a:t>
             </a:r>
           </a:p>
         </p:txBody>
@@ -5832,7 +5837,7 @@
           </a:ln>
           <a:extLst>
             <a:ext uri="{909E8E84-426E-40dd-AFC4-6F175D3DCCD1}">
-              <a14:hiddenFill xmlns="" xmlns:a14="http://schemas.microsoft.com/office/drawing/2010/main">
+              <a14:hiddenFill xmlns:a14="http://schemas.microsoft.com/office/drawing/2010/main" xmlns="">
                 <a:noFill/>
               </a14:hiddenFill>
             </a:ext>
@@ -5952,14 +5957,14 @@
           </a:ln>
           <a:extLst>
             <a:ext uri="{909E8E84-426E-40dd-AFC4-6F175D3DCCD1}">
-              <a14:hiddenFill xmlns="" xmlns:a14="http://schemas.microsoft.com/office/drawing/2010/main">
+              <a14:hiddenFill xmlns:a14="http://schemas.microsoft.com/office/drawing/2010/main" xmlns="">
                 <a:solidFill>
                   <a:srgbClr val="FFFFFF"/>
                 </a:solidFill>
               </a14:hiddenFill>
             </a:ext>
             <a:ext uri="{91240B29-F687-4f45-9708-019B960494DF}">
-              <a14:hiddenLine xmlns="" xmlns:a14="http://schemas.microsoft.com/office/drawing/2010/main" w="9525">
+              <a14:hiddenLine xmlns:a14="http://schemas.microsoft.com/office/drawing/2010/main" xmlns="" w="9525">
                 <a:solidFill>
                   <a:srgbClr val="000000"/>
                 </a:solidFill>
@@ -5969,7 +5974,7 @@
               </a14:hiddenLine>
             </a:ext>
             <a:ext uri="{FAA26D3D-D897-4be2-8F04-BA451C77F1D7}">
-              <ma14:placeholderFlag xmlns="" xmlns:ma14="http://schemas.microsoft.com/office/mac/drawingml/2011/main" val="1"/>
+              <ma14:placeholderFlag xmlns:ma14="http://schemas.microsoft.com/office/mac/drawingml/2011/main" xmlns="" val="1"/>
             </a:ext>
           </a:extLst>
         </p:spPr>
@@ -6465,7 +6470,7 @@
           <a:p>
             <a:r>
               <a:rPr lang="en-US" dirty="0"/>
-              <a:t>Michael Ball | UC Berkeley | https://c88c.org | © CC BY-NC-SA</a:t>
+              <a:t>Eric Kim | UC Berkeley | https://c88c.org | © CC BY-NC-SA</a:t>
             </a:r>
           </a:p>
         </p:txBody>
@@ -6527,7 +6532,7 @@
           </a:ln>
           <a:extLst>
             <a:ext uri="{909E8E84-426E-40dd-AFC4-6F175D3DCCD1}">
-              <a14:hiddenFill xmlns="" xmlns:a14="http://schemas.microsoft.com/office/drawing/2010/main">
+              <a14:hiddenFill xmlns:a14="http://schemas.microsoft.com/office/drawing/2010/main" xmlns="">
                 <a:noFill/>
               </a14:hiddenFill>
             </a:ext>
@@ -6572,14 +6577,14 @@
           </a:ln>
           <a:extLst>
             <a:ext uri="{909E8E84-426E-40dd-AFC4-6F175D3DCCD1}">
-              <a14:hiddenFill xmlns="" xmlns:a14="http://schemas.microsoft.com/office/drawing/2010/main">
+              <a14:hiddenFill xmlns:a14="http://schemas.microsoft.com/office/drawing/2010/main" xmlns="">
                 <a:solidFill>
                   <a:srgbClr val="FFFFFF"/>
                 </a:solidFill>
               </a14:hiddenFill>
             </a:ext>
             <a:ext uri="{91240B29-F687-4f45-9708-019B960494DF}">
-              <a14:hiddenLine xmlns="" xmlns:a14="http://schemas.microsoft.com/office/drawing/2010/main" w="9525">
+              <a14:hiddenLine xmlns:a14="http://schemas.microsoft.com/office/drawing/2010/main" xmlns="" w="9525">
                 <a:solidFill>
                   <a:srgbClr val="000000"/>
                 </a:solidFill>
@@ -6685,14 +6690,14 @@
           </a:ln>
           <a:extLst>
             <a:ext uri="{909E8E84-426E-40dd-AFC4-6F175D3DCCD1}">
-              <a14:hiddenFill xmlns="" xmlns:a14="http://schemas.microsoft.com/office/drawing/2010/main">
+              <a14:hiddenFill xmlns:a14="http://schemas.microsoft.com/office/drawing/2010/main" xmlns="">
                 <a:solidFill>
                   <a:srgbClr val="FFFFFF"/>
                 </a:solidFill>
               </a14:hiddenFill>
             </a:ext>
             <a:ext uri="{91240B29-F687-4f45-9708-019B960494DF}">
-              <a14:hiddenLine xmlns="" xmlns:a14="http://schemas.microsoft.com/office/drawing/2010/main" w="9525">
+              <a14:hiddenLine xmlns:a14="http://schemas.microsoft.com/office/drawing/2010/main" xmlns="" w="9525">
                 <a:solidFill>
                   <a:srgbClr val="000000"/>
                 </a:solidFill>
@@ -6702,7 +6707,7 @@
               </a14:hiddenLine>
             </a:ext>
             <a:ext uri="{FAA26D3D-D897-4be2-8F04-BA451C77F1D7}">
-              <ma14:placeholderFlag xmlns="" xmlns:ma14="http://schemas.microsoft.com/office/mac/drawingml/2011/main" val="1"/>
+              <ma14:placeholderFlag xmlns:ma14="http://schemas.microsoft.com/office/mac/drawingml/2011/main" xmlns="" val="1"/>
             </a:ext>
           </a:extLst>
         </p:spPr>
@@ -6964,7 +6969,7 @@
                 <a:ea typeface="Open Sans" panose="020B0606030504020204" pitchFamily="34" charset="0"/>
                 <a:cs typeface="Open Sans" panose="020B0606030504020204" pitchFamily="34" charset="0"/>
               </a:rPr>
-              <a:t>Michael Ball</a:t>
+              <a:t>Eric Kim</a:t>
             </a:r>
           </a:p>
         </p:txBody>
@@ -7050,14 +7055,14 @@
           </a:ln>
           <a:extLst>
             <a:ext uri="{909E8E84-426E-40dd-AFC4-6F175D3DCCD1}">
-              <a14:hiddenFill xmlns="" xmlns:a14="http://schemas.microsoft.com/office/drawing/2010/main">
+              <a14:hiddenFill xmlns:a14="http://schemas.microsoft.com/office/drawing/2010/main" xmlns="">
                 <a:solidFill>
                   <a:srgbClr val="FFFFFF"/>
                 </a:solidFill>
               </a14:hiddenFill>
             </a:ext>
             <a:ext uri="{91240B29-F687-4f45-9708-019B960494DF}">
-              <a14:hiddenLine xmlns="" xmlns:a14="http://schemas.microsoft.com/office/drawing/2010/main" w="9525">
+              <a14:hiddenLine xmlns:a14="http://schemas.microsoft.com/office/drawing/2010/main" xmlns="" w="9525">
                 <a:solidFill>
                   <a:srgbClr val="000000"/>
                 </a:solidFill>
@@ -7067,7 +7072,7 @@
               </a14:hiddenLine>
             </a:ext>
             <a:ext uri="{FAA26D3D-D897-4be2-8F04-BA451C77F1D7}">
-              <ma14:placeholderFlag xmlns="" xmlns:ma14="http://schemas.microsoft.com/office/mac/drawingml/2011/main" val="1"/>
+              <ma14:placeholderFlag xmlns:ma14="http://schemas.microsoft.com/office/mac/drawingml/2011/main" xmlns="" val="1"/>
             </a:ext>
           </a:extLst>
         </p:spPr>
@@ -7250,7 +7255,7 @@
               <a:rPr lang="en-US" sz="1200" b="0" i="0" baseline="0" dirty="0">
                 <a:latin typeface="FreightMicro Pro Light" panose="02000603030000020004" pitchFamily="2" charset="0"/>
               </a:rPr>
-              <a:t>UC Berkeley | Computer Science 88 | Michael Ball | http://cs88.org</a:t>
+              <a:t>UC Berkeley | Computer Science 88 | Eric Kim | http://cs88.org</a:t>
             </a:r>
           </a:p>
         </p:txBody>
@@ -8122,7 +8127,7 @@
           </a:ln>
           <a:extLst>
             <a:ext uri="{909E8E84-426E-40dd-AFC4-6F175D3DCCD1}">
-              <a14:hiddenFill xmlns:a14="http://schemas.microsoft.com/office/drawing/2010/main" xmlns="">
+              <a14:hiddenFill xmlns="" xmlns:a14="http://schemas.microsoft.com/office/drawing/2010/main">
                 <a:noFill/>
               </a14:hiddenFill>
             </a:ext>
@@ -8242,14 +8247,14 @@
           </a:ln>
           <a:extLst>
             <a:ext uri="{909E8E84-426E-40dd-AFC4-6F175D3DCCD1}">
-              <a14:hiddenFill xmlns:a14="http://schemas.microsoft.com/office/drawing/2010/main" xmlns="">
+              <a14:hiddenFill xmlns="" xmlns:a14="http://schemas.microsoft.com/office/drawing/2010/main">
                 <a:solidFill>
                   <a:srgbClr val="FFFFFF"/>
                 </a:solidFill>
               </a14:hiddenFill>
             </a:ext>
             <a:ext uri="{91240B29-F687-4f45-9708-019B960494DF}">
-              <a14:hiddenLine xmlns:a14="http://schemas.microsoft.com/office/drawing/2010/main" xmlns="" w="9525">
+              <a14:hiddenLine xmlns="" xmlns:a14="http://schemas.microsoft.com/office/drawing/2010/main" w="9525">
                 <a:solidFill>
                   <a:srgbClr val="000000"/>
                 </a:solidFill>
@@ -8259,7 +8264,7 @@
               </a14:hiddenLine>
             </a:ext>
             <a:ext uri="{FAA26D3D-D897-4be2-8F04-BA451C77F1D7}">
-              <ma14:placeholderFlag xmlns:ma14="http://schemas.microsoft.com/office/mac/drawingml/2011/main" xmlns="" val="1"/>
+              <ma14:placeholderFlag xmlns="" xmlns:ma14="http://schemas.microsoft.com/office/mac/drawingml/2011/main" val="1"/>
             </a:ext>
           </a:extLst>
         </p:spPr>
@@ -8770,7 +8775,7 @@
           <a:p>
             <a:r>
               <a:rPr lang="en-US" dirty="0"/>
-              <a:t>Michael Ball | UC Berkeley | https://c88c.org | © CC BY-NC-SA</a:t>
+              <a:t>Eric Kim | UC Berkeley | https://c88c.org | © CC BY-NC-SA</a:t>
             </a:r>
           </a:p>
         </p:txBody>
@@ -8955,8 +8960,8 @@
           </a:lstStyle>
           <a:p>
             <a:r>
-              <a:rPr lang="en-US"/>
-              <a:t>Michael Ball | UC Berkeley | https://c88c.org | © CC BY-NC-SA</a:t>
+              <a:rPr lang="en-US" dirty="0"/>
+              <a:t>Eric Kim | UC Berkeley | https://c88c.org | © CC BY-NC-SA</a:t>
             </a:r>
           </a:p>
         </p:txBody>
@@ -9126,8 +9131,8 @@
           </a:lstStyle>
           <a:p>
             <a:r>
-              <a:rPr lang="en-US"/>
-              <a:t>Michael Ball | UC Berkeley | https://c88c.org | © CC BY-NC-SA</a:t>
+              <a:rPr lang="en-US" dirty="0"/>
+              <a:t>Eric Kim | UC Berkeley | https://c88c.org | © CC BY-NC-SA</a:t>
             </a:r>
           </a:p>
         </p:txBody>
@@ -9395,8 +9400,8 @@
           </a:lstStyle>
           <a:p>
             <a:r>
-              <a:rPr lang="en-US"/>
-              <a:t>Michael Ball | UC Berkeley | https://c88c.org | © CC BY-NC-SA</a:t>
+              <a:rPr lang="en-US" dirty="0"/>
+              <a:t>Eric Kim | UC Berkeley | https://c88c.org | © CC BY-NC-SA</a:t>
             </a:r>
           </a:p>
         </p:txBody>
@@ -9664,8 +9669,8 @@
           </a:lstStyle>
           <a:p>
             <a:r>
-              <a:rPr lang="en-US"/>
-              <a:t>Michael Ball | UC Berkeley | https://c88c.org | © CC BY-NC-SA</a:t>
+              <a:rPr lang="en-US" dirty="0"/>
+              <a:t>Eric Kim | UC Berkeley | https://c88c.org | © CC BY-NC-SA</a:t>
             </a:r>
           </a:p>
         </p:txBody>
@@ -9923,7 +9928,7 @@
           <a:p>
             <a:r>
               <a:rPr lang="en-US" dirty="0"/>
-              <a:t>Michael Ball | UC Berkeley | https://c88c.org | © CC BY-NC-SA</a:t>
+              <a:t>Eric Kim | UC Berkeley | https://c88c.org | © CC BY-NC-SA</a:t>
             </a:r>
           </a:p>
         </p:txBody>
@@ -10321,8 +10326,8 @@
           </a:lstStyle>
           <a:p>
             <a:r>
-              <a:rPr lang="en-US"/>
-              <a:t>Michael Ball | UC Berkeley | https://c88c.org | © CC BY-NC-SA</a:t>
+              <a:rPr lang="en-US" dirty="0"/>
+              <a:t>Eric Kim | UC Berkeley | https://c88c.org | © CC BY-NC-SA</a:t>
             </a:r>
           </a:p>
         </p:txBody>
@@ -10391,14 +10396,14 @@
           </a:ln>
           <a:extLst>
             <a:ext uri="{909E8E84-426E-40dd-AFC4-6F175D3DCCD1}">
-              <a14:hiddenFill xmlns:a14="http://schemas.microsoft.com/office/drawing/2010/main" xmlns="">
+              <a14:hiddenFill xmlns="" xmlns:a14="http://schemas.microsoft.com/office/drawing/2010/main">
                 <a:solidFill>
                   <a:srgbClr val="FFFFFF"/>
                 </a:solidFill>
               </a14:hiddenFill>
             </a:ext>
             <a:ext uri="{91240B29-F687-4f45-9708-019B960494DF}">
-              <a14:hiddenLine xmlns:a14="http://schemas.microsoft.com/office/drawing/2010/main" xmlns="" w="9525">
+              <a14:hiddenLine xmlns="" xmlns:a14="http://schemas.microsoft.com/office/drawing/2010/main" w="9525">
                 <a:solidFill>
                   <a:srgbClr val="000000"/>
                 </a:solidFill>
@@ -10408,7 +10413,7 @@
               </a14:hiddenLine>
             </a:ext>
             <a:ext uri="{FAA26D3D-D897-4be2-8F04-BA451C77F1D7}">
-              <ma14:placeholderFlag xmlns:ma14="http://schemas.microsoft.com/office/mac/drawingml/2011/main" xmlns="" val="1"/>
+              <ma14:placeholderFlag xmlns="" xmlns:ma14="http://schemas.microsoft.com/office/mac/drawingml/2011/main" val="1"/>
             </a:ext>
           </a:extLst>
         </p:spPr>
@@ -10453,14 +10458,14 @@
           </a:ln>
           <a:extLst>
             <a:ext uri="{909E8E84-426E-40dd-AFC4-6F175D3DCCD1}">
-              <a14:hiddenFill xmlns:a14="http://schemas.microsoft.com/office/drawing/2010/main" xmlns="">
+              <a14:hiddenFill xmlns="" xmlns:a14="http://schemas.microsoft.com/office/drawing/2010/main">
                 <a:solidFill>
                   <a:srgbClr val="FFFFFF"/>
                 </a:solidFill>
               </a14:hiddenFill>
             </a:ext>
             <a:ext uri="{91240B29-F687-4f45-9708-019B960494DF}">
-              <a14:hiddenLine xmlns:a14="http://schemas.microsoft.com/office/drawing/2010/main" xmlns="" w="9525">
+              <a14:hiddenLine xmlns="" xmlns:a14="http://schemas.microsoft.com/office/drawing/2010/main" w="9525">
                 <a:solidFill>
                   <a:srgbClr val="000000"/>
                 </a:solidFill>
@@ -10470,7 +10475,7 @@
               </a14:hiddenLine>
             </a:ext>
             <a:ext uri="{FAA26D3D-D897-4be2-8F04-BA451C77F1D7}">
-              <ma14:placeholderFlag xmlns:ma14="http://schemas.microsoft.com/office/mac/drawingml/2011/main" xmlns="" val="1"/>
+              <ma14:placeholderFlag xmlns="" xmlns:ma14="http://schemas.microsoft.com/office/mac/drawingml/2011/main" val="1"/>
             </a:ext>
           </a:extLst>
         </p:spPr>
@@ -10560,7 +10565,7 @@
           <a:p>
             <a:r>
               <a:rPr lang="en-US" dirty="0"/>
-              <a:t>Michael Ball | UC Berkeley | https://c88c.org | © CC BY-NC-SA</a:t>
+              <a:t>Eric Kim | UC Berkeley | https://c88c.org | © CC BY-NC-SA</a:t>
             </a:r>
           </a:p>
         </p:txBody>
@@ -11167,6 +11172,355 @@
           <p:cNvPr id="2" name="Title 1">
             <a:extLst>
               <a:ext uri="{FF2B5EF4-FFF2-40B4-BE49-F238E27FC236}">
+                <a16:creationId xmlns:a16="http://schemas.microsoft.com/office/drawing/2014/main" id="{A4F94377-83A5-FEF8-2EAD-50A3D9713FA8}"/>
+              </a:ext>
+            </a:extLst>
+          </p:cNvPr>
+          <p:cNvSpPr>
+            <a:spLocks noGrp="1"/>
+          </p:cNvSpPr>
+          <p:nvPr>
+            <p:ph type="title"/>
+          </p:nvPr>
+        </p:nvSpPr>
+        <p:spPr/>
+        <p:txBody>
+          <a:bodyPr/>
+          <a:lstStyle/>
+          <a:p>
+            <a:r>
+              <a:rPr lang="en-US" dirty="0"/>
+              <a:t>Functions in Python</a:t>
+            </a:r>
+          </a:p>
+        </p:txBody>
+      </p:sp>
+      <p:sp>
+        <p:nvSpPr>
+          <p:cNvPr id="3" name="Content Placeholder 2">
+            <a:extLst>
+              <a:ext uri="{FF2B5EF4-FFF2-40B4-BE49-F238E27FC236}">
+                <a16:creationId xmlns:a16="http://schemas.microsoft.com/office/drawing/2014/main" id="{BEA63EB1-F6B9-3229-523C-A9D93C614F7F}"/>
+              </a:ext>
+            </a:extLst>
+          </p:cNvPr>
+          <p:cNvSpPr>
+            <a:spLocks noGrp="1"/>
+          </p:cNvSpPr>
+          <p:nvPr>
+            <p:ph idx="1"/>
+          </p:nvPr>
+        </p:nvSpPr>
+        <p:spPr/>
+        <p:txBody>
+          <a:bodyPr/>
+          <a:lstStyle/>
+          <a:p>
+            <a:r>
+              <a:rPr lang="en-US" dirty="0"/>
+              <a:t>We "define" them with def</a:t>
+            </a:r>
+          </a:p>
+          <a:p>
+            <a:r>
+              <a:rPr lang="en-US" dirty="0"/>
+              <a:t>We typically </a:t>
+            </a:r>
+            <a:r>
+              <a:rPr lang="en-US" dirty="0" err="1"/>
+              <a:t>name_them_using_underscores</a:t>
+            </a:r>
+            <a:r>
+              <a:rPr lang="en-US" dirty="0"/>
+              <a:t>  ("Snake case")</a:t>
+            </a:r>
+          </a:p>
+          <a:p>
+            <a:r>
+              <a:rPr lang="en-US" dirty="0"/>
+              <a:t>The first line ends in a :</a:t>
+            </a:r>
+          </a:p>
+          <a:p>
+            <a:r>
+              <a:rPr lang="en-US" dirty="0"/>
+              <a:t>The body is indented by 4 spaces</a:t>
+            </a:r>
+          </a:p>
+          <a:p>
+            <a:r>
+              <a:rPr lang="en-US" dirty="0"/>
+              <a:t>Arguments (parameters) create 'names' that exist only in our function</a:t>
+            </a:r>
+          </a:p>
+          <a:p>
+            <a:r>
+              <a:rPr lang="en-US" dirty="0"/>
+              <a:t>Most functions will return a value, but some do not.</a:t>
+            </a:r>
+          </a:p>
+          <a:p>
+            <a:pPr marL="0" indent="0">
+              <a:buNone/>
+            </a:pPr>
+            <a:r>
+              <a:rPr lang="en-US" sz="2400" dirty="0">
+                <a:latin typeface="Source Code Pro" panose="020B0309030403020204" pitchFamily="34" charset="0"/>
+                <a:ea typeface="Source Code Pro" panose="020B0309030403020204" pitchFamily="34" charset="0"/>
+              </a:rPr>
+              <a:t>def </a:t>
+            </a:r>
+            <a:r>
+              <a:rPr lang="en-US" sz="2400" dirty="0" err="1">
+                <a:latin typeface="Source Code Pro" panose="020B0309030403020204" pitchFamily="34" charset="0"/>
+                <a:ea typeface="Source Code Pro" panose="020B0309030403020204" pitchFamily="34" charset="0"/>
+              </a:rPr>
+              <a:t>print_greet</a:t>
+            </a:r>
+            <a:r>
+              <a:rPr lang="en-US" sz="2400" dirty="0">
+                <a:latin typeface="Source Code Pro" panose="020B0309030403020204" pitchFamily="34" charset="0"/>
+                <a:ea typeface="Source Code Pro" panose="020B0309030403020204" pitchFamily="34" charset="0"/>
+              </a:rPr>
+              <a:t>(name):</a:t>
+            </a:r>
+          </a:p>
+          <a:p>
+            <a:pPr marL="0" indent="0">
+              <a:buNone/>
+            </a:pPr>
+            <a:r>
+              <a:rPr lang="en-US" sz="2400" dirty="0">
+                <a:latin typeface="Source Code Pro" panose="020B0309030403020204" pitchFamily="34" charset="0"/>
+                <a:ea typeface="Source Code Pro" panose="020B0309030403020204" pitchFamily="34" charset="0"/>
+              </a:rPr>
+              <a:t>    print("Hello, " + name)</a:t>
+            </a:r>
+          </a:p>
+          <a:p>
+            <a:pPr marL="0" indent="0">
+              <a:buNone/>
+            </a:pPr>
+            <a:r>
+              <a:rPr lang="en-US" sz="2400" dirty="0">
+                <a:latin typeface="Source Code Pro" panose="020B0309030403020204" pitchFamily="34" charset="0"/>
+                <a:ea typeface="Source Code Pro" panose="020B0309030403020204" pitchFamily="34" charset="0"/>
+              </a:rPr>
+              <a:t>def greet(name):</a:t>
+            </a:r>
+          </a:p>
+          <a:p>
+            <a:pPr marL="0" indent="0">
+              <a:buNone/>
+            </a:pPr>
+            <a:r>
+              <a:rPr lang="en-US" sz="2400" dirty="0">
+                <a:latin typeface="Source Code Pro" panose="020B0309030403020204" pitchFamily="34" charset="0"/>
+                <a:ea typeface="Source Code Pro" panose="020B0309030403020204" pitchFamily="34" charset="0"/>
+              </a:rPr>
+              <a:t>    return "Hello, " + name</a:t>
+            </a:r>
+          </a:p>
+          <a:p>
+            <a:endParaRPr lang="en-US" dirty="0"/>
+          </a:p>
+        </p:txBody>
+      </p:sp>
+      <p:sp>
+        <p:nvSpPr>
+          <p:cNvPr id="7" name="Footer Placeholder 2">
+            <a:extLst>
+              <a:ext uri="{FF2B5EF4-FFF2-40B4-BE49-F238E27FC236}">
+                <a16:creationId xmlns:a16="http://schemas.microsoft.com/office/drawing/2014/main" id="{6696FC56-6218-6EB4-E825-C4F5714F06E6}"/>
+              </a:ext>
+            </a:extLst>
+          </p:cNvPr>
+          <p:cNvSpPr txBox="1">
+            <a:spLocks/>
+          </p:cNvSpPr>
+          <p:nvPr/>
+        </p:nvSpPr>
+        <p:spPr>
+          <a:xfrm>
+            <a:off x="4038600" y="6416675"/>
+            <a:ext cx="4419600" cy="365125"/>
+          </a:xfrm>
+          <a:prstGeom prst="rect">
+            <a:avLst/>
+          </a:prstGeom>
+        </p:spPr>
+        <p:txBody>
+          <a:bodyPr vert="horz" lIns="91440" tIns="45720" rIns="91440" bIns="45720" rtlCol="0" anchor="ctr"/>
+          <a:lstStyle>
+            <a:defPPr>
+              <a:defRPr lang="en-US"/>
+            </a:defPPr>
+            <a:lvl1pPr algn="ctr" rtl="0" eaLnBrk="0" fontAlgn="base" hangingPunct="0">
+              <a:spcBef>
+                <a:spcPct val="0"/>
+              </a:spcBef>
+              <a:spcAft>
+                <a:spcPct val="0"/>
+              </a:spcAft>
+              <a:defRPr sz="1200" kern="1200">
+                <a:solidFill>
+                  <a:schemeClr val="accent3"/>
+                </a:solidFill>
+                <a:latin typeface="Arial" charset="0"/>
+                <a:ea typeface="ＭＳ Ｐゴシック" charset="0"/>
+                <a:cs typeface="ＭＳ Ｐゴシック" charset="0"/>
+              </a:defRPr>
+            </a:lvl1pPr>
+            <a:lvl2pPr marL="457200" algn="l" rtl="0" eaLnBrk="0" fontAlgn="base" hangingPunct="0">
+              <a:spcBef>
+                <a:spcPct val="0"/>
+              </a:spcBef>
+              <a:spcAft>
+                <a:spcPct val="0"/>
+              </a:spcAft>
+              <a:defRPr kern="1200">
+                <a:solidFill>
+                  <a:schemeClr val="tx1"/>
+                </a:solidFill>
+                <a:latin typeface="Arial" charset="0"/>
+                <a:ea typeface="ＭＳ Ｐゴシック" charset="0"/>
+                <a:cs typeface="ＭＳ Ｐゴシック" charset="0"/>
+              </a:defRPr>
+            </a:lvl2pPr>
+            <a:lvl3pPr marL="914400" algn="l" rtl="0" eaLnBrk="0" fontAlgn="base" hangingPunct="0">
+              <a:spcBef>
+                <a:spcPct val="0"/>
+              </a:spcBef>
+              <a:spcAft>
+                <a:spcPct val="0"/>
+              </a:spcAft>
+              <a:defRPr kern="1200">
+                <a:solidFill>
+                  <a:schemeClr val="tx1"/>
+                </a:solidFill>
+                <a:latin typeface="Arial" charset="0"/>
+                <a:ea typeface="ＭＳ Ｐゴシック" charset="0"/>
+                <a:cs typeface="ＭＳ Ｐゴシック" charset="0"/>
+              </a:defRPr>
+            </a:lvl3pPr>
+            <a:lvl4pPr marL="1371600" algn="l" rtl="0" eaLnBrk="0" fontAlgn="base" hangingPunct="0">
+              <a:spcBef>
+                <a:spcPct val="0"/>
+              </a:spcBef>
+              <a:spcAft>
+                <a:spcPct val="0"/>
+              </a:spcAft>
+              <a:defRPr kern="1200">
+                <a:solidFill>
+                  <a:schemeClr val="tx1"/>
+                </a:solidFill>
+                <a:latin typeface="Arial" charset="0"/>
+                <a:ea typeface="ＭＳ Ｐゴシック" charset="0"/>
+                <a:cs typeface="ＭＳ Ｐゴシック" charset="0"/>
+              </a:defRPr>
+            </a:lvl4pPr>
+            <a:lvl5pPr marL="1828800" algn="l" rtl="0" eaLnBrk="0" fontAlgn="base" hangingPunct="0">
+              <a:spcBef>
+                <a:spcPct val="0"/>
+              </a:spcBef>
+              <a:spcAft>
+                <a:spcPct val="0"/>
+              </a:spcAft>
+              <a:defRPr kern="1200">
+                <a:solidFill>
+                  <a:schemeClr val="tx1"/>
+                </a:solidFill>
+                <a:latin typeface="Arial" charset="0"/>
+                <a:ea typeface="ＭＳ Ｐゴシック" charset="0"/>
+                <a:cs typeface="ＭＳ Ｐゴシック" charset="0"/>
+              </a:defRPr>
+            </a:lvl5pPr>
+            <a:lvl6pPr marL="2286000" algn="l" defTabSz="457200" rtl="0" eaLnBrk="1" latinLnBrk="0" hangingPunct="1">
+              <a:defRPr kern="1200">
+                <a:solidFill>
+                  <a:schemeClr val="tx1"/>
+                </a:solidFill>
+                <a:latin typeface="Arial" charset="0"/>
+                <a:ea typeface="ＭＳ Ｐゴシック" charset="0"/>
+                <a:cs typeface="ＭＳ Ｐゴシック" charset="0"/>
+              </a:defRPr>
+            </a:lvl6pPr>
+            <a:lvl7pPr marL="2743200" algn="l" defTabSz="457200" rtl="0" eaLnBrk="1" latinLnBrk="0" hangingPunct="1">
+              <a:defRPr kern="1200">
+                <a:solidFill>
+                  <a:schemeClr val="tx1"/>
+                </a:solidFill>
+                <a:latin typeface="Arial" charset="0"/>
+                <a:ea typeface="ＭＳ Ｐゴシック" charset="0"/>
+                <a:cs typeface="ＭＳ Ｐゴシック" charset="0"/>
+              </a:defRPr>
+            </a:lvl7pPr>
+            <a:lvl8pPr marL="3200400" algn="l" defTabSz="457200" rtl="0" eaLnBrk="1" latinLnBrk="0" hangingPunct="1">
+              <a:defRPr kern="1200">
+                <a:solidFill>
+                  <a:schemeClr val="tx1"/>
+                </a:solidFill>
+                <a:latin typeface="Arial" charset="0"/>
+                <a:ea typeface="ＭＳ Ｐゴシック" charset="0"/>
+                <a:cs typeface="ＭＳ Ｐゴシック" charset="0"/>
+              </a:defRPr>
+            </a:lvl8pPr>
+            <a:lvl9pPr marL="3657600" algn="l" defTabSz="457200" rtl="0" eaLnBrk="1" latinLnBrk="0" hangingPunct="1">
+              <a:defRPr kern="1200">
+                <a:solidFill>
+                  <a:schemeClr val="tx1"/>
+                </a:solidFill>
+                <a:latin typeface="Arial" charset="0"/>
+                <a:ea typeface="ＭＳ Ｐゴシック" charset="0"/>
+                <a:cs typeface="ＭＳ Ｐゴシック" charset="0"/>
+              </a:defRPr>
+            </a:lvl9pPr>
+          </a:lstStyle>
+          <a:p>
+            <a:r>
+              <a:rPr lang="en-US" dirty="0">
+                <a:latin typeface="FreightMicro Pro Book" panose="02000603020000020004" pitchFamily="2" charset="0"/>
+              </a:rPr>
+              <a:t>Eric Kim | UC Berkeley | https://c88c.org | © CC BY-NC-SA</a:t>
+            </a:r>
+          </a:p>
+        </p:txBody>
+      </p:sp>
+    </p:spTree>
+    <p:extLst>
+      <p:ext uri="{BB962C8B-B14F-4D97-AF65-F5344CB8AC3E}">
+        <p14:creationId xmlns:p14="http://schemas.microsoft.com/office/powerpoint/2010/main" val="3466968346"/>
+      </p:ext>
+    </p:extLst>
+  </p:cSld>
+  <p:clrMapOvr>
+    <a:masterClrMapping/>
+  </p:clrMapOvr>
+</p:sld>
+</file>
+
+<file path=ppt/slides/slide11.xml><?xml version="1.0" encoding="utf-8"?>
+<p:sld xmlns:a="http://schemas.openxmlformats.org/drawingml/2006/main" xmlns:r="http://schemas.openxmlformats.org/officeDocument/2006/relationships" xmlns:p="http://schemas.openxmlformats.org/presentationml/2006/main">
+  <p:cSld>
+    <p:spTree>
+      <p:nvGrpSpPr>
+        <p:cNvPr id="1" name=""/>
+        <p:cNvGrpSpPr/>
+        <p:nvPr/>
+      </p:nvGrpSpPr>
+      <p:grpSpPr>
+        <a:xfrm>
+          <a:off x="0" y="0"/>
+          <a:ext cx="0" cy="0"/>
+          <a:chOff x="0" y="0"/>
+          <a:chExt cx="0" cy="0"/>
+        </a:xfrm>
+      </p:grpSpPr>
+      <p:sp>
+        <p:nvSpPr>
+          <p:cNvPr id="2" name="Title 1">
+            <a:extLst>
+              <a:ext uri="{FF2B5EF4-FFF2-40B4-BE49-F238E27FC236}">
                 <a16:creationId xmlns:a16="http://schemas.microsoft.com/office/drawing/2014/main" id="{BDE2CAB6-4C44-053C-249D-821A99508629}"/>
               </a:ext>
             </a:extLst>
@@ -11338,7 +11692,7 @@
           <a:p>
             <a:r>
               <a:rPr lang="en-US" dirty="0"/>
-              <a:t>Michael Ball | UC Berkeley | https://c88c.org | © CC BY-NC-SA</a:t>
+              <a:t>Eric Kim | UC Berkeley | https://c88c.org | © CC BY-NC-SA</a:t>
             </a:r>
           </a:p>
         </p:txBody>
@@ -11356,7 +11710,7 @@
 </p:sld>
 </file>
 
-<file path=ppt/slides/slide11.xml><?xml version="1.0" encoding="utf-8"?>
+<file path=ppt/slides/slide12.xml><?xml version="1.0" encoding="utf-8"?>
 <p:sld xmlns:a="http://schemas.openxmlformats.org/drawingml/2006/main" xmlns:r="http://schemas.openxmlformats.org/officeDocument/2006/relationships" xmlns:p="http://schemas.openxmlformats.org/presentationml/2006/main">
   <p:cSld>
     <p:spTree>
@@ -11803,7 +12157,7 @@
               <a:rPr lang="en-US" dirty="0">
                 <a:latin typeface="FreightMicro Pro Book" panose="02000603020000020004" pitchFamily="2" charset="0"/>
               </a:rPr>
-              <a:t>Michael Ball | UC Berkeley | https://c88c.org | © CC BY-NC-SA</a:t>
+              <a:t>Eric Kim | UC Berkeley | https://c88c.org | © CC BY-NC-SA</a:t>
             </a:r>
           </a:p>
         </p:txBody>
@@ -11956,7 +12310,7 @@
 </p:sld>
 </file>
 
-<file path=ppt/slides/slide12.xml><?xml version="1.0" encoding="utf-8"?>
+<file path=ppt/slides/slide13.xml><?xml version="1.0" encoding="utf-8"?>
 <p:sld xmlns:a="http://schemas.openxmlformats.org/drawingml/2006/main" xmlns:r="http://schemas.openxmlformats.org/officeDocument/2006/relationships" xmlns:p="http://schemas.openxmlformats.org/presentationml/2006/main">
   <p:cSld>
     <p:spTree>
@@ -12075,14 +12429,14 @@
           </a:ln>
           <a:extLst>
             <a:ext uri="{909E8E84-426E-40dd-AFC4-6F175D3DCCD1}">
-              <a14:hiddenFill xmlns="" xmlns:a14="http://schemas.microsoft.com/office/drawing/2010/main">
+              <a14:hiddenFill xmlns:a14="http://schemas.microsoft.com/office/drawing/2010/main" xmlns="">
                 <a:solidFill>
                   <a:srgbClr val="FFFFFF"/>
                 </a:solidFill>
               </a14:hiddenFill>
             </a:ext>
             <a:ext uri="{91240B29-F687-4f45-9708-019B960494DF}">
-              <a14:hiddenLine xmlns="" xmlns:a14="http://schemas.microsoft.com/office/drawing/2010/main" w="9525">
+              <a14:hiddenLine xmlns:a14="http://schemas.microsoft.com/office/drawing/2010/main" xmlns="" w="9525">
                 <a:solidFill>
                   <a:srgbClr val="000000"/>
                 </a:solidFill>
@@ -12092,7 +12446,7 @@
               </a14:hiddenLine>
             </a:ext>
             <a:ext uri="{FAA26D3D-D897-4be2-8F04-BA451C77F1D7}">
-              <ma14:placeholderFlag xmlns="" xmlns:ma14="http://schemas.microsoft.com/office/mac/drawingml/2011/main" val="1"/>
+              <ma14:placeholderFlag xmlns:ma14="http://schemas.microsoft.com/office/mac/drawingml/2011/main" xmlns="" val="1"/>
             </a:ext>
           </a:extLst>
         </p:spPr>
@@ -12369,8 +12723,8 @@
         </p:nvCxnSpPr>
         <p:spPr bwMode="auto">
           <a:xfrm>
-            <a:off x="3390900" y="2438400"/>
-            <a:ext cx="4914900" cy="1473200"/>
+            <a:off x="2971800" y="2590800"/>
+            <a:ext cx="5334000" cy="1320800"/>
           </a:xfrm>
           <a:prstGeom prst="straightConnector1">
             <a:avLst/>
@@ -12411,8 +12765,8 @@
         </p:nvCxnSpPr>
         <p:spPr bwMode="auto">
           <a:xfrm>
-            <a:off x="4019550" y="2438400"/>
-            <a:ext cx="4914900" cy="1473200"/>
+            <a:off x="3276600" y="2590800"/>
+            <a:ext cx="5657850" cy="1320800"/>
           </a:xfrm>
           <a:prstGeom prst="straightConnector1">
             <a:avLst/>
@@ -12595,7 +12949,7 @@
               <a:rPr lang="en-US" dirty="0">
                 <a:latin typeface="FreightMicro Pro Book" panose="02000603020000020004" pitchFamily="2" charset="0"/>
               </a:rPr>
-              <a:t>Michael Ball | UC Berkeley | https://c88c.org | © CC BY-NC-SA</a:t>
+              <a:t>Eric Kim | UC Berkeley | https://c88c.org | © CC BY-NC-SA</a:t>
             </a:r>
           </a:p>
         </p:txBody>
@@ -12624,264 +12978,6 @@
 </p:sld>
 </file>
 
-<file path=ppt/slides/slide13.xml><?xml version="1.0" encoding="utf-8"?>
-<p:sld xmlns:a="http://schemas.openxmlformats.org/drawingml/2006/main" xmlns:r="http://schemas.openxmlformats.org/officeDocument/2006/relationships" xmlns:p="http://schemas.openxmlformats.org/presentationml/2006/main">
-  <p:cSld>
-    <p:spTree>
-      <p:nvGrpSpPr>
-        <p:cNvPr id="1" name=""/>
-        <p:cNvGrpSpPr/>
-        <p:nvPr/>
-      </p:nvGrpSpPr>
-      <p:grpSpPr>
-        <a:xfrm>
-          <a:off x="0" y="0"/>
-          <a:ext cx="0" cy="0"/>
-          <a:chOff x="0" y="0"/>
-          <a:chExt cx="0" cy="0"/>
-        </a:xfrm>
-      </p:grpSpPr>
-      <p:sp>
-        <p:nvSpPr>
-          <p:cNvPr id="2" name="Title 1">
-            <a:extLst>
-              <a:ext uri="{FF2B5EF4-FFF2-40B4-BE49-F238E27FC236}">
-                <a16:creationId xmlns:a16="http://schemas.microsoft.com/office/drawing/2014/main" id="{15CBDACA-6C4E-5440-92FB-F023C1666E88}"/>
-              </a:ext>
-            </a:extLst>
-          </p:cNvPr>
-          <p:cNvSpPr>
-            <a:spLocks noGrp="1"/>
-          </p:cNvSpPr>
-          <p:nvPr>
-            <p:ph type="title"/>
-          </p:nvPr>
-        </p:nvSpPr>
-        <p:spPr/>
-        <p:txBody>
-          <a:bodyPr/>
-          <a:lstStyle/>
-          <a:p>
-            <a:r>
-              <a:rPr lang="en-US" dirty="0"/>
-              <a:t>Returns and Values</a:t>
-            </a:r>
-          </a:p>
-        </p:txBody>
-      </p:sp>
-      <p:sp>
-        <p:nvSpPr>
-          <p:cNvPr id="3" name="Content Placeholder 2">
-            <a:extLst>
-              <a:ext uri="{FF2B5EF4-FFF2-40B4-BE49-F238E27FC236}">
-                <a16:creationId xmlns:a16="http://schemas.microsoft.com/office/drawing/2014/main" id="{CFFFE078-3232-BB44-81FA-6CB2837223F1}"/>
-              </a:ext>
-            </a:extLst>
-          </p:cNvPr>
-          <p:cNvSpPr>
-            <a:spLocks noGrp="1"/>
-          </p:cNvSpPr>
-          <p:nvPr>
-            <p:ph idx="1"/>
-          </p:nvPr>
-        </p:nvSpPr>
-        <p:spPr/>
-        <p:txBody>
-          <a:bodyPr/>
-          <a:lstStyle/>
-          <a:p>
-            <a:r>
-              <a:rPr lang="en-US" dirty="0"/>
-              <a:t>All functions always return SOME value.</a:t>
-            </a:r>
-          </a:p>
-          <a:p>
-            <a:r>
-              <a:rPr lang="en-US" dirty="0"/>
-              <a:t>If you don’t specify return, the value is None.</a:t>
-            </a:r>
-          </a:p>
-          <a:p>
-            <a:r>
-              <a:rPr lang="en-US" dirty="0"/>
-              <a:t>Using print does not change how the function works, but does affect the output. </a:t>
-            </a:r>
-          </a:p>
-        </p:txBody>
-      </p:sp>
-      <p:sp>
-        <p:nvSpPr>
-          <p:cNvPr id="7" name="Footer Placeholder 2">
-            <a:extLst>
-              <a:ext uri="{FF2B5EF4-FFF2-40B4-BE49-F238E27FC236}">
-                <a16:creationId xmlns:a16="http://schemas.microsoft.com/office/drawing/2014/main" id="{5B058049-1C0E-C482-711D-F4CC57448CBD}"/>
-              </a:ext>
-            </a:extLst>
-          </p:cNvPr>
-          <p:cNvSpPr txBox="1">
-            <a:spLocks/>
-          </p:cNvSpPr>
-          <p:nvPr/>
-        </p:nvSpPr>
-        <p:spPr>
-          <a:xfrm>
-            <a:off x="4038600" y="6416675"/>
-            <a:ext cx="4114800" cy="365125"/>
-          </a:xfrm>
-          <a:prstGeom prst="rect">
-            <a:avLst/>
-          </a:prstGeom>
-        </p:spPr>
-        <p:txBody>
-          <a:bodyPr vert="horz" lIns="91440" tIns="45720" rIns="91440" bIns="45720" rtlCol="0" anchor="ctr"/>
-          <a:lstStyle>
-            <a:defPPr>
-              <a:defRPr lang="en-US"/>
-            </a:defPPr>
-            <a:lvl1pPr algn="ctr" rtl="0" eaLnBrk="0" fontAlgn="base" hangingPunct="0">
-              <a:spcBef>
-                <a:spcPct val="0"/>
-              </a:spcBef>
-              <a:spcAft>
-                <a:spcPct val="0"/>
-              </a:spcAft>
-              <a:defRPr sz="1200" kern="1200">
-                <a:solidFill>
-                  <a:schemeClr val="accent3"/>
-                </a:solidFill>
-                <a:latin typeface="Arial" charset="0"/>
-                <a:ea typeface="ＭＳ Ｐゴシック" charset="0"/>
-                <a:cs typeface="ＭＳ Ｐゴシック" charset="0"/>
-              </a:defRPr>
-            </a:lvl1pPr>
-            <a:lvl2pPr marL="457200" algn="l" rtl="0" eaLnBrk="0" fontAlgn="base" hangingPunct="0">
-              <a:spcBef>
-                <a:spcPct val="0"/>
-              </a:spcBef>
-              <a:spcAft>
-                <a:spcPct val="0"/>
-              </a:spcAft>
-              <a:defRPr kern="1200">
-                <a:solidFill>
-                  <a:schemeClr val="tx1"/>
-                </a:solidFill>
-                <a:latin typeface="Arial" charset="0"/>
-                <a:ea typeface="ＭＳ Ｐゴシック" charset="0"/>
-                <a:cs typeface="ＭＳ Ｐゴシック" charset="0"/>
-              </a:defRPr>
-            </a:lvl2pPr>
-            <a:lvl3pPr marL="914400" algn="l" rtl="0" eaLnBrk="0" fontAlgn="base" hangingPunct="0">
-              <a:spcBef>
-                <a:spcPct val="0"/>
-              </a:spcBef>
-              <a:spcAft>
-                <a:spcPct val="0"/>
-              </a:spcAft>
-              <a:defRPr kern="1200">
-                <a:solidFill>
-                  <a:schemeClr val="tx1"/>
-                </a:solidFill>
-                <a:latin typeface="Arial" charset="0"/>
-                <a:ea typeface="ＭＳ Ｐゴシック" charset="0"/>
-                <a:cs typeface="ＭＳ Ｐゴシック" charset="0"/>
-              </a:defRPr>
-            </a:lvl3pPr>
-            <a:lvl4pPr marL="1371600" algn="l" rtl="0" eaLnBrk="0" fontAlgn="base" hangingPunct="0">
-              <a:spcBef>
-                <a:spcPct val="0"/>
-              </a:spcBef>
-              <a:spcAft>
-                <a:spcPct val="0"/>
-              </a:spcAft>
-              <a:defRPr kern="1200">
-                <a:solidFill>
-                  <a:schemeClr val="tx1"/>
-                </a:solidFill>
-                <a:latin typeface="Arial" charset="0"/>
-                <a:ea typeface="ＭＳ Ｐゴシック" charset="0"/>
-                <a:cs typeface="ＭＳ Ｐゴシック" charset="0"/>
-              </a:defRPr>
-            </a:lvl4pPr>
-            <a:lvl5pPr marL="1828800" algn="l" rtl="0" eaLnBrk="0" fontAlgn="base" hangingPunct="0">
-              <a:spcBef>
-                <a:spcPct val="0"/>
-              </a:spcBef>
-              <a:spcAft>
-                <a:spcPct val="0"/>
-              </a:spcAft>
-              <a:defRPr kern="1200">
-                <a:solidFill>
-                  <a:schemeClr val="tx1"/>
-                </a:solidFill>
-                <a:latin typeface="Arial" charset="0"/>
-                <a:ea typeface="ＭＳ Ｐゴシック" charset="0"/>
-                <a:cs typeface="ＭＳ Ｐゴシック" charset="0"/>
-              </a:defRPr>
-            </a:lvl5pPr>
-            <a:lvl6pPr marL="2286000" algn="l" defTabSz="457200" rtl="0" eaLnBrk="1" latinLnBrk="0" hangingPunct="1">
-              <a:defRPr kern="1200">
-                <a:solidFill>
-                  <a:schemeClr val="tx1"/>
-                </a:solidFill>
-                <a:latin typeface="Arial" charset="0"/>
-                <a:ea typeface="ＭＳ Ｐゴシック" charset="0"/>
-                <a:cs typeface="ＭＳ Ｐゴシック" charset="0"/>
-              </a:defRPr>
-            </a:lvl6pPr>
-            <a:lvl7pPr marL="2743200" algn="l" defTabSz="457200" rtl="0" eaLnBrk="1" latinLnBrk="0" hangingPunct="1">
-              <a:defRPr kern="1200">
-                <a:solidFill>
-                  <a:schemeClr val="tx1"/>
-                </a:solidFill>
-                <a:latin typeface="Arial" charset="0"/>
-                <a:ea typeface="ＭＳ Ｐゴシック" charset="0"/>
-                <a:cs typeface="ＭＳ Ｐゴシック" charset="0"/>
-              </a:defRPr>
-            </a:lvl7pPr>
-            <a:lvl8pPr marL="3200400" algn="l" defTabSz="457200" rtl="0" eaLnBrk="1" latinLnBrk="0" hangingPunct="1">
-              <a:defRPr kern="1200">
-                <a:solidFill>
-                  <a:schemeClr val="tx1"/>
-                </a:solidFill>
-                <a:latin typeface="Arial" charset="0"/>
-                <a:ea typeface="ＭＳ Ｐゴシック" charset="0"/>
-                <a:cs typeface="ＭＳ Ｐゴシック" charset="0"/>
-              </a:defRPr>
-            </a:lvl8pPr>
-            <a:lvl9pPr marL="3657600" algn="l" defTabSz="457200" rtl="0" eaLnBrk="1" latinLnBrk="0" hangingPunct="1">
-              <a:defRPr kern="1200">
-                <a:solidFill>
-                  <a:schemeClr val="tx1"/>
-                </a:solidFill>
-                <a:latin typeface="Arial" charset="0"/>
-                <a:ea typeface="ＭＳ Ｐゴシック" charset="0"/>
-                <a:cs typeface="ＭＳ Ｐゴシック" charset="0"/>
-              </a:defRPr>
-            </a:lvl9pPr>
-          </a:lstStyle>
-          <a:p>
-            <a:r>
-              <a:rPr lang="en-US" dirty="0">
-                <a:latin typeface="FreightMicro Pro Book" panose="02000603020000020004" pitchFamily="2" charset="0"/>
-              </a:rPr>
-              <a:t>Michael Ball | UC Berkeley | https://c88c.org | © CC BY-NC-SA</a:t>
-            </a:r>
-          </a:p>
-        </p:txBody>
-      </p:sp>
-    </p:spTree>
-    <p:extLst>
-      <p:ext uri="{BB962C8B-B14F-4D97-AF65-F5344CB8AC3E}">
-        <p14:creationId xmlns:p14="http://schemas.microsoft.com/office/powerpoint/2010/main" val="1604081605"/>
-      </p:ext>
-    </p:extLst>
-  </p:cSld>
-  <p:clrMapOvr>
-    <a:masterClrMapping/>
-  </p:clrMapOvr>
-</p:sld>
-</file>
-
 <file path=ppt/slides/slide14.xml><?xml version="1.0" encoding="utf-8"?>
 <p:sld xmlns:a="http://schemas.openxmlformats.org/drawingml/2006/main" xmlns:r="http://schemas.openxmlformats.org/officeDocument/2006/relationships" xmlns:p="http://schemas.openxmlformats.org/presentationml/2006/main">
   <p:cSld>
@@ -12901,6 +12997,1264 @@
       </p:grpSpPr>
       <p:sp>
         <p:nvSpPr>
+          <p:cNvPr id="2" name="Title 1">
+            <a:extLst>
+              <a:ext uri="{FF2B5EF4-FFF2-40B4-BE49-F238E27FC236}">
+                <a16:creationId xmlns:a16="http://schemas.microsoft.com/office/drawing/2014/main" id="{15CBDACA-6C4E-5440-92FB-F023C1666E88}"/>
+              </a:ext>
+            </a:extLst>
+          </p:cNvPr>
+          <p:cNvSpPr>
+            <a:spLocks noGrp="1"/>
+          </p:cNvSpPr>
+          <p:nvPr>
+            <p:ph type="title"/>
+          </p:nvPr>
+        </p:nvSpPr>
+        <p:spPr/>
+        <p:txBody>
+          <a:bodyPr/>
+          <a:lstStyle/>
+          <a:p>
+            <a:r>
+              <a:rPr lang="en-US" dirty="0"/>
+              <a:t>Returns and Values</a:t>
+            </a:r>
+          </a:p>
+        </p:txBody>
+      </p:sp>
+      <p:sp>
+        <p:nvSpPr>
+          <p:cNvPr id="3" name="Content Placeholder 2">
+            <a:extLst>
+              <a:ext uri="{FF2B5EF4-FFF2-40B4-BE49-F238E27FC236}">
+                <a16:creationId xmlns:a16="http://schemas.microsoft.com/office/drawing/2014/main" id="{CFFFE078-3232-BB44-81FA-6CB2837223F1}"/>
+              </a:ext>
+            </a:extLst>
+          </p:cNvPr>
+          <p:cNvSpPr>
+            <a:spLocks noGrp="1"/>
+          </p:cNvSpPr>
+          <p:nvPr>
+            <p:ph idx="1"/>
+          </p:nvPr>
+        </p:nvSpPr>
+        <p:spPr/>
+        <p:txBody>
+          <a:bodyPr/>
+          <a:lstStyle/>
+          <a:p>
+            <a:r>
+              <a:rPr lang="en-US" dirty="0"/>
+              <a:t>All functions always return SOME value.</a:t>
+            </a:r>
+          </a:p>
+          <a:p>
+            <a:r>
+              <a:rPr lang="en-US" dirty="0"/>
+              <a:t>If you don’t specify return, the value is None.</a:t>
+            </a:r>
+          </a:p>
+          <a:p>
+            <a:r>
+              <a:rPr lang="en-US" dirty="0"/>
+              <a:t>Using print does not change how the function works, but does affect the output </a:t>
+            </a:r>
+            <a:r>
+              <a:rPr lang="en-US" b="1" dirty="0"/>
+              <a:t>displayed to the human user</a:t>
+            </a:r>
+            <a:r>
+              <a:rPr lang="en-US" dirty="0"/>
+              <a:t>. </a:t>
+            </a:r>
+          </a:p>
+        </p:txBody>
+      </p:sp>
+      <p:sp>
+        <p:nvSpPr>
+          <p:cNvPr id="7" name="Footer Placeholder 2">
+            <a:extLst>
+              <a:ext uri="{FF2B5EF4-FFF2-40B4-BE49-F238E27FC236}">
+                <a16:creationId xmlns:a16="http://schemas.microsoft.com/office/drawing/2014/main" id="{5B058049-1C0E-C482-711D-F4CC57448CBD}"/>
+              </a:ext>
+            </a:extLst>
+          </p:cNvPr>
+          <p:cNvSpPr txBox="1">
+            <a:spLocks/>
+          </p:cNvSpPr>
+          <p:nvPr/>
+        </p:nvSpPr>
+        <p:spPr>
+          <a:xfrm>
+            <a:off x="4038600" y="6416675"/>
+            <a:ext cx="4114800" cy="365125"/>
+          </a:xfrm>
+          <a:prstGeom prst="rect">
+            <a:avLst/>
+          </a:prstGeom>
+        </p:spPr>
+        <p:txBody>
+          <a:bodyPr vert="horz" lIns="91440" tIns="45720" rIns="91440" bIns="45720" rtlCol="0" anchor="ctr"/>
+          <a:lstStyle>
+            <a:defPPr>
+              <a:defRPr lang="en-US"/>
+            </a:defPPr>
+            <a:lvl1pPr algn="ctr" rtl="0" eaLnBrk="0" fontAlgn="base" hangingPunct="0">
+              <a:spcBef>
+                <a:spcPct val="0"/>
+              </a:spcBef>
+              <a:spcAft>
+                <a:spcPct val="0"/>
+              </a:spcAft>
+              <a:defRPr sz="1200" kern="1200">
+                <a:solidFill>
+                  <a:schemeClr val="accent3"/>
+                </a:solidFill>
+                <a:latin typeface="Arial" charset="0"/>
+                <a:ea typeface="ＭＳ Ｐゴシック" charset="0"/>
+                <a:cs typeface="ＭＳ Ｐゴシック" charset="0"/>
+              </a:defRPr>
+            </a:lvl1pPr>
+            <a:lvl2pPr marL="457200" algn="l" rtl="0" eaLnBrk="0" fontAlgn="base" hangingPunct="0">
+              <a:spcBef>
+                <a:spcPct val="0"/>
+              </a:spcBef>
+              <a:spcAft>
+                <a:spcPct val="0"/>
+              </a:spcAft>
+              <a:defRPr kern="1200">
+                <a:solidFill>
+                  <a:schemeClr val="tx1"/>
+                </a:solidFill>
+                <a:latin typeface="Arial" charset="0"/>
+                <a:ea typeface="ＭＳ Ｐゴシック" charset="0"/>
+                <a:cs typeface="ＭＳ Ｐゴシック" charset="0"/>
+              </a:defRPr>
+            </a:lvl2pPr>
+            <a:lvl3pPr marL="914400" algn="l" rtl="0" eaLnBrk="0" fontAlgn="base" hangingPunct="0">
+              <a:spcBef>
+                <a:spcPct val="0"/>
+              </a:spcBef>
+              <a:spcAft>
+                <a:spcPct val="0"/>
+              </a:spcAft>
+              <a:defRPr kern="1200">
+                <a:solidFill>
+                  <a:schemeClr val="tx1"/>
+                </a:solidFill>
+                <a:latin typeface="Arial" charset="0"/>
+                <a:ea typeface="ＭＳ Ｐゴシック" charset="0"/>
+                <a:cs typeface="ＭＳ Ｐゴシック" charset="0"/>
+              </a:defRPr>
+            </a:lvl3pPr>
+            <a:lvl4pPr marL="1371600" algn="l" rtl="0" eaLnBrk="0" fontAlgn="base" hangingPunct="0">
+              <a:spcBef>
+                <a:spcPct val="0"/>
+              </a:spcBef>
+              <a:spcAft>
+                <a:spcPct val="0"/>
+              </a:spcAft>
+              <a:defRPr kern="1200">
+                <a:solidFill>
+                  <a:schemeClr val="tx1"/>
+                </a:solidFill>
+                <a:latin typeface="Arial" charset="0"/>
+                <a:ea typeface="ＭＳ Ｐゴシック" charset="0"/>
+                <a:cs typeface="ＭＳ Ｐゴシック" charset="0"/>
+              </a:defRPr>
+            </a:lvl4pPr>
+            <a:lvl5pPr marL="1828800" algn="l" rtl="0" eaLnBrk="0" fontAlgn="base" hangingPunct="0">
+              <a:spcBef>
+                <a:spcPct val="0"/>
+              </a:spcBef>
+              <a:spcAft>
+                <a:spcPct val="0"/>
+              </a:spcAft>
+              <a:defRPr kern="1200">
+                <a:solidFill>
+                  <a:schemeClr val="tx1"/>
+                </a:solidFill>
+                <a:latin typeface="Arial" charset="0"/>
+                <a:ea typeface="ＭＳ Ｐゴシック" charset="0"/>
+                <a:cs typeface="ＭＳ Ｐゴシック" charset="0"/>
+              </a:defRPr>
+            </a:lvl5pPr>
+            <a:lvl6pPr marL="2286000" algn="l" defTabSz="457200" rtl="0" eaLnBrk="1" latinLnBrk="0" hangingPunct="1">
+              <a:defRPr kern="1200">
+                <a:solidFill>
+                  <a:schemeClr val="tx1"/>
+                </a:solidFill>
+                <a:latin typeface="Arial" charset="0"/>
+                <a:ea typeface="ＭＳ Ｐゴシック" charset="0"/>
+                <a:cs typeface="ＭＳ Ｐゴシック" charset="0"/>
+              </a:defRPr>
+            </a:lvl6pPr>
+            <a:lvl7pPr marL="2743200" algn="l" defTabSz="457200" rtl="0" eaLnBrk="1" latinLnBrk="0" hangingPunct="1">
+              <a:defRPr kern="1200">
+                <a:solidFill>
+                  <a:schemeClr val="tx1"/>
+                </a:solidFill>
+                <a:latin typeface="Arial" charset="0"/>
+                <a:ea typeface="ＭＳ Ｐゴシック" charset="0"/>
+                <a:cs typeface="ＭＳ Ｐゴシック" charset="0"/>
+              </a:defRPr>
+            </a:lvl7pPr>
+            <a:lvl8pPr marL="3200400" algn="l" defTabSz="457200" rtl="0" eaLnBrk="1" latinLnBrk="0" hangingPunct="1">
+              <a:defRPr kern="1200">
+                <a:solidFill>
+                  <a:schemeClr val="tx1"/>
+                </a:solidFill>
+                <a:latin typeface="Arial" charset="0"/>
+                <a:ea typeface="ＭＳ Ｐゴシック" charset="0"/>
+                <a:cs typeface="ＭＳ Ｐゴシック" charset="0"/>
+              </a:defRPr>
+            </a:lvl8pPr>
+            <a:lvl9pPr marL="3657600" algn="l" defTabSz="457200" rtl="0" eaLnBrk="1" latinLnBrk="0" hangingPunct="1">
+              <a:defRPr kern="1200">
+                <a:solidFill>
+                  <a:schemeClr val="tx1"/>
+                </a:solidFill>
+                <a:latin typeface="Arial" charset="0"/>
+                <a:ea typeface="ＭＳ Ｐゴシック" charset="0"/>
+                <a:cs typeface="ＭＳ Ｐゴシック" charset="0"/>
+              </a:defRPr>
+            </a:lvl9pPr>
+          </a:lstStyle>
+          <a:p>
+            <a:r>
+              <a:rPr lang="en-US" dirty="0">
+                <a:latin typeface="FreightMicro Pro Book" panose="02000603020000020004" pitchFamily="2" charset="0"/>
+              </a:rPr>
+              <a:t>Eric Kim | UC Berkeley | https://c88c.org | © CC BY-NC-SA</a:t>
+            </a:r>
+          </a:p>
+        </p:txBody>
+      </p:sp>
+    </p:spTree>
+    <p:extLst>
+      <p:ext uri="{BB962C8B-B14F-4D97-AF65-F5344CB8AC3E}">
+        <p14:creationId xmlns:p14="http://schemas.microsoft.com/office/powerpoint/2010/main" val="1604081605"/>
+      </p:ext>
+    </p:extLst>
+  </p:cSld>
+  <p:clrMapOvr>
+    <a:masterClrMapping/>
+  </p:clrMapOvr>
+</p:sld>
+</file>
+
+<file path=ppt/slides/slide15.xml><?xml version="1.0" encoding="utf-8"?>
+<p:sld xmlns:a="http://schemas.openxmlformats.org/drawingml/2006/main" xmlns:r="http://schemas.openxmlformats.org/officeDocument/2006/relationships" xmlns:p="http://schemas.openxmlformats.org/presentationml/2006/main">
+  <p:cSld>
+    <p:spTree>
+      <p:nvGrpSpPr>
+        <p:cNvPr id="1" name=""/>
+        <p:cNvGrpSpPr/>
+        <p:nvPr/>
+      </p:nvGrpSpPr>
+      <p:grpSpPr>
+        <a:xfrm>
+          <a:off x="0" y="0"/>
+          <a:ext cx="0" cy="0"/>
+          <a:chOff x="0" y="0"/>
+          <a:chExt cx="0" cy="0"/>
+        </a:xfrm>
+      </p:grpSpPr>
+      <p:sp>
+        <p:nvSpPr>
+          <p:cNvPr id="2" name="Title 1">
+            <a:extLst>
+              <a:ext uri="{FF2B5EF4-FFF2-40B4-BE49-F238E27FC236}">
+                <a16:creationId xmlns:a16="http://schemas.microsoft.com/office/drawing/2014/main" id="{15CBDACA-6C4E-5440-92FB-F023C1666E88}"/>
+              </a:ext>
+            </a:extLst>
+          </p:cNvPr>
+          <p:cNvSpPr>
+            <a:spLocks noGrp="1"/>
+          </p:cNvSpPr>
+          <p:nvPr>
+            <p:ph type="title"/>
+          </p:nvPr>
+        </p:nvSpPr>
+        <p:spPr/>
+        <p:txBody>
+          <a:bodyPr/>
+          <a:lstStyle/>
+          <a:p>
+            <a:r>
+              <a:rPr lang="en-US" dirty="0"/>
+              <a:t>Returns and Values: print()</a:t>
+            </a:r>
+          </a:p>
+        </p:txBody>
+      </p:sp>
+      <p:sp>
+        <p:nvSpPr>
+          <p:cNvPr id="3" name="Content Placeholder 2">
+            <a:extLst>
+              <a:ext uri="{FF2B5EF4-FFF2-40B4-BE49-F238E27FC236}">
+                <a16:creationId xmlns:a16="http://schemas.microsoft.com/office/drawing/2014/main" id="{CFFFE078-3232-BB44-81FA-6CB2837223F1}"/>
+              </a:ext>
+            </a:extLst>
+          </p:cNvPr>
+          <p:cNvSpPr>
+            <a:spLocks noGrp="1"/>
+          </p:cNvSpPr>
+          <p:nvPr>
+            <p:ph idx="1"/>
+          </p:nvPr>
+        </p:nvSpPr>
+        <p:spPr>
+          <a:xfrm>
+            <a:off x="533400" y="1066800"/>
+            <a:ext cx="11218333" cy="1676400"/>
+          </a:xfrm>
+        </p:spPr>
+        <p:txBody>
+          <a:bodyPr/>
+          <a:lstStyle/>
+          <a:p>
+            <a:r>
+              <a:rPr lang="en-US" dirty="0"/>
+              <a:t> </a:t>
+            </a:r>
+            <a:r>
+              <a:rPr lang="en-US" b="1" dirty="0"/>
+              <a:t>Very common misconception</a:t>
+            </a:r>
+            <a:r>
+              <a:rPr lang="en-US" dirty="0"/>
+              <a:t>: do NOT use print() to return a value in a function (it returns None)</a:t>
+            </a:r>
+          </a:p>
+          <a:p>
+            <a:r>
+              <a:rPr lang="en-US" dirty="0"/>
+              <a:t> Example:</a:t>
+            </a:r>
+          </a:p>
+        </p:txBody>
+      </p:sp>
+      <p:sp>
+        <p:nvSpPr>
+          <p:cNvPr id="7" name="Footer Placeholder 2">
+            <a:extLst>
+              <a:ext uri="{FF2B5EF4-FFF2-40B4-BE49-F238E27FC236}">
+                <a16:creationId xmlns:a16="http://schemas.microsoft.com/office/drawing/2014/main" id="{5B058049-1C0E-C482-711D-F4CC57448CBD}"/>
+              </a:ext>
+            </a:extLst>
+          </p:cNvPr>
+          <p:cNvSpPr txBox="1">
+            <a:spLocks/>
+          </p:cNvSpPr>
+          <p:nvPr/>
+        </p:nvSpPr>
+        <p:spPr>
+          <a:xfrm>
+            <a:off x="4038600" y="6416675"/>
+            <a:ext cx="4114800" cy="365125"/>
+          </a:xfrm>
+          <a:prstGeom prst="rect">
+            <a:avLst/>
+          </a:prstGeom>
+        </p:spPr>
+        <p:txBody>
+          <a:bodyPr vert="horz" lIns="91440" tIns="45720" rIns="91440" bIns="45720" rtlCol="0" anchor="ctr"/>
+          <a:lstStyle>
+            <a:defPPr>
+              <a:defRPr lang="en-US"/>
+            </a:defPPr>
+            <a:lvl1pPr algn="ctr" rtl="0" eaLnBrk="0" fontAlgn="base" hangingPunct="0">
+              <a:spcBef>
+                <a:spcPct val="0"/>
+              </a:spcBef>
+              <a:spcAft>
+                <a:spcPct val="0"/>
+              </a:spcAft>
+              <a:defRPr sz="1200" kern="1200">
+                <a:solidFill>
+                  <a:schemeClr val="accent3"/>
+                </a:solidFill>
+                <a:latin typeface="Arial" charset="0"/>
+                <a:ea typeface="ＭＳ Ｐゴシック" charset="0"/>
+                <a:cs typeface="ＭＳ Ｐゴシック" charset="0"/>
+              </a:defRPr>
+            </a:lvl1pPr>
+            <a:lvl2pPr marL="457200" algn="l" rtl="0" eaLnBrk="0" fontAlgn="base" hangingPunct="0">
+              <a:spcBef>
+                <a:spcPct val="0"/>
+              </a:spcBef>
+              <a:spcAft>
+                <a:spcPct val="0"/>
+              </a:spcAft>
+              <a:defRPr kern="1200">
+                <a:solidFill>
+                  <a:schemeClr val="tx1"/>
+                </a:solidFill>
+                <a:latin typeface="Arial" charset="0"/>
+                <a:ea typeface="ＭＳ Ｐゴシック" charset="0"/>
+                <a:cs typeface="ＭＳ Ｐゴシック" charset="0"/>
+              </a:defRPr>
+            </a:lvl2pPr>
+            <a:lvl3pPr marL="914400" algn="l" rtl="0" eaLnBrk="0" fontAlgn="base" hangingPunct="0">
+              <a:spcBef>
+                <a:spcPct val="0"/>
+              </a:spcBef>
+              <a:spcAft>
+                <a:spcPct val="0"/>
+              </a:spcAft>
+              <a:defRPr kern="1200">
+                <a:solidFill>
+                  <a:schemeClr val="tx1"/>
+                </a:solidFill>
+                <a:latin typeface="Arial" charset="0"/>
+                <a:ea typeface="ＭＳ Ｐゴシック" charset="0"/>
+                <a:cs typeface="ＭＳ Ｐゴシック" charset="0"/>
+              </a:defRPr>
+            </a:lvl3pPr>
+            <a:lvl4pPr marL="1371600" algn="l" rtl="0" eaLnBrk="0" fontAlgn="base" hangingPunct="0">
+              <a:spcBef>
+                <a:spcPct val="0"/>
+              </a:spcBef>
+              <a:spcAft>
+                <a:spcPct val="0"/>
+              </a:spcAft>
+              <a:defRPr kern="1200">
+                <a:solidFill>
+                  <a:schemeClr val="tx1"/>
+                </a:solidFill>
+                <a:latin typeface="Arial" charset="0"/>
+                <a:ea typeface="ＭＳ Ｐゴシック" charset="0"/>
+                <a:cs typeface="ＭＳ Ｐゴシック" charset="0"/>
+              </a:defRPr>
+            </a:lvl4pPr>
+            <a:lvl5pPr marL="1828800" algn="l" rtl="0" eaLnBrk="0" fontAlgn="base" hangingPunct="0">
+              <a:spcBef>
+                <a:spcPct val="0"/>
+              </a:spcBef>
+              <a:spcAft>
+                <a:spcPct val="0"/>
+              </a:spcAft>
+              <a:defRPr kern="1200">
+                <a:solidFill>
+                  <a:schemeClr val="tx1"/>
+                </a:solidFill>
+                <a:latin typeface="Arial" charset="0"/>
+                <a:ea typeface="ＭＳ Ｐゴシック" charset="0"/>
+                <a:cs typeface="ＭＳ Ｐゴシック" charset="0"/>
+              </a:defRPr>
+            </a:lvl5pPr>
+            <a:lvl6pPr marL="2286000" algn="l" defTabSz="457200" rtl="0" eaLnBrk="1" latinLnBrk="0" hangingPunct="1">
+              <a:defRPr kern="1200">
+                <a:solidFill>
+                  <a:schemeClr val="tx1"/>
+                </a:solidFill>
+                <a:latin typeface="Arial" charset="0"/>
+                <a:ea typeface="ＭＳ Ｐゴシック" charset="0"/>
+                <a:cs typeface="ＭＳ Ｐゴシック" charset="0"/>
+              </a:defRPr>
+            </a:lvl6pPr>
+            <a:lvl7pPr marL="2743200" algn="l" defTabSz="457200" rtl="0" eaLnBrk="1" latinLnBrk="0" hangingPunct="1">
+              <a:defRPr kern="1200">
+                <a:solidFill>
+                  <a:schemeClr val="tx1"/>
+                </a:solidFill>
+                <a:latin typeface="Arial" charset="0"/>
+                <a:ea typeface="ＭＳ Ｐゴシック" charset="0"/>
+                <a:cs typeface="ＭＳ Ｐゴシック" charset="0"/>
+              </a:defRPr>
+            </a:lvl7pPr>
+            <a:lvl8pPr marL="3200400" algn="l" defTabSz="457200" rtl="0" eaLnBrk="1" latinLnBrk="0" hangingPunct="1">
+              <a:defRPr kern="1200">
+                <a:solidFill>
+                  <a:schemeClr val="tx1"/>
+                </a:solidFill>
+                <a:latin typeface="Arial" charset="0"/>
+                <a:ea typeface="ＭＳ Ｐゴシック" charset="0"/>
+                <a:cs typeface="ＭＳ Ｐゴシック" charset="0"/>
+              </a:defRPr>
+            </a:lvl8pPr>
+            <a:lvl9pPr marL="3657600" algn="l" defTabSz="457200" rtl="0" eaLnBrk="1" latinLnBrk="0" hangingPunct="1">
+              <a:defRPr kern="1200">
+                <a:solidFill>
+                  <a:schemeClr val="tx1"/>
+                </a:solidFill>
+                <a:latin typeface="Arial" charset="0"/>
+                <a:ea typeface="ＭＳ Ｐゴシック" charset="0"/>
+                <a:cs typeface="ＭＳ Ｐゴシック" charset="0"/>
+              </a:defRPr>
+            </a:lvl9pPr>
+          </a:lstStyle>
+          <a:p>
+            <a:r>
+              <a:rPr lang="en-US" dirty="0">
+                <a:latin typeface="FreightMicro Pro Book" panose="02000603020000020004" pitchFamily="2" charset="0"/>
+              </a:rPr>
+              <a:t>Eric Kim | UC Berkeley | https://c88c.org | © CC BY-NC-SA</a:t>
+            </a:r>
+          </a:p>
+        </p:txBody>
+      </p:sp>
+      <p:sp>
+        <p:nvSpPr>
+          <p:cNvPr id="4" name="TextBox 3">
+            <a:extLst>
+              <a:ext uri="{FF2B5EF4-FFF2-40B4-BE49-F238E27FC236}">
+                <a16:creationId xmlns:a16="http://schemas.microsoft.com/office/drawing/2014/main" id="{5B1A6BF0-9B9C-2BC8-0352-71AA178ED71D}"/>
+              </a:ext>
+            </a:extLst>
+          </p:cNvPr>
+          <p:cNvSpPr txBox="1"/>
+          <p:nvPr/>
+        </p:nvSpPr>
+        <p:spPr>
+          <a:xfrm>
+            <a:off x="533400" y="2785408"/>
+            <a:ext cx="5181600" cy="1938992"/>
+          </a:xfrm>
+          <a:prstGeom prst="rect">
+            <a:avLst/>
+          </a:prstGeom>
+          <a:noFill/>
+        </p:spPr>
+        <p:txBody>
+          <a:bodyPr wrap="square" rtlCol="0">
+            <a:spAutoFit/>
+          </a:bodyPr>
+          <a:lstStyle/>
+          <a:p>
+            <a:r>
+              <a:rPr lang="en-US" sz="2400" dirty="0">
+                <a:latin typeface="Source Code Pro" panose="020B0509030403020204" pitchFamily="49" charset="0"/>
+                <a:ea typeface="Source Code Pro" panose="020B0509030403020204" pitchFamily="49" charset="0"/>
+              </a:rPr>
+              <a:t>def triple_it_v1(</a:t>
+            </a:r>
+            <a:r>
+              <a:rPr lang="en-US" sz="2400" dirty="0" err="1">
+                <a:latin typeface="Source Code Pro" panose="020B0509030403020204" pitchFamily="49" charset="0"/>
+                <a:ea typeface="Source Code Pro" panose="020B0509030403020204" pitchFamily="49" charset="0"/>
+              </a:rPr>
+              <a:t>some_num</a:t>
+            </a:r>
+            <a:r>
+              <a:rPr lang="en-US" sz="2400" dirty="0">
+                <a:latin typeface="Source Code Pro" panose="020B0509030403020204" pitchFamily="49" charset="0"/>
+                <a:ea typeface="Source Code Pro" panose="020B0509030403020204" pitchFamily="49" charset="0"/>
+              </a:rPr>
+              <a:t>):</a:t>
+            </a:r>
+          </a:p>
+          <a:p>
+            <a:r>
+              <a:rPr lang="en-US" sz="2400" dirty="0">
+                <a:latin typeface="Source Code Pro" panose="020B0509030403020204" pitchFamily="49" charset="0"/>
+                <a:ea typeface="Source Code Pro" panose="020B0509030403020204" pitchFamily="49" charset="0"/>
+              </a:rPr>
+              <a:t>	return </a:t>
+            </a:r>
+            <a:r>
+              <a:rPr lang="en-US" sz="2400" dirty="0" err="1">
+                <a:latin typeface="Source Code Pro" panose="020B0509030403020204" pitchFamily="49" charset="0"/>
+                <a:ea typeface="Source Code Pro" panose="020B0509030403020204" pitchFamily="49" charset="0"/>
+              </a:rPr>
+              <a:t>some_num</a:t>
+            </a:r>
+            <a:r>
+              <a:rPr lang="en-US" sz="2400" dirty="0">
+                <a:latin typeface="Source Code Pro" panose="020B0509030403020204" pitchFamily="49" charset="0"/>
+                <a:ea typeface="Source Code Pro" panose="020B0509030403020204" pitchFamily="49" charset="0"/>
+              </a:rPr>
+              <a:t> * 3</a:t>
+            </a:r>
+          </a:p>
+          <a:p>
+            <a:endParaRPr lang="en-US" sz="2400" dirty="0">
+              <a:latin typeface="Source Code Pro" panose="020B0509030403020204" pitchFamily="49" charset="0"/>
+              <a:ea typeface="Source Code Pro" panose="020B0509030403020204" pitchFamily="49" charset="0"/>
+            </a:endParaRPr>
+          </a:p>
+          <a:p>
+            <a:r>
+              <a:rPr lang="en-US" sz="2400" dirty="0">
+                <a:latin typeface="Source Code Pro" panose="020B0509030403020204" pitchFamily="49" charset="0"/>
+                <a:ea typeface="Source Code Pro" panose="020B0509030403020204" pitchFamily="49" charset="0"/>
+              </a:rPr>
+              <a:t>def triple_it_v2(</a:t>
+            </a:r>
+            <a:r>
+              <a:rPr lang="en-US" sz="2400" dirty="0" err="1">
+                <a:latin typeface="Source Code Pro" panose="020B0509030403020204" pitchFamily="49" charset="0"/>
+                <a:ea typeface="Source Code Pro" panose="020B0509030403020204" pitchFamily="49" charset="0"/>
+              </a:rPr>
+              <a:t>some_num</a:t>
+            </a:r>
+            <a:r>
+              <a:rPr lang="en-US" sz="2400" dirty="0">
+                <a:latin typeface="Source Code Pro" panose="020B0509030403020204" pitchFamily="49" charset="0"/>
+                <a:ea typeface="Source Code Pro" panose="020B0509030403020204" pitchFamily="49" charset="0"/>
+              </a:rPr>
+              <a:t>):</a:t>
+            </a:r>
+          </a:p>
+          <a:p>
+            <a:r>
+              <a:rPr lang="en-US" sz="2400" dirty="0">
+                <a:latin typeface="Source Code Pro" panose="020B0509030403020204" pitchFamily="49" charset="0"/>
+                <a:ea typeface="Source Code Pro" panose="020B0509030403020204" pitchFamily="49" charset="0"/>
+              </a:rPr>
+              <a:t>	print(</a:t>
+            </a:r>
+            <a:r>
+              <a:rPr lang="en-US" sz="2400" dirty="0" err="1">
+                <a:latin typeface="Source Code Pro" panose="020B0509030403020204" pitchFamily="49" charset="0"/>
+                <a:ea typeface="Source Code Pro" panose="020B0509030403020204" pitchFamily="49" charset="0"/>
+              </a:rPr>
+              <a:t>some_num</a:t>
+            </a:r>
+            <a:r>
+              <a:rPr lang="en-US" sz="2400" dirty="0">
+                <a:latin typeface="Source Code Pro" panose="020B0509030403020204" pitchFamily="49" charset="0"/>
+                <a:ea typeface="Source Code Pro" panose="020B0509030403020204" pitchFamily="49" charset="0"/>
+              </a:rPr>
+              <a:t> * 3)</a:t>
+            </a:r>
+          </a:p>
+        </p:txBody>
+      </p:sp>
+      <p:sp>
+        <p:nvSpPr>
+          <p:cNvPr id="5" name="TextBox 4">
+            <a:extLst>
+              <a:ext uri="{FF2B5EF4-FFF2-40B4-BE49-F238E27FC236}">
+                <a16:creationId xmlns:a16="http://schemas.microsoft.com/office/drawing/2014/main" id="{07AF29D1-1972-FC0F-2AC5-46C9E77F8CB4}"/>
+              </a:ext>
+            </a:extLst>
+          </p:cNvPr>
+          <p:cNvSpPr txBox="1"/>
+          <p:nvPr/>
+        </p:nvSpPr>
+        <p:spPr>
+          <a:xfrm>
+            <a:off x="6142566" y="2667000"/>
+            <a:ext cx="5744634" cy="3416320"/>
+          </a:xfrm>
+          <a:prstGeom prst="rect">
+            <a:avLst/>
+          </a:prstGeom>
+          <a:noFill/>
+        </p:spPr>
+        <p:txBody>
+          <a:bodyPr wrap="square" rtlCol="0">
+            <a:spAutoFit/>
+          </a:bodyPr>
+          <a:lstStyle/>
+          <a:p>
+            <a:r>
+              <a:rPr lang="en-US" sz="2400" dirty="0">
+                <a:latin typeface="Source Code Pro" panose="020B0509030403020204" pitchFamily="49" charset="0"/>
+                <a:ea typeface="Source Code Pro" panose="020B0509030403020204" pitchFamily="49" charset="0"/>
+              </a:rPr>
+              <a:t># what do these output in the interpreter?</a:t>
+            </a:r>
+          </a:p>
+          <a:p>
+            <a:r>
+              <a:rPr lang="en-US" sz="2400" dirty="0">
+                <a:latin typeface="Source Code Pro" panose="020B0509030403020204" pitchFamily="49" charset="0"/>
+                <a:ea typeface="Source Code Pro" panose="020B0509030403020204" pitchFamily="49" charset="0"/>
+              </a:rPr>
+              <a:t>&gt;&gt;&gt; val1 = triple_it_v1(2)</a:t>
+            </a:r>
+          </a:p>
+          <a:p>
+            <a:r>
+              <a:rPr lang="en-US" sz="2400" dirty="0">
+                <a:latin typeface="Source Code Pro" panose="020B0509030403020204" pitchFamily="49" charset="0"/>
+                <a:ea typeface="Source Code Pro" panose="020B0509030403020204" pitchFamily="49" charset="0"/>
+              </a:rPr>
+              <a:t>&gt;&gt;&gt; val1 + 1</a:t>
+            </a:r>
+          </a:p>
+          <a:p>
+            <a:r>
+              <a:rPr lang="en-US" sz="2400" dirty="0">
+                <a:latin typeface="Source Code Pro" panose="020B0509030403020204" pitchFamily="49" charset="0"/>
+                <a:ea typeface="Source Code Pro" panose="020B0509030403020204" pitchFamily="49" charset="0"/>
+              </a:rPr>
+              <a:t>...?</a:t>
+            </a:r>
+          </a:p>
+          <a:p>
+            <a:r>
+              <a:rPr lang="en-US" sz="2400" dirty="0">
+                <a:latin typeface="Source Code Pro" panose="020B0509030403020204" pitchFamily="49" charset="0"/>
+                <a:ea typeface="Source Code Pro" panose="020B0509030403020204" pitchFamily="49" charset="0"/>
+              </a:rPr>
+              <a:t>&gt;&gt;&gt; val2 = triple_it_v2(2)</a:t>
+            </a:r>
+          </a:p>
+          <a:p>
+            <a:r>
+              <a:rPr lang="en-US" sz="2400" dirty="0">
+                <a:latin typeface="Source Code Pro" panose="020B0509030403020204" pitchFamily="49" charset="0"/>
+                <a:ea typeface="Source Code Pro" panose="020B0509030403020204" pitchFamily="49" charset="0"/>
+              </a:rPr>
+              <a:t>&gt;&gt;&gt; val2 + 1</a:t>
+            </a:r>
+          </a:p>
+          <a:p>
+            <a:r>
+              <a:rPr lang="en-US" sz="2400" dirty="0">
+                <a:latin typeface="Source Code Pro" panose="020B0509030403020204" pitchFamily="49" charset="0"/>
+                <a:ea typeface="Source Code Pro" panose="020B0509030403020204" pitchFamily="49" charset="0"/>
+              </a:rPr>
+              <a:t>...?</a:t>
+            </a:r>
+          </a:p>
+          <a:p>
+            <a:endParaRPr lang="en-US" sz="2400" dirty="0"/>
+          </a:p>
+        </p:txBody>
+      </p:sp>
+    </p:spTree>
+    <p:extLst>
+      <p:ext uri="{BB962C8B-B14F-4D97-AF65-F5344CB8AC3E}">
+        <p14:creationId xmlns:p14="http://schemas.microsoft.com/office/powerpoint/2010/main" val="2324894757"/>
+      </p:ext>
+    </p:extLst>
+  </p:cSld>
+  <p:clrMapOvr>
+    <a:masterClrMapping/>
+  </p:clrMapOvr>
+</p:sld>
+</file>
+
+<file path=ppt/slides/slide16.xml><?xml version="1.0" encoding="utf-8"?>
+<p:sld xmlns:a="http://schemas.openxmlformats.org/drawingml/2006/main" xmlns:r="http://schemas.openxmlformats.org/officeDocument/2006/relationships" xmlns:p="http://schemas.openxmlformats.org/presentationml/2006/main">
+  <p:cSld>
+    <p:spTree>
+      <p:nvGrpSpPr>
+        <p:cNvPr id="1" name=""/>
+        <p:cNvGrpSpPr/>
+        <p:nvPr/>
+      </p:nvGrpSpPr>
+      <p:grpSpPr>
+        <a:xfrm>
+          <a:off x="0" y="0"/>
+          <a:ext cx="0" cy="0"/>
+          <a:chOff x="0" y="0"/>
+          <a:chExt cx="0" cy="0"/>
+        </a:xfrm>
+      </p:grpSpPr>
+      <p:sp>
+        <p:nvSpPr>
+          <p:cNvPr id="2" name="Title 1">
+            <a:extLst>
+              <a:ext uri="{FF2B5EF4-FFF2-40B4-BE49-F238E27FC236}">
+                <a16:creationId xmlns:a16="http://schemas.microsoft.com/office/drawing/2014/main" id="{15CBDACA-6C4E-5440-92FB-F023C1666E88}"/>
+              </a:ext>
+            </a:extLst>
+          </p:cNvPr>
+          <p:cNvSpPr>
+            <a:spLocks noGrp="1"/>
+          </p:cNvSpPr>
+          <p:nvPr>
+            <p:ph type="title"/>
+          </p:nvPr>
+        </p:nvSpPr>
+        <p:spPr/>
+        <p:txBody>
+          <a:bodyPr/>
+          <a:lstStyle/>
+          <a:p>
+            <a:r>
+              <a:rPr lang="en-US" dirty="0"/>
+              <a:t>Returns and Values: print()</a:t>
+            </a:r>
+          </a:p>
+        </p:txBody>
+      </p:sp>
+      <p:sp>
+        <p:nvSpPr>
+          <p:cNvPr id="3" name="Content Placeholder 2">
+            <a:extLst>
+              <a:ext uri="{FF2B5EF4-FFF2-40B4-BE49-F238E27FC236}">
+                <a16:creationId xmlns:a16="http://schemas.microsoft.com/office/drawing/2014/main" id="{CFFFE078-3232-BB44-81FA-6CB2837223F1}"/>
+              </a:ext>
+            </a:extLst>
+          </p:cNvPr>
+          <p:cNvSpPr>
+            <a:spLocks noGrp="1"/>
+          </p:cNvSpPr>
+          <p:nvPr>
+            <p:ph idx="1"/>
+          </p:nvPr>
+        </p:nvSpPr>
+        <p:spPr>
+          <a:xfrm>
+            <a:off x="533400" y="1066800"/>
+            <a:ext cx="11218333" cy="1676400"/>
+          </a:xfrm>
+        </p:spPr>
+        <p:txBody>
+          <a:bodyPr/>
+          <a:lstStyle/>
+          <a:p>
+            <a:r>
+              <a:rPr lang="en-US" dirty="0"/>
+              <a:t> </a:t>
+            </a:r>
+            <a:r>
+              <a:rPr lang="en-US" b="1" dirty="0"/>
+              <a:t>Very common misconception</a:t>
+            </a:r>
+            <a:r>
+              <a:rPr lang="en-US" dirty="0"/>
+              <a:t>: do NOT use print() to return a value in a function (it returns None)</a:t>
+            </a:r>
+          </a:p>
+          <a:p>
+            <a:r>
+              <a:rPr lang="en-US" dirty="0"/>
+              <a:t> Example:</a:t>
+            </a:r>
+          </a:p>
+        </p:txBody>
+      </p:sp>
+      <p:sp>
+        <p:nvSpPr>
+          <p:cNvPr id="7" name="Footer Placeholder 2">
+            <a:extLst>
+              <a:ext uri="{FF2B5EF4-FFF2-40B4-BE49-F238E27FC236}">
+                <a16:creationId xmlns:a16="http://schemas.microsoft.com/office/drawing/2014/main" id="{5B058049-1C0E-C482-711D-F4CC57448CBD}"/>
+              </a:ext>
+            </a:extLst>
+          </p:cNvPr>
+          <p:cNvSpPr txBox="1">
+            <a:spLocks/>
+          </p:cNvSpPr>
+          <p:nvPr/>
+        </p:nvSpPr>
+        <p:spPr>
+          <a:xfrm>
+            <a:off x="4038600" y="6416675"/>
+            <a:ext cx="4114800" cy="365125"/>
+          </a:xfrm>
+          <a:prstGeom prst="rect">
+            <a:avLst/>
+          </a:prstGeom>
+        </p:spPr>
+        <p:txBody>
+          <a:bodyPr vert="horz" lIns="91440" tIns="45720" rIns="91440" bIns="45720" rtlCol="0" anchor="ctr"/>
+          <a:lstStyle>
+            <a:defPPr>
+              <a:defRPr lang="en-US"/>
+            </a:defPPr>
+            <a:lvl1pPr algn="ctr" rtl="0" eaLnBrk="0" fontAlgn="base" hangingPunct="0">
+              <a:spcBef>
+                <a:spcPct val="0"/>
+              </a:spcBef>
+              <a:spcAft>
+                <a:spcPct val="0"/>
+              </a:spcAft>
+              <a:defRPr sz="1200" kern="1200">
+                <a:solidFill>
+                  <a:schemeClr val="accent3"/>
+                </a:solidFill>
+                <a:latin typeface="Arial" charset="0"/>
+                <a:ea typeface="ＭＳ Ｐゴシック" charset="0"/>
+                <a:cs typeface="ＭＳ Ｐゴシック" charset="0"/>
+              </a:defRPr>
+            </a:lvl1pPr>
+            <a:lvl2pPr marL="457200" algn="l" rtl="0" eaLnBrk="0" fontAlgn="base" hangingPunct="0">
+              <a:spcBef>
+                <a:spcPct val="0"/>
+              </a:spcBef>
+              <a:spcAft>
+                <a:spcPct val="0"/>
+              </a:spcAft>
+              <a:defRPr kern="1200">
+                <a:solidFill>
+                  <a:schemeClr val="tx1"/>
+                </a:solidFill>
+                <a:latin typeface="Arial" charset="0"/>
+                <a:ea typeface="ＭＳ Ｐゴシック" charset="0"/>
+                <a:cs typeface="ＭＳ Ｐゴシック" charset="0"/>
+              </a:defRPr>
+            </a:lvl2pPr>
+            <a:lvl3pPr marL="914400" algn="l" rtl="0" eaLnBrk="0" fontAlgn="base" hangingPunct="0">
+              <a:spcBef>
+                <a:spcPct val="0"/>
+              </a:spcBef>
+              <a:spcAft>
+                <a:spcPct val="0"/>
+              </a:spcAft>
+              <a:defRPr kern="1200">
+                <a:solidFill>
+                  <a:schemeClr val="tx1"/>
+                </a:solidFill>
+                <a:latin typeface="Arial" charset="0"/>
+                <a:ea typeface="ＭＳ Ｐゴシック" charset="0"/>
+                <a:cs typeface="ＭＳ Ｐゴシック" charset="0"/>
+              </a:defRPr>
+            </a:lvl3pPr>
+            <a:lvl4pPr marL="1371600" algn="l" rtl="0" eaLnBrk="0" fontAlgn="base" hangingPunct="0">
+              <a:spcBef>
+                <a:spcPct val="0"/>
+              </a:spcBef>
+              <a:spcAft>
+                <a:spcPct val="0"/>
+              </a:spcAft>
+              <a:defRPr kern="1200">
+                <a:solidFill>
+                  <a:schemeClr val="tx1"/>
+                </a:solidFill>
+                <a:latin typeface="Arial" charset="0"/>
+                <a:ea typeface="ＭＳ Ｐゴシック" charset="0"/>
+                <a:cs typeface="ＭＳ Ｐゴシック" charset="0"/>
+              </a:defRPr>
+            </a:lvl4pPr>
+            <a:lvl5pPr marL="1828800" algn="l" rtl="0" eaLnBrk="0" fontAlgn="base" hangingPunct="0">
+              <a:spcBef>
+                <a:spcPct val="0"/>
+              </a:spcBef>
+              <a:spcAft>
+                <a:spcPct val="0"/>
+              </a:spcAft>
+              <a:defRPr kern="1200">
+                <a:solidFill>
+                  <a:schemeClr val="tx1"/>
+                </a:solidFill>
+                <a:latin typeface="Arial" charset="0"/>
+                <a:ea typeface="ＭＳ Ｐゴシック" charset="0"/>
+                <a:cs typeface="ＭＳ Ｐゴシック" charset="0"/>
+              </a:defRPr>
+            </a:lvl5pPr>
+            <a:lvl6pPr marL="2286000" algn="l" defTabSz="457200" rtl="0" eaLnBrk="1" latinLnBrk="0" hangingPunct="1">
+              <a:defRPr kern="1200">
+                <a:solidFill>
+                  <a:schemeClr val="tx1"/>
+                </a:solidFill>
+                <a:latin typeface="Arial" charset="0"/>
+                <a:ea typeface="ＭＳ Ｐゴシック" charset="0"/>
+                <a:cs typeface="ＭＳ Ｐゴシック" charset="0"/>
+              </a:defRPr>
+            </a:lvl6pPr>
+            <a:lvl7pPr marL="2743200" algn="l" defTabSz="457200" rtl="0" eaLnBrk="1" latinLnBrk="0" hangingPunct="1">
+              <a:defRPr kern="1200">
+                <a:solidFill>
+                  <a:schemeClr val="tx1"/>
+                </a:solidFill>
+                <a:latin typeface="Arial" charset="0"/>
+                <a:ea typeface="ＭＳ Ｐゴシック" charset="0"/>
+                <a:cs typeface="ＭＳ Ｐゴシック" charset="0"/>
+              </a:defRPr>
+            </a:lvl7pPr>
+            <a:lvl8pPr marL="3200400" algn="l" defTabSz="457200" rtl="0" eaLnBrk="1" latinLnBrk="0" hangingPunct="1">
+              <a:defRPr kern="1200">
+                <a:solidFill>
+                  <a:schemeClr val="tx1"/>
+                </a:solidFill>
+                <a:latin typeface="Arial" charset="0"/>
+                <a:ea typeface="ＭＳ Ｐゴシック" charset="0"/>
+                <a:cs typeface="ＭＳ Ｐゴシック" charset="0"/>
+              </a:defRPr>
+            </a:lvl8pPr>
+            <a:lvl9pPr marL="3657600" algn="l" defTabSz="457200" rtl="0" eaLnBrk="1" latinLnBrk="0" hangingPunct="1">
+              <a:defRPr kern="1200">
+                <a:solidFill>
+                  <a:schemeClr val="tx1"/>
+                </a:solidFill>
+                <a:latin typeface="Arial" charset="0"/>
+                <a:ea typeface="ＭＳ Ｐゴシック" charset="0"/>
+                <a:cs typeface="ＭＳ Ｐゴシック" charset="0"/>
+              </a:defRPr>
+            </a:lvl9pPr>
+          </a:lstStyle>
+          <a:p>
+            <a:r>
+              <a:rPr lang="en-US" dirty="0">
+                <a:latin typeface="FreightMicro Pro Book" panose="02000603020000020004" pitchFamily="2" charset="0"/>
+              </a:rPr>
+              <a:t>Eric Kim | UC Berkeley | https://c88c.org | © CC BY-NC-SA</a:t>
+            </a:r>
+          </a:p>
+        </p:txBody>
+      </p:sp>
+      <p:sp>
+        <p:nvSpPr>
+          <p:cNvPr id="4" name="TextBox 3">
+            <a:extLst>
+              <a:ext uri="{FF2B5EF4-FFF2-40B4-BE49-F238E27FC236}">
+                <a16:creationId xmlns:a16="http://schemas.microsoft.com/office/drawing/2014/main" id="{5B1A6BF0-9B9C-2BC8-0352-71AA178ED71D}"/>
+              </a:ext>
+            </a:extLst>
+          </p:cNvPr>
+          <p:cNvSpPr txBox="1"/>
+          <p:nvPr/>
+        </p:nvSpPr>
+        <p:spPr>
+          <a:xfrm>
+            <a:off x="533400" y="2785408"/>
+            <a:ext cx="5181600" cy="1938992"/>
+          </a:xfrm>
+          <a:prstGeom prst="rect">
+            <a:avLst/>
+          </a:prstGeom>
+          <a:noFill/>
+        </p:spPr>
+        <p:txBody>
+          <a:bodyPr wrap="square" rtlCol="0">
+            <a:spAutoFit/>
+          </a:bodyPr>
+          <a:lstStyle/>
+          <a:p>
+            <a:r>
+              <a:rPr lang="en-US" sz="2400" dirty="0">
+                <a:latin typeface="Source Code Pro" panose="020B0509030403020204" pitchFamily="49" charset="0"/>
+                <a:ea typeface="Source Code Pro" panose="020B0509030403020204" pitchFamily="49" charset="0"/>
+              </a:rPr>
+              <a:t>def triple_it_v1(</a:t>
+            </a:r>
+            <a:r>
+              <a:rPr lang="en-US" sz="2400" dirty="0" err="1">
+                <a:latin typeface="Source Code Pro" panose="020B0509030403020204" pitchFamily="49" charset="0"/>
+                <a:ea typeface="Source Code Pro" panose="020B0509030403020204" pitchFamily="49" charset="0"/>
+              </a:rPr>
+              <a:t>some_num</a:t>
+            </a:r>
+            <a:r>
+              <a:rPr lang="en-US" sz="2400" dirty="0">
+                <a:latin typeface="Source Code Pro" panose="020B0509030403020204" pitchFamily="49" charset="0"/>
+                <a:ea typeface="Source Code Pro" panose="020B0509030403020204" pitchFamily="49" charset="0"/>
+              </a:rPr>
+              <a:t>):</a:t>
+            </a:r>
+          </a:p>
+          <a:p>
+            <a:r>
+              <a:rPr lang="en-US" sz="2400" dirty="0">
+                <a:latin typeface="Source Code Pro" panose="020B0509030403020204" pitchFamily="49" charset="0"/>
+                <a:ea typeface="Source Code Pro" panose="020B0509030403020204" pitchFamily="49" charset="0"/>
+              </a:rPr>
+              <a:t>	return </a:t>
+            </a:r>
+            <a:r>
+              <a:rPr lang="en-US" sz="2400" dirty="0" err="1">
+                <a:latin typeface="Source Code Pro" panose="020B0509030403020204" pitchFamily="49" charset="0"/>
+                <a:ea typeface="Source Code Pro" panose="020B0509030403020204" pitchFamily="49" charset="0"/>
+              </a:rPr>
+              <a:t>some_num</a:t>
+            </a:r>
+            <a:r>
+              <a:rPr lang="en-US" sz="2400" dirty="0">
+                <a:latin typeface="Source Code Pro" panose="020B0509030403020204" pitchFamily="49" charset="0"/>
+                <a:ea typeface="Source Code Pro" panose="020B0509030403020204" pitchFamily="49" charset="0"/>
+              </a:rPr>
+              <a:t> * 3</a:t>
+            </a:r>
+          </a:p>
+          <a:p>
+            <a:endParaRPr lang="en-US" sz="2400" dirty="0">
+              <a:latin typeface="Source Code Pro" panose="020B0509030403020204" pitchFamily="49" charset="0"/>
+              <a:ea typeface="Source Code Pro" panose="020B0509030403020204" pitchFamily="49" charset="0"/>
+            </a:endParaRPr>
+          </a:p>
+          <a:p>
+            <a:r>
+              <a:rPr lang="en-US" sz="2400" dirty="0">
+                <a:latin typeface="Source Code Pro" panose="020B0509030403020204" pitchFamily="49" charset="0"/>
+                <a:ea typeface="Source Code Pro" panose="020B0509030403020204" pitchFamily="49" charset="0"/>
+              </a:rPr>
+              <a:t>def triple_it_v2(</a:t>
+            </a:r>
+            <a:r>
+              <a:rPr lang="en-US" sz="2400" dirty="0" err="1">
+                <a:latin typeface="Source Code Pro" panose="020B0509030403020204" pitchFamily="49" charset="0"/>
+                <a:ea typeface="Source Code Pro" panose="020B0509030403020204" pitchFamily="49" charset="0"/>
+              </a:rPr>
+              <a:t>some_num</a:t>
+            </a:r>
+            <a:r>
+              <a:rPr lang="en-US" sz="2400" dirty="0">
+                <a:latin typeface="Source Code Pro" panose="020B0509030403020204" pitchFamily="49" charset="0"/>
+                <a:ea typeface="Source Code Pro" panose="020B0509030403020204" pitchFamily="49" charset="0"/>
+              </a:rPr>
+              <a:t>):</a:t>
+            </a:r>
+          </a:p>
+          <a:p>
+            <a:r>
+              <a:rPr lang="en-US" sz="2400" dirty="0">
+                <a:latin typeface="Source Code Pro" panose="020B0509030403020204" pitchFamily="49" charset="0"/>
+                <a:ea typeface="Source Code Pro" panose="020B0509030403020204" pitchFamily="49" charset="0"/>
+              </a:rPr>
+              <a:t>	print(</a:t>
+            </a:r>
+            <a:r>
+              <a:rPr lang="en-US" sz="2400" dirty="0" err="1">
+                <a:latin typeface="Source Code Pro" panose="020B0509030403020204" pitchFamily="49" charset="0"/>
+                <a:ea typeface="Source Code Pro" panose="020B0509030403020204" pitchFamily="49" charset="0"/>
+              </a:rPr>
+              <a:t>some_num</a:t>
+            </a:r>
+            <a:r>
+              <a:rPr lang="en-US" sz="2400" dirty="0">
+                <a:latin typeface="Source Code Pro" panose="020B0509030403020204" pitchFamily="49" charset="0"/>
+                <a:ea typeface="Source Code Pro" panose="020B0509030403020204" pitchFamily="49" charset="0"/>
+              </a:rPr>
+              <a:t> * 3)</a:t>
+            </a:r>
+          </a:p>
+        </p:txBody>
+      </p:sp>
+      <p:sp>
+        <p:nvSpPr>
+          <p:cNvPr id="5" name="TextBox 4">
+            <a:extLst>
+              <a:ext uri="{FF2B5EF4-FFF2-40B4-BE49-F238E27FC236}">
+                <a16:creationId xmlns:a16="http://schemas.microsoft.com/office/drawing/2014/main" id="{07AF29D1-1972-FC0F-2AC5-46C9E77F8CB4}"/>
+              </a:ext>
+            </a:extLst>
+          </p:cNvPr>
+          <p:cNvSpPr txBox="1"/>
+          <p:nvPr/>
+        </p:nvSpPr>
+        <p:spPr>
+          <a:xfrm>
+            <a:off x="6142566" y="2667000"/>
+            <a:ext cx="5744634" cy="3785652"/>
+          </a:xfrm>
+          <a:prstGeom prst="rect">
+            <a:avLst/>
+          </a:prstGeom>
+          <a:noFill/>
+        </p:spPr>
+        <p:txBody>
+          <a:bodyPr wrap="square" rtlCol="0">
+            <a:spAutoFit/>
+          </a:bodyPr>
+          <a:lstStyle/>
+          <a:p>
+            <a:r>
+              <a:rPr lang="en-US" sz="2400" dirty="0">
+                <a:latin typeface="Source Code Pro" panose="020B0509030403020204" pitchFamily="49" charset="0"/>
+                <a:ea typeface="Source Code Pro" panose="020B0509030403020204" pitchFamily="49" charset="0"/>
+              </a:rPr>
+              <a:t># what do these output in the interpreter?</a:t>
+            </a:r>
+          </a:p>
+          <a:p>
+            <a:r>
+              <a:rPr lang="en-US" sz="2400" dirty="0">
+                <a:latin typeface="Source Code Pro" panose="020B0509030403020204" pitchFamily="49" charset="0"/>
+                <a:ea typeface="Source Code Pro" panose="020B0509030403020204" pitchFamily="49" charset="0"/>
+              </a:rPr>
+              <a:t>&gt;&gt;&gt; val1 = triple_it_v1(2)</a:t>
+            </a:r>
+          </a:p>
+          <a:p>
+            <a:r>
+              <a:rPr lang="en-US" sz="2400" dirty="0">
+                <a:latin typeface="Source Code Pro" panose="020B0509030403020204" pitchFamily="49" charset="0"/>
+                <a:ea typeface="Source Code Pro" panose="020B0509030403020204" pitchFamily="49" charset="0"/>
+              </a:rPr>
+              <a:t>&gt;&gt;&gt; val1 + 1</a:t>
+            </a:r>
+          </a:p>
+          <a:p>
+            <a:r>
+              <a:rPr lang="en-US" sz="2400" dirty="0">
+                <a:latin typeface="Source Code Pro" panose="020B0509030403020204" pitchFamily="49" charset="0"/>
+                <a:ea typeface="Source Code Pro" panose="020B0509030403020204" pitchFamily="49" charset="0"/>
+              </a:rPr>
+              <a:t>7</a:t>
+            </a:r>
+          </a:p>
+          <a:p>
+            <a:r>
+              <a:rPr lang="en-US" sz="2400" dirty="0">
+                <a:latin typeface="Source Code Pro" panose="020B0509030403020204" pitchFamily="49" charset="0"/>
+                <a:ea typeface="Source Code Pro" panose="020B0509030403020204" pitchFamily="49" charset="0"/>
+              </a:rPr>
+              <a:t>&gt;&gt;&gt; val2 = triple_it_v2(2)</a:t>
+            </a:r>
+          </a:p>
+          <a:p>
+            <a:r>
+              <a:rPr lang="en-US" sz="2400" dirty="0">
+                <a:latin typeface="Source Code Pro" panose="020B0509030403020204" pitchFamily="49" charset="0"/>
+                <a:ea typeface="Source Code Pro" panose="020B0509030403020204" pitchFamily="49" charset="0"/>
+              </a:rPr>
+              <a:t>&gt;&gt;&gt; val2 + 1</a:t>
+            </a:r>
+          </a:p>
+          <a:p>
+            <a:r>
+              <a:rPr lang="en-US" sz="2400" dirty="0" err="1">
+                <a:latin typeface="Source Code Pro" panose="020B0509030403020204" pitchFamily="49" charset="0"/>
+                <a:ea typeface="Source Code Pro" panose="020B0509030403020204" pitchFamily="49" charset="0"/>
+              </a:rPr>
+              <a:t>TypeError</a:t>
+            </a:r>
+            <a:r>
+              <a:rPr lang="en-US" sz="2400" dirty="0">
+                <a:latin typeface="Source Code Pro" panose="020B0509030403020204" pitchFamily="49" charset="0"/>
+                <a:ea typeface="Source Code Pro" panose="020B0509030403020204" pitchFamily="49" charset="0"/>
+              </a:rPr>
+              <a:t>: unsupported operand type(s) for +: '</a:t>
+            </a:r>
+            <a:r>
+              <a:rPr lang="en-US" sz="2400" dirty="0" err="1">
+                <a:latin typeface="Source Code Pro" panose="020B0509030403020204" pitchFamily="49" charset="0"/>
+                <a:ea typeface="Source Code Pro" panose="020B0509030403020204" pitchFamily="49" charset="0"/>
+              </a:rPr>
+              <a:t>NoneType</a:t>
+            </a:r>
+            <a:r>
+              <a:rPr lang="en-US" sz="2400" dirty="0">
+                <a:latin typeface="Source Code Pro" panose="020B0509030403020204" pitchFamily="49" charset="0"/>
+                <a:ea typeface="Source Code Pro" panose="020B0509030403020204" pitchFamily="49" charset="0"/>
+              </a:rPr>
+              <a:t>' and 'int' </a:t>
+            </a:r>
+          </a:p>
+        </p:txBody>
+      </p:sp>
+    </p:spTree>
+    <p:extLst>
+      <p:ext uri="{BB962C8B-B14F-4D97-AF65-F5344CB8AC3E}">
+        <p14:creationId xmlns:p14="http://schemas.microsoft.com/office/powerpoint/2010/main" val="1220238244"/>
+      </p:ext>
+    </p:extLst>
+  </p:cSld>
+  <p:clrMapOvr>
+    <a:masterClrMapping/>
+  </p:clrMapOvr>
+</p:sld>
+</file>
+
+<file path=ppt/slides/slide17.xml><?xml version="1.0" encoding="utf-8"?>
+<p:sld xmlns:a="http://schemas.openxmlformats.org/drawingml/2006/main" xmlns:r="http://schemas.openxmlformats.org/officeDocument/2006/relationships" xmlns:p="http://schemas.openxmlformats.org/presentationml/2006/main">
+  <p:cSld>
+    <p:spTree>
+      <p:nvGrpSpPr>
+        <p:cNvPr id="1" name=""/>
+        <p:cNvGrpSpPr/>
+        <p:nvPr/>
+      </p:nvGrpSpPr>
+      <p:grpSpPr>
+        <a:xfrm>
+          <a:off x="0" y="0"/>
+          <a:ext cx="0" cy="0"/>
+          <a:chOff x="0" y="0"/>
+          <a:chExt cx="0" cy="0"/>
+        </a:xfrm>
+      </p:grpSpPr>
+      <p:sp>
+        <p:nvSpPr>
           <p:cNvPr id="2" name="Title 1"/>
           <p:cNvSpPr>
             <a:spLocks noGrp="1"/>
@@ -13221,7 +14575,7 @@
               <a:rPr lang="en-US" dirty="0">
                 <a:latin typeface="FreightMicro Pro Book" panose="02000603020000020004" pitchFamily="2" charset="0"/>
               </a:rPr>
-              <a:t>Michael Ball | UC Berkeley | https://c88c.org | © CC BY-NC-SA</a:t>
+              <a:t>Eric Kim | UC Berkeley | https://c88c.org | © CC BY-NC-SA</a:t>
             </a:r>
           </a:p>
         </p:txBody>
@@ -13250,7 +14604,7 @@
 </p:sld>
 </file>
 
-<file path=ppt/slides/slide15.xml><?xml version="1.0" encoding="utf-8"?>
+<file path=ppt/slides/slide18.xml><?xml version="1.0" encoding="utf-8"?>
 <p:sld xmlns:a="http://schemas.openxmlformats.org/drawingml/2006/main" xmlns:r="http://schemas.openxmlformats.org/officeDocument/2006/relationships" xmlns:p="http://schemas.openxmlformats.org/presentationml/2006/main">
   <p:cSld>
     <p:spTree>
@@ -13598,7 +14952,7 @@
               <a:rPr lang="en-US" dirty="0">
                 <a:latin typeface="FreightMicro Pro Book" panose="02000603020000020004" pitchFamily="2" charset="0"/>
               </a:rPr>
-              <a:t>Michael Ball | UC Berkeley | https://c88c.org | © CC BY-NC-SA</a:t>
+              <a:t>Eric Kim | UC Berkeley | https://c88c.org | © CC BY-NC-SA</a:t>
             </a:r>
           </a:p>
         </p:txBody>
@@ -13627,7 +14981,7 @@
 </p:sld>
 </file>
 
-<file path=ppt/slides/slide16.xml><?xml version="1.0" encoding="utf-8"?>
+<file path=ppt/slides/slide19.xml><?xml version="1.0" encoding="utf-8"?>
 <p:sld xmlns:a="http://schemas.openxmlformats.org/drawingml/2006/main" xmlns:r="http://schemas.openxmlformats.org/officeDocument/2006/relationships" xmlns:p="http://schemas.openxmlformats.org/presentationml/2006/main">
   <p:cSld>
     <p:spTree>
@@ -13713,1071 +15067,6 @@
     </mc:Choice>
     <mc:Fallback xmlns="">
       <p:transition xmlns:p14="http://schemas.microsoft.com/office/powerpoint/2010/main" spd="slow" advTm="109658"/>
-    </mc:Fallback>
-  </mc:AlternateContent>
-</p:sld>
-</file>
-
-<file path=ppt/slides/slide17.xml><?xml version="1.0" encoding="utf-8"?>
-<p:sld xmlns:a="http://schemas.openxmlformats.org/drawingml/2006/main" xmlns:r="http://schemas.openxmlformats.org/officeDocument/2006/relationships" xmlns:p="http://schemas.openxmlformats.org/presentationml/2006/main">
-  <p:cSld>
-    <p:spTree>
-      <p:nvGrpSpPr>
-        <p:cNvPr id="1" name=""/>
-        <p:cNvGrpSpPr/>
-        <p:nvPr/>
-      </p:nvGrpSpPr>
-      <p:grpSpPr>
-        <a:xfrm>
-          <a:off x="0" y="0"/>
-          <a:ext cx="0" cy="0"/>
-          <a:chOff x="0" y="0"/>
-          <a:chExt cx="0" cy="0"/>
-        </a:xfrm>
-      </p:grpSpPr>
-      <p:sp>
-        <p:nvSpPr>
-          <p:cNvPr id="2" name="Title 1"/>
-          <p:cNvSpPr>
-            <a:spLocks noGrp="1"/>
-          </p:cNvSpPr>
-          <p:nvPr>
-            <p:ph type="title"/>
-          </p:nvPr>
-        </p:nvSpPr>
-        <p:spPr/>
-        <p:txBody>
-          <a:bodyPr/>
-          <a:lstStyle/>
-          <a:p>
-            <a:r>
-              <a:rPr lang="en-US" dirty="0"/>
-              <a:t>Conditional Statement</a:t>
-            </a:r>
-          </a:p>
-        </p:txBody>
-      </p:sp>
-      <p:sp>
-        <p:nvSpPr>
-          <p:cNvPr id="8" name="Content Placeholder 7"/>
-          <p:cNvSpPr>
-            <a:spLocks noGrp="1"/>
-          </p:cNvSpPr>
-          <p:nvPr>
-            <p:ph idx="1"/>
-          </p:nvPr>
-        </p:nvSpPr>
-        <p:spPr/>
-        <p:txBody>
-          <a:bodyPr/>
-          <a:lstStyle/>
-          <a:p>
-            <a:r>
-              <a:rPr lang="en-US" dirty="0"/>
-              <a:t>Do some statements, conditional on a predicate expression</a:t>
-            </a:r>
-          </a:p>
-          <a:p>
-            <a:endParaRPr lang="en-US" dirty="0"/>
-          </a:p>
-          <a:p>
-            <a:endParaRPr lang="en-US" dirty="0"/>
-          </a:p>
-          <a:p>
-            <a:endParaRPr lang="en-US" dirty="0"/>
-          </a:p>
-          <a:p>
-            <a:endParaRPr lang="en-US" dirty="0"/>
-          </a:p>
-          <a:p>
-            <a:r>
-              <a:rPr lang="en-US" dirty="0"/>
-              <a:t>Example:</a:t>
-            </a:r>
-          </a:p>
-        </p:txBody>
-      </p:sp>
-      <p:sp>
-        <p:nvSpPr>
-          <p:cNvPr id="7" name="TextBox 6"/>
-          <p:cNvSpPr txBox="1"/>
-          <p:nvPr/>
-        </p:nvSpPr>
-        <p:spPr>
-          <a:xfrm>
-            <a:off x="3390900" y="1859340"/>
-            <a:ext cx="5410200" cy="1569660"/>
-          </a:xfrm>
-          <a:prstGeom prst="rect">
-            <a:avLst/>
-          </a:prstGeom>
-          <a:noFill/>
-        </p:spPr>
-        <p:txBody>
-          <a:bodyPr wrap="square" rtlCol="0">
-            <a:spAutoFit/>
-          </a:bodyPr>
-          <a:lstStyle/>
-          <a:p>
-            <a:r>
-              <a:rPr lang="en-US" sz="2400" b="1" dirty="0">
-                <a:latin typeface="Courier New"/>
-                <a:cs typeface="Courier New"/>
-              </a:rPr>
-              <a:t>if</a:t>
-            </a:r>
-            <a:r>
-              <a:rPr lang="en-US" sz="2400" dirty="0">
-                <a:latin typeface="Courier New"/>
-                <a:cs typeface="Courier New"/>
-              </a:rPr>
-              <a:t> &lt;predicate&gt;</a:t>
-            </a:r>
-            <a:r>
-              <a:rPr lang="en-US" sz="2400" b="1" dirty="0">
-                <a:latin typeface="Courier New"/>
-                <a:cs typeface="Courier New"/>
-              </a:rPr>
-              <a:t>:</a:t>
-            </a:r>
-          </a:p>
-          <a:p>
-            <a:r>
-              <a:rPr lang="en-US" sz="2400" dirty="0">
-                <a:latin typeface="Courier New"/>
-                <a:cs typeface="Courier New"/>
-              </a:rPr>
-              <a:t>       &lt;true statements&gt;</a:t>
-            </a:r>
-          </a:p>
-          <a:p>
-            <a:r>
-              <a:rPr lang="hu-HU" sz="2400" b="1" dirty="0">
-                <a:latin typeface="Courier New"/>
-                <a:cs typeface="Courier New"/>
-              </a:rPr>
-              <a:t>else:</a:t>
-            </a:r>
-          </a:p>
-          <a:p>
-            <a:r>
-              <a:rPr lang="en-US" sz="2400" dirty="0">
-                <a:latin typeface="Courier New"/>
-                <a:cs typeface="Courier New"/>
-              </a:rPr>
-              <a:t>       &lt;false statements&gt;</a:t>
-            </a:r>
-          </a:p>
-        </p:txBody>
-      </p:sp>
-      <p:sp>
-        <p:nvSpPr>
-          <p:cNvPr id="9" name="TextBox 8">
-            <a:extLst>
-              <a:ext uri="{FF2B5EF4-FFF2-40B4-BE49-F238E27FC236}">
-                <a16:creationId xmlns:a16="http://schemas.microsoft.com/office/drawing/2014/main" id="{3D2FAF7E-D371-614C-B357-A47BEFF66558}"/>
-              </a:ext>
-            </a:extLst>
-          </p:cNvPr>
-          <p:cNvSpPr txBox="1"/>
-          <p:nvPr/>
-        </p:nvSpPr>
-        <p:spPr>
-          <a:xfrm>
-            <a:off x="3390900" y="4221540"/>
-            <a:ext cx="5410200" cy="1569660"/>
-          </a:xfrm>
-          <a:prstGeom prst="rect">
-            <a:avLst/>
-          </a:prstGeom>
-          <a:noFill/>
-        </p:spPr>
-        <p:txBody>
-          <a:bodyPr wrap="square" rtlCol="0">
-            <a:spAutoFit/>
-          </a:bodyPr>
-          <a:lstStyle/>
-          <a:p>
-            <a:r>
-              <a:rPr lang="en-US" sz="2400" b="1" dirty="0">
-                <a:latin typeface="Courier New"/>
-                <a:cs typeface="Courier New"/>
-              </a:rPr>
-              <a:t>if</a:t>
-            </a:r>
-            <a:r>
-              <a:rPr lang="en-US" sz="2400" dirty="0">
-                <a:latin typeface="Courier New"/>
-                <a:cs typeface="Courier New"/>
-              </a:rPr>
-              <a:t> temperature &gt; 98.6</a:t>
-            </a:r>
-            <a:r>
-              <a:rPr lang="en-US" sz="2400" b="1" dirty="0">
-                <a:latin typeface="Courier New"/>
-                <a:cs typeface="Courier New"/>
-              </a:rPr>
-              <a:t>:</a:t>
-            </a:r>
-          </a:p>
-          <a:p>
-            <a:r>
-              <a:rPr lang="en-US" sz="2400" dirty="0">
-                <a:latin typeface="Courier New"/>
-                <a:cs typeface="Courier New"/>
-              </a:rPr>
-              <a:t>       print(“fever!”)</a:t>
-            </a:r>
-          </a:p>
-          <a:p>
-            <a:r>
-              <a:rPr lang="hu-HU" sz="2400" b="1" dirty="0">
-                <a:latin typeface="Courier New"/>
-                <a:cs typeface="Courier New"/>
-              </a:rPr>
-              <a:t>else:</a:t>
-            </a:r>
-          </a:p>
-          <a:p>
-            <a:r>
-              <a:rPr lang="en-US" sz="2400" dirty="0">
-                <a:latin typeface="Courier New"/>
-                <a:cs typeface="Courier New"/>
-              </a:rPr>
-              <a:t>       print(“no fever”)</a:t>
-            </a:r>
-          </a:p>
-        </p:txBody>
-      </p:sp>
-      <p:sp>
-        <p:nvSpPr>
-          <p:cNvPr id="5" name="Footer Placeholder 2">
-            <a:extLst>
-              <a:ext uri="{FF2B5EF4-FFF2-40B4-BE49-F238E27FC236}">
-                <a16:creationId xmlns:a16="http://schemas.microsoft.com/office/drawing/2014/main" id="{B0C48082-0EAC-4138-94EE-BB7B61DCC95B}"/>
-              </a:ext>
-            </a:extLst>
-          </p:cNvPr>
-          <p:cNvSpPr txBox="1">
-            <a:spLocks/>
-          </p:cNvSpPr>
-          <p:nvPr/>
-        </p:nvSpPr>
-        <p:spPr>
-          <a:xfrm>
-            <a:off x="4038600" y="6416675"/>
-            <a:ext cx="4114800" cy="365125"/>
-          </a:xfrm>
-          <a:prstGeom prst="rect">
-            <a:avLst/>
-          </a:prstGeom>
-        </p:spPr>
-        <p:txBody>
-          <a:bodyPr vert="horz" lIns="91440" tIns="45720" rIns="91440" bIns="45720" rtlCol="0" anchor="ctr"/>
-          <a:lstStyle>
-            <a:defPPr>
-              <a:defRPr lang="en-US"/>
-            </a:defPPr>
-            <a:lvl1pPr algn="ctr" rtl="0" eaLnBrk="0" fontAlgn="base" hangingPunct="0">
-              <a:spcBef>
-                <a:spcPct val="0"/>
-              </a:spcBef>
-              <a:spcAft>
-                <a:spcPct val="0"/>
-              </a:spcAft>
-              <a:defRPr sz="1200" kern="1200">
-                <a:solidFill>
-                  <a:schemeClr val="accent3"/>
-                </a:solidFill>
-                <a:latin typeface="Arial" charset="0"/>
-                <a:ea typeface="ＭＳ Ｐゴシック" charset="0"/>
-                <a:cs typeface="ＭＳ Ｐゴシック" charset="0"/>
-              </a:defRPr>
-            </a:lvl1pPr>
-            <a:lvl2pPr marL="457200" algn="l" rtl="0" eaLnBrk="0" fontAlgn="base" hangingPunct="0">
-              <a:spcBef>
-                <a:spcPct val="0"/>
-              </a:spcBef>
-              <a:spcAft>
-                <a:spcPct val="0"/>
-              </a:spcAft>
-              <a:defRPr kern="1200">
-                <a:solidFill>
-                  <a:schemeClr val="tx1"/>
-                </a:solidFill>
-                <a:latin typeface="Arial" charset="0"/>
-                <a:ea typeface="ＭＳ Ｐゴシック" charset="0"/>
-                <a:cs typeface="ＭＳ Ｐゴシック" charset="0"/>
-              </a:defRPr>
-            </a:lvl2pPr>
-            <a:lvl3pPr marL="914400" algn="l" rtl="0" eaLnBrk="0" fontAlgn="base" hangingPunct="0">
-              <a:spcBef>
-                <a:spcPct val="0"/>
-              </a:spcBef>
-              <a:spcAft>
-                <a:spcPct val="0"/>
-              </a:spcAft>
-              <a:defRPr kern="1200">
-                <a:solidFill>
-                  <a:schemeClr val="tx1"/>
-                </a:solidFill>
-                <a:latin typeface="Arial" charset="0"/>
-                <a:ea typeface="ＭＳ Ｐゴシック" charset="0"/>
-                <a:cs typeface="ＭＳ Ｐゴシック" charset="0"/>
-              </a:defRPr>
-            </a:lvl3pPr>
-            <a:lvl4pPr marL="1371600" algn="l" rtl="0" eaLnBrk="0" fontAlgn="base" hangingPunct="0">
-              <a:spcBef>
-                <a:spcPct val="0"/>
-              </a:spcBef>
-              <a:spcAft>
-                <a:spcPct val="0"/>
-              </a:spcAft>
-              <a:defRPr kern="1200">
-                <a:solidFill>
-                  <a:schemeClr val="tx1"/>
-                </a:solidFill>
-                <a:latin typeface="Arial" charset="0"/>
-                <a:ea typeface="ＭＳ Ｐゴシック" charset="0"/>
-                <a:cs typeface="ＭＳ Ｐゴシック" charset="0"/>
-              </a:defRPr>
-            </a:lvl4pPr>
-            <a:lvl5pPr marL="1828800" algn="l" rtl="0" eaLnBrk="0" fontAlgn="base" hangingPunct="0">
-              <a:spcBef>
-                <a:spcPct val="0"/>
-              </a:spcBef>
-              <a:spcAft>
-                <a:spcPct val="0"/>
-              </a:spcAft>
-              <a:defRPr kern="1200">
-                <a:solidFill>
-                  <a:schemeClr val="tx1"/>
-                </a:solidFill>
-                <a:latin typeface="Arial" charset="0"/>
-                <a:ea typeface="ＭＳ Ｐゴシック" charset="0"/>
-                <a:cs typeface="ＭＳ Ｐゴシック" charset="0"/>
-              </a:defRPr>
-            </a:lvl5pPr>
-            <a:lvl6pPr marL="2286000" algn="l" defTabSz="457200" rtl="0" eaLnBrk="1" latinLnBrk="0" hangingPunct="1">
-              <a:defRPr kern="1200">
-                <a:solidFill>
-                  <a:schemeClr val="tx1"/>
-                </a:solidFill>
-                <a:latin typeface="Arial" charset="0"/>
-                <a:ea typeface="ＭＳ Ｐゴシック" charset="0"/>
-                <a:cs typeface="ＭＳ Ｐゴシック" charset="0"/>
-              </a:defRPr>
-            </a:lvl6pPr>
-            <a:lvl7pPr marL="2743200" algn="l" defTabSz="457200" rtl="0" eaLnBrk="1" latinLnBrk="0" hangingPunct="1">
-              <a:defRPr kern="1200">
-                <a:solidFill>
-                  <a:schemeClr val="tx1"/>
-                </a:solidFill>
-                <a:latin typeface="Arial" charset="0"/>
-                <a:ea typeface="ＭＳ Ｐゴシック" charset="0"/>
-                <a:cs typeface="ＭＳ Ｐゴシック" charset="0"/>
-              </a:defRPr>
-            </a:lvl7pPr>
-            <a:lvl8pPr marL="3200400" algn="l" defTabSz="457200" rtl="0" eaLnBrk="1" latinLnBrk="0" hangingPunct="1">
-              <a:defRPr kern="1200">
-                <a:solidFill>
-                  <a:schemeClr val="tx1"/>
-                </a:solidFill>
-                <a:latin typeface="Arial" charset="0"/>
-                <a:ea typeface="ＭＳ Ｐゴシック" charset="0"/>
-                <a:cs typeface="ＭＳ Ｐゴシック" charset="0"/>
-              </a:defRPr>
-            </a:lvl8pPr>
-            <a:lvl9pPr marL="3657600" algn="l" defTabSz="457200" rtl="0" eaLnBrk="1" latinLnBrk="0" hangingPunct="1">
-              <a:defRPr kern="1200">
-                <a:solidFill>
-                  <a:schemeClr val="tx1"/>
-                </a:solidFill>
-                <a:latin typeface="Arial" charset="0"/>
-                <a:ea typeface="ＭＳ Ｐゴシック" charset="0"/>
-                <a:cs typeface="ＭＳ Ｐゴシック" charset="0"/>
-              </a:defRPr>
-            </a:lvl9pPr>
-          </a:lstStyle>
-          <a:p>
-            <a:r>
-              <a:rPr lang="en-US" dirty="0">
-                <a:latin typeface="FreightMicro Pro Book" panose="02000603020000020004" pitchFamily="2" charset="0"/>
-              </a:rPr>
-              <a:t>Michael Ball | UC Berkeley | https://c88c.org | © CC BY-NC-SA</a:t>
-            </a:r>
-          </a:p>
-        </p:txBody>
-      </p:sp>
-    </p:spTree>
-    <p:extLst>
-      <p:ext uri="{BB962C8B-B14F-4D97-AF65-F5344CB8AC3E}">
-        <p14:creationId xmlns:p14="http://schemas.microsoft.com/office/powerpoint/2010/main" val="704273411"/>
-      </p:ext>
-    </p:extLst>
-  </p:cSld>
-  <p:clrMapOvr>
-    <a:masterClrMapping/>
-  </p:clrMapOvr>
-  <mc:AlternateContent xmlns:mc="http://schemas.openxmlformats.org/markup-compatibility/2006" xmlns:p14="http://schemas.microsoft.com/office/powerpoint/2010/main">
-    <mc:Choice Requires="p14">
-      <p:transition spd="slow" p14:dur="2000" advTm="46147"/>
-    </mc:Choice>
-    <mc:Fallback xmlns="">
-      <p:transition xmlns:p14="http://schemas.microsoft.com/office/powerpoint/2010/main" spd="slow" advTm="46147"/>
-    </mc:Fallback>
-  </mc:AlternateContent>
-</p:sld>
-</file>
-
-<file path=ppt/slides/slide18.xml><?xml version="1.0" encoding="utf-8"?>
-<p:sld xmlns:a="http://schemas.openxmlformats.org/drawingml/2006/main" xmlns:r="http://schemas.openxmlformats.org/officeDocument/2006/relationships" xmlns:p="http://schemas.openxmlformats.org/presentationml/2006/main">
-  <p:cSld>
-    <p:spTree>
-      <p:nvGrpSpPr>
-        <p:cNvPr id="1" name=""/>
-        <p:cNvGrpSpPr/>
-        <p:nvPr/>
-      </p:nvGrpSpPr>
-      <p:grpSpPr>
-        <a:xfrm>
-          <a:off x="0" y="0"/>
-          <a:ext cx="0" cy="0"/>
-          <a:chOff x="0" y="0"/>
-          <a:chExt cx="0" cy="0"/>
-        </a:xfrm>
-      </p:grpSpPr>
-      <p:sp>
-        <p:nvSpPr>
-          <p:cNvPr id="2" name="Title 1">
-            <a:extLst>
-              <a:ext uri="{FF2B5EF4-FFF2-40B4-BE49-F238E27FC236}">
-                <a16:creationId xmlns:a16="http://schemas.microsoft.com/office/drawing/2014/main" id="{719EE069-C0F9-B587-6DFC-3FBC87AE684F}"/>
-              </a:ext>
-            </a:extLst>
-          </p:cNvPr>
-          <p:cNvSpPr>
-            <a:spLocks noGrp="1"/>
-          </p:cNvSpPr>
-          <p:nvPr>
-            <p:ph type="title"/>
-          </p:nvPr>
-        </p:nvSpPr>
-        <p:spPr/>
-        <p:txBody>
-          <a:bodyPr/>
-          <a:lstStyle/>
-          <a:p>
-            <a:r>
-              <a:rPr lang="en-US" dirty="0"/>
-              <a:t>Live Coding Demo</a:t>
-            </a:r>
-          </a:p>
-        </p:txBody>
-      </p:sp>
-      <p:sp>
-        <p:nvSpPr>
-          <p:cNvPr id="3" name="Content Placeholder 2">
-            <a:extLst>
-              <a:ext uri="{FF2B5EF4-FFF2-40B4-BE49-F238E27FC236}">
-                <a16:creationId xmlns:a16="http://schemas.microsoft.com/office/drawing/2014/main" id="{AE0475D6-C56D-C563-1C93-8F52EA68A476}"/>
-              </a:ext>
-            </a:extLst>
-          </p:cNvPr>
-          <p:cNvSpPr>
-            <a:spLocks noGrp="1"/>
-          </p:cNvSpPr>
-          <p:nvPr>
-            <p:ph idx="1"/>
-          </p:nvPr>
-        </p:nvSpPr>
-        <p:spPr/>
-        <p:txBody>
-          <a:bodyPr/>
-          <a:lstStyle/>
-          <a:p>
-            <a:pPr marL="0" indent="0">
-              <a:buNone/>
-            </a:pPr>
-            <a:r>
-              <a:rPr lang="en-US" dirty="0">
-                <a:latin typeface="Source Code Pro Medium" panose="020B0309030403020204" pitchFamily="34" charset="0"/>
-                <a:ea typeface="Source Code Pro Medium" panose="020B0309030403020204" pitchFamily="34" charset="0"/>
-              </a:rPr>
-              <a:t>course = 'C88C'</a:t>
-            </a:r>
-          </a:p>
-          <a:p>
-            <a:pPr marL="0" indent="0">
-              <a:buNone/>
-            </a:pPr>
-            <a:r>
-              <a:rPr lang="en-US" dirty="0">
-                <a:latin typeface="Source Code Pro Medium" panose="020B0309030403020204" pitchFamily="34" charset="0"/>
-                <a:ea typeface="Source Code Pro Medium" panose="020B0309030403020204" pitchFamily="34" charset="0"/>
-              </a:rPr>
-              <a:t>time = '3:00'</a:t>
-            </a:r>
-          </a:p>
-          <a:p>
-            <a:pPr marL="0" indent="0">
-              <a:buNone/>
-            </a:pPr>
-            <a:r>
-              <a:rPr lang="en-US" dirty="0">
-                <a:latin typeface="Source Code Pro Medium" panose="020B0309030403020204" pitchFamily="34" charset="0"/>
-                <a:ea typeface="Source Code Pro Medium" panose="020B0309030403020204" pitchFamily="34" charset="0"/>
-              </a:rPr>
-              <a:t>if time == '2:00':</a:t>
-            </a:r>
-          </a:p>
-          <a:p>
-            <a:pPr marL="0" indent="0">
-              <a:buNone/>
-            </a:pPr>
-            <a:r>
-              <a:rPr lang="en-US" dirty="0">
-                <a:latin typeface="Source Code Pro Medium" panose="020B0309030403020204" pitchFamily="34" charset="0"/>
-                <a:ea typeface="Source Code Pro Medium" panose="020B0309030403020204" pitchFamily="34" charset="0"/>
-              </a:rPr>
-              <a:t>    print(</a:t>
-            </a:r>
-            <a:r>
-              <a:rPr lang="en-US" dirty="0" err="1">
-                <a:latin typeface="Source Code Pro Medium" panose="020B0309030403020204" pitchFamily="34" charset="0"/>
-                <a:ea typeface="Source Code Pro Medium" panose="020B0309030403020204" pitchFamily="34" charset="0"/>
-              </a:rPr>
-              <a:t>f"Go</a:t>
-            </a:r>
-            <a:r>
-              <a:rPr lang="en-US" dirty="0">
-                <a:latin typeface="Source Code Pro Medium" panose="020B0309030403020204" pitchFamily="34" charset="0"/>
-                <a:ea typeface="Source Code Pro Medium" panose="020B0309030403020204" pitchFamily="34" charset="0"/>
-              </a:rPr>
-              <a:t> to {course}")</a:t>
-            </a:r>
-          </a:p>
-          <a:p>
-            <a:pPr marL="0" indent="0">
-              <a:buNone/>
-            </a:pPr>
-            <a:r>
-              <a:rPr lang="en-US" dirty="0">
-                <a:latin typeface="Source Code Pro Medium" panose="020B0309030403020204" pitchFamily="34" charset="0"/>
-                <a:ea typeface="Source Code Pro Medium" panose="020B0309030403020204" pitchFamily="34" charset="0"/>
-              </a:rPr>
-              <a:t>else:</a:t>
-            </a:r>
-          </a:p>
-          <a:p>
-            <a:pPr marL="0" indent="0">
-              <a:buNone/>
-            </a:pPr>
-            <a:r>
-              <a:rPr lang="en-US" dirty="0">
-                <a:latin typeface="Source Code Pro Medium" panose="020B0309030403020204" pitchFamily="34" charset="0"/>
-                <a:ea typeface="Source Code Pro Medium" panose="020B0309030403020204" pitchFamily="34" charset="0"/>
-              </a:rPr>
-              <a:t>    print("Go get some ☕️")</a:t>
-            </a:r>
-          </a:p>
-          <a:p>
-            <a:pPr marL="0" indent="0">
-              <a:buNone/>
-            </a:pPr>
-            <a:endParaRPr lang="en-US" dirty="0">
-              <a:latin typeface="Source Code Pro Medium" panose="020B0309030403020204" pitchFamily="34" charset="0"/>
-              <a:ea typeface="Source Code Pro Medium" panose="020B0309030403020204" pitchFamily="34" charset="0"/>
-            </a:endParaRPr>
-          </a:p>
-          <a:p>
-            <a:pPr marL="0" indent="0">
-              <a:buNone/>
-            </a:pPr>
-            <a:r>
-              <a:rPr lang="en-US" dirty="0">
-                <a:latin typeface="Source Code Pro Medium" panose="020B0309030403020204" pitchFamily="34" charset="0"/>
-                <a:ea typeface="Source Code Pro Medium" panose="020B0309030403020204" pitchFamily="34" charset="0"/>
-              </a:rPr>
-              <a:t>Go to C88C</a:t>
-            </a:r>
-          </a:p>
-          <a:p>
-            <a:endParaRPr lang="en-US" dirty="0"/>
-          </a:p>
-        </p:txBody>
-      </p:sp>
-      <p:sp>
-        <p:nvSpPr>
-          <p:cNvPr id="4" name="TextBox 3">
-            <a:extLst>
-              <a:ext uri="{FF2B5EF4-FFF2-40B4-BE49-F238E27FC236}">
-                <a16:creationId xmlns:a16="http://schemas.microsoft.com/office/drawing/2014/main" id="{63C1F688-59BA-1550-A31B-27087037D2F6}"/>
-              </a:ext>
-            </a:extLst>
-          </p:cNvPr>
-          <p:cNvSpPr txBox="1"/>
-          <p:nvPr/>
-        </p:nvSpPr>
-        <p:spPr>
-          <a:xfrm>
-            <a:off x="8172450" y="3814763"/>
-            <a:ext cx="184731" cy="369332"/>
-          </a:xfrm>
-          <a:prstGeom prst="rect">
-            <a:avLst/>
-          </a:prstGeom>
-          <a:noFill/>
-        </p:spPr>
-        <p:txBody>
-          <a:bodyPr wrap="none" rtlCol="0">
-            <a:spAutoFit/>
-          </a:bodyPr>
-          <a:lstStyle/>
-          <a:p>
-            <a:endParaRPr lang="en-US" dirty="0">
-              <a:latin typeface="Open Sans" panose="020B0606030504020204" pitchFamily="34" charset="0"/>
-            </a:endParaRPr>
-          </a:p>
-        </p:txBody>
-      </p:sp>
-    </p:spTree>
-    <p:extLst>
-      <p:ext uri="{BB962C8B-B14F-4D97-AF65-F5344CB8AC3E}">
-        <p14:creationId xmlns:p14="http://schemas.microsoft.com/office/powerpoint/2010/main" val="2467145110"/>
-      </p:ext>
-    </p:extLst>
-  </p:cSld>
-  <p:clrMapOvr>
-    <a:masterClrMapping/>
-  </p:clrMapOvr>
-</p:sld>
-</file>
-
-<file path=ppt/slides/slide19.xml><?xml version="1.0" encoding="utf-8"?>
-<p:sld xmlns:a="http://schemas.openxmlformats.org/drawingml/2006/main" xmlns:r="http://schemas.openxmlformats.org/officeDocument/2006/relationships" xmlns:p="http://schemas.openxmlformats.org/presentationml/2006/main">
-  <p:cSld>
-    <p:spTree>
-      <p:nvGrpSpPr>
-        <p:cNvPr id="1" name="">
-          <a:extLst>
-            <a:ext uri="{FF2B5EF4-FFF2-40B4-BE49-F238E27FC236}">
-              <a16:creationId xmlns:a16="http://schemas.microsoft.com/office/drawing/2014/main" id="{E8049CBB-FFAE-33EA-AB6E-2287EF67FBD9}"/>
-            </a:ext>
-          </a:extLst>
-        </p:cNvPr>
-        <p:cNvGrpSpPr/>
-        <p:nvPr/>
-      </p:nvGrpSpPr>
-      <p:grpSpPr>
-        <a:xfrm>
-          <a:off x="0" y="0"/>
-          <a:ext cx="0" cy="0"/>
-          <a:chOff x="0" y="0"/>
-          <a:chExt cx="0" cy="0"/>
-        </a:xfrm>
-      </p:grpSpPr>
-      <p:sp>
-        <p:nvSpPr>
-          <p:cNvPr id="2" name="Title 1">
-            <a:extLst>
-              <a:ext uri="{FF2B5EF4-FFF2-40B4-BE49-F238E27FC236}">
-                <a16:creationId xmlns:a16="http://schemas.microsoft.com/office/drawing/2014/main" id="{32380BAD-DBD6-9C8C-6E35-3AF7F476FD52}"/>
-              </a:ext>
-            </a:extLst>
-          </p:cNvPr>
-          <p:cNvSpPr>
-            <a:spLocks noGrp="1"/>
-          </p:cNvSpPr>
-          <p:nvPr>
-            <p:ph type="title"/>
-          </p:nvPr>
-        </p:nvSpPr>
-        <p:spPr/>
-        <p:txBody>
-          <a:bodyPr/>
-          <a:lstStyle/>
-          <a:p>
-            <a:r>
-              <a:rPr lang="en-US" dirty="0"/>
-              <a:t>Conditional Expression </a:t>
-            </a:r>
-            <a:r>
-              <a:rPr lang="en-US" dirty="0" err="1"/>
-              <a:t>Shorthuand</a:t>
-            </a:r>
-            <a:endParaRPr lang="en-US" dirty="0"/>
-          </a:p>
-        </p:txBody>
-      </p:sp>
-      <p:sp>
-        <p:nvSpPr>
-          <p:cNvPr id="8" name="Content Placeholder 7">
-            <a:extLst>
-              <a:ext uri="{FF2B5EF4-FFF2-40B4-BE49-F238E27FC236}">
-                <a16:creationId xmlns:a16="http://schemas.microsoft.com/office/drawing/2014/main" id="{94C7EA35-000F-DE5E-7391-CF9D15A18D7C}"/>
-              </a:ext>
-            </a:extLst>
-          </p:cNvPr>
-          <p:cNvSpPr>
-            <a:spLocks noGrp="1"/>
-          </p:cNvSpPr>
-          <p:nvPr>
-            <p:ph idx="1"/>
-          </p:nvPr>
-        </p:nvSpPr>
-        <p:spPr/>
-        <p:txBody>
-          <a:bodyPr/>
-          <a:lstStyle/>
-          <a:p>
-            <a:r>
-              <a:rPr lang="en-US" dirty="0"/>
-              <a:t> Return a Value Based on some condition</a:t>
-            </a:r>
-          </a:p>
-          <a:p>
-            <a:endParaRPr lang="en-US" dirty="0"/>
-          </a:p>
-          <a:p>
-            <a:endParaRPr lang="en-US" dirty="0"/>
-          </a:p>
-          <a:p>
-            <a:endParaRPr lang="en-US" dirty="0"/>
-          </a:p>
-          <a:p>
-            <a:endParaRPr lang="en-US" dirty="0"/>
-          </a:p>
-          <a:p>
-            <a:r>
-              <a:rPr lang="en-US" dirty="0"/>
-              <a:t>Example:</a:t>
-            </a:r>
-          </a:p>
-        </p:txBody>
-      </p:sp>
-      <p:sp>
-        <p:nvSpPr>
-          <p:cNvPr id="7" name="TextBox 6">
-            <a:extLst>
-              <a:ext uri="{FF2B5EF4-FFF2-40B4-BE49-F238E27FC236}">
-                <a16:creationId xmlns:a16="http://schemas.microsoft.com/office/drawing/2014/main" id="{12A0ED0C-A9DA-3984-0F79-F4EE6D60EF07}"/>
-              </a:ext>
-            </a:extLst>
-          </p:cNvPr>
-          <p:cNvSpPr txBox="1"/>
-          <p:nvPr/>
-        </p:nvSpPr>
-        <p:spPr>
-          <a:xfrm>
-            <a:off x="990600" y="1859340"/>
-            <a:ext cx="10668000" cy="461665"/>
-          </a:xfrm>
-          <a:prstGeom prst="rect">
-            <a:avLst/>
-          </a:prstGeom>
-          <a:noFill/>
-        </p:spPr>
-        <p:txBody>
-          <a:bodyPr wrap="square" rtlCol="0">
-            <a:spAutoFit/>
-          </a:bodyPr>
-          <a:lstStyle/>
-          <a:p>
-            <a:r>
-              <a:rPr lang="en-US" sz="2400" dirty="0">
-                <a:latin typeface="Courier New"/>
-                <a:cs typeface="Courier New"/>
-              </a:rPr>
-              <a:t>&lt;true expression&gt; </a:t>
-            </a:r>
-            <a:r>
-              <a:rPr lang="en-US" sz="2400" b="1" dirty="0">
-                <a:latin typeface="Courier New"/>
-                <a:cs typeface="Courier New"/>
-              </a:rPr>
-              <a:t>if </a:t>
-            </a:r>
-            <a:r>
-              <a:rPr lang="en-US" sz="2400" dirty="0">
-                <a:latin typeface="Courier New"/>
-                <a:cs typeface="Courier New"/>
-              </a:rPr>
-              <a:t>&lt;predicate&gt; </a:t>
-            </a:r>
-            <a:r>
-              <a:rPr lang="en-US" sz="2400" b="1" dirty="0">
-                <a:latin typeface="Courier New"/>
-                <a:cs typeface="Courier New"/>
-              </a:rPr>
-              <a:t>else </a:t>
-            </a:r>
-            <a:r>
-              <a:rPr lang="en-US" sz="2400" dirty="0">
-                <a:latin typeface="Courier New"/>
-                <a:cs typeface="Courier New"/>
-              </a:rPr>
-              <a:t>&lt;false expression&gt;</a:t>
-            </a:r>
-          </a:p>
-        </p:txBody>
-      </p:sp>
-      <p:sp>
-        <p:nvSpPr>
-          <p:cNvPr id="9" name="TextBox 8">
-            <a:extLst>
-              <a:ext uri="{FF2B5EF4-FFF2-40B4-BE49-F238E27FC236}">
-                <a16:creationId xmlns:a16="http://schemas.microsoft.com/office/drawing/2014/main" id="{61320566-7BF4-CF67-2CE4-81A464D6B86D}"/>
-              </a:ext>
-            </a:extLst>
-          </p:cNvPr>
-          <p:cNvSpPr txBox="1"/>
-          <p:nvPr/>
-        </p:nvSpPr>
-        <p:spPr>
-          <a:xfrm>
-            <a:off x="1083733" y="4536996"/>
-            <a:ext cx="10668000" cy="461665"/>
-          </a:xfrm>
-          <a:prstGeom prst="rect">
-            <a:avLst/>
-          </a:prstGeom>
-          <a:noFill/>
-        </p:spPr>
-        <p:txBody>
-          <a:bodyPr wrap="square" rtlCol="0">
-            <a:spAutoFit/>
-          </a:bodyPr>
-          <a:lstStyle/>
-          <a:p>
-            <a:r>
-              <a:rPr lang="en-US" sz="2400" dirty="0">
-                <a:latin typeface="Courier New"/>
-                <a:cs typeface="Courier New"/>
-              </a:rPr>
-              <a:t>status</a:t>
-            </a:r>
-            <a:r>
-              <a:rPr lang="en-US" sz="2400" b="1" dirty="0">
-                <a:latin typeface="Courier New"/>
-                <a:cs typeface="Courier New"/>
-              </a:rPr>
-              <a:t> = "it's hot</a:t>
-            </a:r>
-            <a:r>
-              <a:rPr lang="en-US" sz="2400" dirty="0">
-                <a:latin typeface="Courier New"/>
-                <a:cs typeface="Courier New"/>
-              </a:rPr>
-              <a:t>!" </a:t>
-            </a:r>
-            <a:r>
-              <a:rPr lang="en-US" sz="2400" b="1" dirty="0">
-                <a:latin typeface="Courier New"/>
-                <a:cs typeface="Courier New"/>
-              </a:rPr>
-              <a:t>if</a:t>
-            </a:r>
-            <a:r>
-              <a:rPr lang="en-US" sz="2400" dirty="0">
-                <a:latin typeface="Courier New"/>
-                <a:cs typeface="Courier New"/>
-              </a:rPr>
-              <a:t> temperature &gt; 85 else</a:t>
-            </a:r>
-            <a:r>
-              <a:rPr lang="en-US" sz="2400" b="1" dirty="0">
-                <a:latin typeface="Courier New"/>
-                <a:cs typeface="Courier New"/>
-              </a:rPr>
-              <a:t> </a:t>
-            </a:r>
-            <a:r>
-              <a:rPr lang="en-US" sz="2400" dirty="0">
-                <a:latin typeface="Courier New"/>
-                <a:cs typeface="Courier New"/>
-              </a:rPr>
-              <a:t>'not hot…'</a:t>
-            </a:r>
-          </a:p>
-        </p:txBody>
-      </p:sp>
-      <p:sp>
-        <p:nvSpPr>
-          <p:cNvPr id="5" name="Footer Placeholder 2">
-            <a:extLst>
-              <a:ext uri="{FF2B5EF4-FFF2-40B4-BE49-F238E27FC236}">
-                <a16:creationId xmlns:a16="http://schemas.microsoft.com/office/drawing/2014/main" id="{5B71E2BA-0E32-1A98-14EF-CFC6148764C0}"/>
-              </a:ext>
-            </a:extLst>
-          </p:cNvPr>
-          <p:cNvSpPr txBox="1">
-            <a:spLocks/>
-          </p:cNvSpPr>
-          <p:nvPr/>
-        </p:nvSpPr>
-        <p:spPr>
-          <a:xfrm>
-            <a:off x="4038600" y="6416675"/>
-            <a:ext cx="4114800" cy="365125"/>
-          </a:xfrm>
-          <a:prstGeom prst="rect">
-            <a:avLst/>
-          </a:prstGeom>
-        </p:spPr>
-        <p:txBody>
-          <a:bodyPr vert="horz" lIns="91440" tIns="45720" rIns="91440" bIns="45720" rtlCol="0" anchor="ctr"/>
-          <a:lstStyle>
-            <a:defPPr>
-              <a:defRPr lang="en-US"/>
-            </a:defPPr>
-            <a:lvl1pPr algn="ctr" rtl="0" eaLnBrk="0" fontAlgn="base" hangingPunct="0">
-              <a:spcBef>
-                <a:spcPct val="0"/>
-              </a:spcBef>
-              <a:spcAft>
-                <a:spcPct val="0"/>
-              </a:spcAft>
-              <a:defRPr sz="1200" kern="1200">
-                <a:solidFill>
-                  <a:schemeClr val="accent3"/>
-                </a:solidFill>
-                <a:latin typeface="Arial" charset="0"/>
-                <a:ea typeface="ＭＳ Ｐゴシック" charset="0"/>
-                <a:cs typeface="ＭＳ Ｐゴシック" charset="0"/>
-              </a:defRPr>
-            </a:lvl1pPr>
-            <a:lvl2pPr marL="457200" algn="l" rtl="0" eaLnBrk="0" fontAlgn="base" hangingPunct="0">
-              <a:spcBef>
-                <a:spcPct val="0"/>
-              </a:spcBef>
-              <a:spcAft>
-                <a:spcPct val="0"/>
-              </a:spcAft>
-              <a:defRPr kern="1200">
-                <a:solidFill>
-                  <a:schemeClr val="tx1"/>
-                </a:solidFill>
-                <a:latin typeface="Arial" charset="0"/>
-                <a:ea typeface="ＭＳ Ｐゴシック" charset="0"/>
-                <a:cs typeface="ＭＳ Ｐゴシック" charset="0"/>
-              </a:defRPr>
-            </a:lvl2pPr>
-            <a:lvl3pPr marL="914400" algn="l" rtl="0" eaLnBrk="0" fontAlgn="base" hangingPunct="0">
-              <a:spcBef>
-                <a:spcPct val="0"/>
-              </a:spcBef>
-              <a:spcAft>
-                <a:spcPct val="0"/>
-              </a:spcAft>
-              <a:defRPr kern="1200">
-                <a:solidFill>
-                  <a:schemeClr val="tx1"/>
-                </a:solidFill>
-                <a:latin typeface="Arial" charset="0"/>
-                <a:ea typeface="ＭＳ Ｐゴシック" charset="0"/>
-                <a:cs typeface="ＭＳ Ｐゴシック" charset="0"/>
-              </a:defRPr>
-            </a:lvl3pPr>
-            <a:lvl4pPr marL="1371600" algn="l" rtl="0" eaLnBrk="0" fontAlgn="base" hangingPunct="0">
-              <a:spcBef>
-                <a:spcPct val="0"/>
-              </a:spcBef>
-              <a:spcAft>
-                <a:spcPct val="0"/>
-              </a:spcAft>
-              <a:defRPr kern="1200">
-                <a:solidFill>
-                  <a:schemeClr val="tx1"/>
-                </a:solidFill>
-                <a:latin typeface="Arial" charset="0"/>
-                <a:ea typeface="ＭＳ Ｐゴシック" charset="0"/>
-                <a:cs typeface="ＭＳ Ｐゴシック" charset="0"/>
-              </a:defRPr>
-            </a:lvl4pPr>
-            <a:lvl5pPr marL="1828800" algn="l" rtl="0" eaLnBrk="0" fontAlgn="base" hangingPunct="0">
-              <a:spcBef>
-                <a:spcPct val="0"/>
-              </a:spcBef>
-              <a:spcAft>
-                <a:spcPct val="0"/>
-              </a:spcAft>
-              <a:defRPr kern="1200">
-                <a:solidFill>
-                  <a:schemeClr val="tx1"/>
-                </a:solidFill>
-                <a:latin typeface="Arial" charset="0"/>
-                <a:ea typeface="ＭＳ Ｐゴシック" charset="0"/>
-                <a:cs typeface="ＭＳ Ｐゴシック" charset="0"/>
-              </a:defRPr>
-            </a:lvl5pPr>
-            <a:lvl6pPr marL="2286000" algn="l" defTabSz="457200" rtl="0" eaLnBrk="1" latinLnBrk="0" hangingPunct="1">
-              <a:defRPr kern="1200">
-                <a:solidFill>
-                  <a:schemeClr val="tx1"/>
-                </a:solidFill>
-                <a:latin typeface="Arial" charset="0"/>
-                <a:ea typeface="ＭＳ Ｐゴシック" charset="0"/>
-                <a:cs typeface="ＭＳ Ｐゴシック" charset="0"/>
-              </a:defRPr>
-            </a:lvl6pPr>
-            <a:lvl7pPr marL="2743200" algn="l" defTabSz="457200" rtl="0" eaLnBrk="1" latinLnBrk="0" hangingPunct="1">
-              <a:defRPr kern="1200">
-                <a:solidFill>
-                  <a:schemeClr val="tx1"/>
-                </a:solidFill>
-                <a:latin typeface="Arial" charset="0"/>
-                <a:ea typeface="ＭＳ Ｐゴシック" charset="0"/>
-                <a:cs typeface="ＭＳ Ｐゴシック" charset="0"/>
-              </a:defRPr>
-            </a:lvl7pPr>
-            <a:lvl8pPr marL="3200400" algn="l" defTabSz="457200" rtl="0" eaLnBrk="1" latinLnBrk="0" hangingPunct="1">
-              <a:defRPr kern="1200">
-                <a:solidFill>
-                  <a:schemeClr val="tx1"/>
-                </a:solidFill>
-                <a:latin typeface="Arial" charset="0"/>
-                <a:ea typeface="ＭＳ Ｐゴシック" charset="0"/>
-                <a:cs typeface="ＭＳ Ｐゴシック" charset="0"/>
-              </a:defRPr>
-            </a:lvl8pPr>
-            <a:lvl9pPr marL="3657600" algn="l" defTabSz="457200" rtl="0" eaLnBrk="1" latinLnBrk="0" hangingPunct="1">
-              <a:defRPr kern="1200">
-                <a:solidFill>
-                  <a:schemeClr val="tx1"/>
-                </a:solidFill>
-                <a:latin typeface="Arial" charset="0"/>
-                <a:ea typeface="ＭＳ Ｐゴシック" charset="0"/>
-                <a:cs typeface="ＭＳ Ｐゴシック" charset="0"/>
-              </a:defRPr>
-            </a:lvl9pPr>
-          </a:lstStyle>
-          <a:p>
-            <a:r>
-              <a:rPr lang="en-US" dirty="0">
-                <a:latin typeface="FreightMicro Pro Book" panose="02000603020000020004" pitchFamily="2" charset="0"/>
-              </a:rPr>
-              <a:t>Michael Ball | UC Berkeley | https://c88c.org | © CC BY-NC-SA</a:t>
-            </a:r>
-          </a:p>
-        </p:txBody>
-      </p:sp>
-    </p:spTree>
-    <p:extLst>
-      <p:ext uri="{BB962C8B-B14F-4D97-AF65-F5344CB8AC3E}">
-        <p14:creationId xmlns:p14="http://schemas.microsoft.com/office/powerpoint/2010/main" val="233429612"/>
-      </p:ext>
-    </p:extLst>
-  </p:cSld>
-  <p:clrMapOvr>
-    <a:masterClrMapping/>
-  </p:clrMapOvr>
-  <mc:AlternateContent xmlns:mc="http://schemas.openxmlformats.org/markup-compatibility/2006" xmlns:p14="http://schemas.microsoft.com/office/powerpoint/2010/main">
-    <mc:Choice Requires="p14">
-      <p:transition spd="slow" p14:dur="2000" advTm="46147"/>
-    </mc:Choice>
-    <mc:Fallback xmlns="">
-      <p:transition xmlns:p14="http://schemas.microsoft.com/office/powerpoint/2010/main" spd="slow" advTm="46147"/>
     </mc:Fallback>
   </mc:AlternateContent>
 </p:sld>
@@ -14823,7 +15112,7 @@
           <a:p>
             <a:r>
               <a:rPr lang="en-US" dirty="0"/>
-              <a:t>Announcements</a:t>
+              <a:t>Announcements (June 20 2024)</a:t>
             </a:r>
           </a:p>
         </p:txBody>
@@ -14851,64 +15140,64 @@
           <a:p>
             <a:r>
               <a:rPr lang="en-US" dirty="0"/>
-              <a:t> Lab Attendance: </a:t>
+              <a:t> Upcoming due dates (11:59 pm PST)</a:t>
+            </a:r>
+          </a:p>
+          <a:p>
+            <a:pPr lvl="1"/>
+            <a:r>
+              <a:rPr lang="en-US" dirty="0"/>
+              <a:t> Lecture 01 Self Check: June 19 (can still submit late!)</a:t>
+            </a:r>
+          </a:p>
+          <a:p>
+            <a:pPr lvl="1"/>
+            <a:r>
+              <a:rPr lang="en-US" dirty="0"/>
+              <a:t> Lecture 02 Self Check: June 20 Lab 00: June 22</a:t>
+            </a:r>
+          </a:p>
+          <a:p>
+            <a:r>
+              <a:rPr lang="en-US" dirty="0"/>
+              <a:t> HW 01 released today! (due: June 24)</a:t>
+            </a:r>
+          </a:p>
+          <a:p>
+            <a:r>
+              <a:rPr lang="en-US" dirty="0"/>
+              <a:t> Lab01 released today! (due: June 24)</a:t>
+            </a:r>
+          </a:p>
+          <a:p>
+            <a:r>
+              <a:rPr lang="en-US" dirty="0"/>
+              <a:t> Discussion 01 released today! (</a:t>
+            </a:r>
+            <a:r>
+              <a:rPr lang="en-US"/>
+              <a:t>not graded)</a:t>
+            </a:r>
+            <a:endParaRPr lang="en-US" dirty="0"/>
+          </a:p>
+          <a:p>
+            <a:r>
+              <a:rPr lang="en-US" dirty="0"/>
+              <a:t> Tip: each week will generally have two labs and two </a:t>
             </a:r>
             <a:r>
               <a:rPr lang="en-US" dirty="0" err="1"/>
-              <a:t>Autograder</a:t>
-            </a:r>
-            <a:r>
-              <a:rPr lang="en-US" dirty="0"/>
-              <a:t> is still a WIP</a:t>
-            </a:r>
-          </a:p>
-          <a:p>
-            <a:pPr lvl="1"/>
-            <a:r>
-              <a:rPr lang="en-US" dirty="0"/>
-              <a:t> But if you attended lab, filled out a code, you only need it to say 2/4</a:t>
-            </a:r>
-          </a:p>
-          <a:p>
-            <a:pPr lvl="1"/>
-            <a:r>
-              <a:rPr lang="en-US" dirty="0"/>
-              <a:t> We're working on making it more clear very son.</a:t>
-            </a:r>
-          </a:p>
-          <a:p>
-            <a:r>
-              <a:rPr lang="en-US" dirty="0"/>
-              <a:t> Earning points is based on </a:t>
-            </a:r>
-            <a:r>
-              <a:rPr lang="en-US" i="1" dirty="0"/>
-              <a:t>correctness</a:t>
-            </a:r>
-          </a:p>
-          <a:p>
-            <a:pPr lvl="1"/>
-            <a:r>
-              <a:rPr lang="en-US" i="1" dirty="0"/>
-              <a:t> </a:t>
-            </a:r>
-            <a:r>
-              <a:rPr lang="en-US" dirty="0"/>
-              <a:t>You get as many tries as you need, but the results must work, at the end of the day.</a:t>
-            </a:r>
-          </a:p>
-          <a:p>
-            <a:pPr lvl="1"/>
-            <a:r>
-              <a:rPr lang="en-US" dirty="0"/>
-              <a:t> If you need an extension, you can ask for one, but be careful with time. </a:t>
-            </a:r>
-            <a:r>
-              <a:rPr lang="en-US" dirty="0">
-                <a:sym typeface="Wingdings" pitchFamily="2" charset="2"/>
-              </a:rPr>
-              <a:t> </a:t>
-            </a:r>
+              <a:t>homeworks</a:t>
+            </a:r>
+            <a:r>
+              <a:rPr lang="en-US" dirty="0"/>
+              <a:t>.</a:t>
+            </a:r>
+          </a:p>
+          <a:p>
+            <a:pPr marL="0" indent="0">
+              <a:buNone/>
+            </a:pPr>
             <a:endParaRPr lang="en-US" dirty="0"/>
           </a:p>
         </p:txBody>
@@ -15068,7 +15357,7 @@
               <a:rPr lang="en-US" dirty="0">
                 <a:latin typeface="FreightMicro Pro Book" panose="02000603020000020004" pitchFamily="2" charset="0"/>
               </a:rPr>
-              <a:t>Michael Ball | UC Berkeley | https://c88c.org | © CC BY-NC-SA</a:t>
+              <a:t>Eric Kim | UC Berkeley | https://c88c.org | © CC BY-NC-SA</a:t>
             </a:r>
           </a:p>
         </p:txBody>
@@ -15105,72 +15394,382 @@
       </p:grpSpPr>
       <p:sp>
         <p:nvSpPr>
-          <p:cNvPr id="7" name="Title 6">
+          <p:cNvPr id="2" name="Title 1"/>
+          <p:cNvSpPr>
+            <a:spLocks noGrp="1"/>
+          </p:cNvSpPr>
+          <p:nvPr>
+            <p:ph type="title"/>
+          </p:nvPr>
+        </p:nvSpPr>
+        <p:spPr/>
+        <p:txBody>
+          <a:bodyPr/>
+          <a:lstStyle/>
+          <a:p>
+            <a:r>
+              <a:rPr lang="en-US" dirty="0"/>
+              <a:t>Conditional Statement</a:t>
+            </a:r>
+          </a:p>
+        </p:txBody>
+      </p:sp>
+      <p:sp>
+        <p:nvSpPr>
+          <p:cNvPr id="8" name="Content Placeholder 7"/>
+          <p:cNvSpPr>
+            <a:spLocks noGrp="1"/>
+          </p:cNvSpPr>
+          <p:nvPr>
+            <p:ph idx="1"/>
+          </p:nvPr>
+        </p:nvSpPr>
+        <p:spPr/>
+        <p:txBody>
+          <a:bodyPr/>
+          <a:lstStyle/>
+          <a:p>
+            <a:r>
+              <a:rPr lang="en-US" dirty="0"/>
+              <a:t>Do some statements, conditional on a predicate expression</a:t>
+            </a:r>
+          </a:p>
+          <a:p>
+            <a:endParaRPr lang="en-US" dirty="0"/>
+          </a:p>
+          <a:p>
+            <a:endParaRPr lang="en-US" dirty="0"/>
+          </a:p>
+          <a:p>
+            <a:endParaRPr lang="en-US" dirty="0"/>
+          </a:p>
+          <a:p>
+            <a:endParaRPr lang="en-US" dirty="0"/>
+          </a:p>
+          <a:p>
+            <a:r>
+              <a:rPr lang="en-US" dirty="0"/>
+              <a:t>Example:</a:t>
+            </a:r>
+          </a:p>
+        </p:txBody>
+      </p:sp>
+      <p:sp>
+        <p:nvSpPr>
+          <p:cNvPr id="7" name="TextBox 6"/>
+          <p:cNvSpPr txBox="1"/>
+          <p:nvPr/>
+        </p:nvSpPr>
+        <p:spPr>
+          <a:xfrm>
+            <a:off x="3390900" y="1859340"/>
+            <a:ext cx="5410200" cy="1569660"/>
+          </a:xfrm>
+          <a:prstGeom prst="rect">
+            <a:avLst/>
+          </a:prstGeom>
+          <a:noFill/>
+        </p:spPr>
+        <p:txBody>
+          <a:bodyPr wrap="square" rtlCol="0">
+            <a:spAutoFit/>
+          </a:bodyPr>
+          <a:lstStyle/>
+          <a:p>
+            <a:r>
+              <a:rPr lang="en-US" sz="2400" b="1" dirty="0">
+                <a:latin typeface="Courier New"/>
+                <a:cs typeface="Courier New"/>
+              </a:rPr>
+              <a:t>if</a:t>
+            </a:r>
+            <a:r>
+              <a:rPr lang="en-US" sz="2400" dirty="0">
+                <a:latin typeface="Courier New"/>
+                <a:cs typeface="Courier New"/>
+              </a:rPr>
+              <a:t> &lt;predicate&gt;</a:t>
+            </a:r>
+            <a:r>
+              <a:rPr lang="en-US" sz="2400" b="1" dirty="0">
+                <a:latin typeface="Courier New"/>
+                <a:cs typeface="Courier New"/>
+              </a:rPr>
+              <a:t>:</a:t>
+            </a:r>
+          </a:p>
+          <a:p>
+            <a:r>
+              <a:rPr lang="en-US" sz="2400" dirty="0">
+                <a:latin typeface="Courier New"/>
+                <a:cs typeface="Courier New"/>
+              </a:rPr>
+              <a:t>       &lt;true statements&gt;</a:t>
+            </a:r>
+          </a:p>
+          <a:p>
+            <a:r>
+              <a:rPr lang="hu-HU" sz="2400" b="1" dirty="0">
+                <a:latin typeface="Courier New"/>
+                <a:cs typeface="Courier New"/>
+              </a:rPr>
+              <a:t>else:</a:t>
+            </a:r>
+          </a:p>
+          <a:p>
+            <a:r>
+              <a:rPr lang="en-US" sz="2400" dirty="0">
+                <a:latin typeface="Courier New"/>
+                <a:cs typeface="Courier New"/>
+              </a:rPr>
+              <a:t>       &lt;false statements&gt;</a:t>
+            </a:r>
+          </a:p>
+        </p:txBody>
+      </p:sp>
+      <p:sp>
+        <p:nvSpPr>
+          <p:cNvPr id="9" name="TextBox 8">
             <a:extLst>
               <a:ext uri="{FF2B5EF4-FFF2-40B4-BE49-F238E27FC236}">
-                <a16:creationId xmlns:a16="http://schemas.microsoft.com/office/drawing/2014/main" id="{174F684A-21F3-5E4C-BD4A-9318C588BC15}"/>
+                <a16:creationId xmlns:a16="http://schemas.microsoft.com/office/drawing/2014/main" id="{3D2FAF7E-D371-614C-B357-A47BEFF66558}"/>
               </a:ext>
             </a:extLst>
           </p:cNvPr>
-          <p:cNvSpPr>
-            <a:spLocks noGrp="1"/>
-          </p:cNvSpPr>
-          <p:nvPr>
-            <p:ph type="ctrTitle"/>
-          </p:nvPr>
-        </p:nvSpPr>
-        <p:spPr/>
-        <p:txBody>
-          <a:bodyPr/>
+          <p:cNvSpPr txBox="1"/>
+          <p:nvPr/>
+        </p:nvSpPr>
+        <p:spPr>
+          <a:xfrm>
+            <a:off x="3390900" y="4221540"/>
+            <a:ext cx="5410200" cy="1569660"/>
+          </a:xfrm>
+          <a:prstGeom prst="rect">
+            <a:avLst/>
+          </a:prstGeom>
+          <a:noFill/>
+        </p:spPr>
+        <p:txBody>
+          <a:bodyPr wrap="square" rtlCol="0">
+            <a:spAutoFit/>
+          </a:bodyPr>
           <a:lstStyle/>
           <a:p>
             <a:r>
-              <a:rPr lang="en-US" dirty="0"/>
-              <a:t>Iteration with </a:t>
-            </a:r>
-            <a:r>
-              <a:rPr lang="en-US" dirty="0">
-                <a:latin typeface="Source Code Pro Medium" panose="020B0309030403020204" pitchFamily="34" charset="0"/>
-                <a:ea typeface="Source Code Pro Medium" panose="020B0309030403020204" pitchFamily="34" charset="0"/>
-              </a:rPr>
-              <a:t>while</a:t>
-            </a:r>
-            <a:r>
-              <a:rPr lang="en-US" dirty="0"/>
-              <a:t> Loops</a:t>
-            </a:r>
-          </a:p>
-        </p:txBody>
-      </p:sp>
-      <p:sp>
-        <p:nvSpPr>
-          <p:cNvPr id="3" name="Subtitle 2">
+              <a:rPr lang="en-US" sz="2400" b="1" dirty="0">
+                <a:latin typeface="Courier New"/>
+                <a:cs typeface="Courier New"/>
+              </a:rPr>
+              <a:t>if</a:t>
+            </a:r>
+            <a:r>
+              <a:rPr lang="en-US" sz="2400" dirty="0">
+                <a:latin typeface="Courier New"/>
+                <a:cs typeface="Courier New"/>
+              </a:rPr>
+              <a:t> temperature &gt; 98.6</a:t>
+            </a:r>
+            <a:r>
+              <a:rPr lang="en-US" sz="2400" b="1" dirty="0">
+                <a:latin typeface="Courier New"/>
+                <a:cs typeface="Courier New"/>
+              </a:rPr>
+              <a:t>:</a:t>
+            </a:r>
+          </a:p>
+          <a:p>
+            <a:r>
+              <a:rPr lang="en-US" sz="2400" dirty="0">
+                <a:latin typeface="Courier New"/>
+                <a:cs typeface="Courier New"/>
+              </a:rPr>
+              <a:t>       print(“fever!”)</a:t>
+            </a:r>
+          </a:p>
+          <a:p>
+            <a:r>
+              <a:rPr lang="hu-HU" sz="2400" b="1" dirty="0">
+                <a:latin typeface="Courier New"/>
+                <a:cs typeface="Courier New"/>
+              </a:rPr>
+              <a:t>else:</a:t>
+            </a:r>
+          </a:p>
+          <a:p>
+            <a:r>
+              <a:rPr lang="en-US" sz="2400" dirty="0">
+                <a:latin typeface="Courier New"/>
+                <a:cs typeface="Courier New"/>
+              </a:rPr>
+              <a:t>       print(“no fever”)</a:t>
+            </a:r>
+          </a:p>
+        </p:txBody>
+      </p:sp>
+      <p:sp>
+        <p:nvSpPr>
+          <p:cNvPr id="5" name="Footer Placeholder 2">
             <a:extLst>
               <a:ext uri="{FF2B5EF4-FFF2-40B4-BE49-F238E27FC236}">
-                <a16:creationId xmlns:a16="http://schemas.microsoft.com/office/drawing/2014/main" id="{B4F9E437-03C2-60B8-5DD5-84B18C53E757}"/>
+                <a16:creationId xmlns:a16="http://schemas.microsoft.com/office/drawing/2014/main" id="{B0C48082-0EAC-4138-94EE-BB7B61DCC95B}"/>
               </a:ext>
             </a:extLst>
           </p:cNvPr>
-          <p:cNvSpPr>
-            <a:spLocks noGrp="1"/>
-          </p:cNvSpPr>
-          <p:nvPr>
-            <p:ph type="subTitle" idx="1"/>
-          </p:nvPr>
-        </p:nvSpPr>
-        <p:spPr/>
-        <p:txBody>
-          <a:bodyPr/>
-          <a:lstStyle/>
-          <a:p>
-            <a:endParaRPr lang="en-US"/>
+          <p:cNvSpPr txBox="1">
+            <a:spLocks/>
+          </p:cNvSpPr>
+          <p:nvPr/>
+        </p:nvSpPr>
+        <p:spPr>
+          <a:xfrm>
+            <a:off x="4038600" y="6416675"/>
+            <a:ext cx="4114800" cy="365125"/>
+          </a:xfrm>
+          <a:prstGeom prst="rect">
+            <a:avLst/>
+          </a:prstGeom>
+        </p:spPr>
+        <p:txBody>
+          <a:bodyPr vert="horz" lIns="91440" tIns="45720" rIns="91440" bIns="45720" rtlCol="0" anchor="ctr"/>
+          <a:lstStyle>
+            <a:defPPr>
+              <a:defRPr lang="en-US"/>
+            </a:defPPr>
+            <a:lvl1pPr algn="ctr" rtl="0" eaLnBrk="0" fontAlgn="base" hangingPunct="0">
+              <a:spcBef>
+                <a:spcPct val="0"/>
+              </a:spcBef>
+              <a:spcAft>
+                <a:spcPct val="0"/>
+              </a:spcAft>
+              <a:defRPr sz="1200" kern="1200">
+                <a:solidFill>
+                  <a:schemeClr val="accent3"/>
+                </a:solidFill>
+                <a:latin typeface="Arial" charset="0"/>
+                <a:ea typeface="ＭＳ Ｐゴシック" charset="0"/>
+                <a:cs typeface="ＭＳ Ｐゴシック" charset="0"/>
+              </a:defRPr>
+            </a:lvl1pPr>
+            <a:lvl2pPr marL="457200" algn="l" rtl="0" eaLnBrk="0" fontAlgn="base" hangingPunct="0">
+              <a:spcBef>
+                <a:spcPct val="0"/>
+              </a:spcBef>
+              <a:spcAft>
+                <a:spcPct val="0"/>
+              </a:spcAft>
+              <a:defRPr kern="1200">
+                <a:solidFill>
+                  <a:schemeClr val="tx1"/>
+                </a:solidFill>
+                <a:latin typeface="Arial" charset="0"/>
+                <a:ea typeface="ＭＳ Ｐゴシック" charset="0"/>
+                <a:cs typeface="ＭＳ Ｐゴシック" charset="0"/>
+              </a:defRPr>
+            </a:lvl2pPr>
+            <a:lvl3pPr marL="914400" algn="l" rtl="0" eaLnBrk="0" fontAlgn="base" hangingPunct="0">
+              <a:spcBef>
+                <a:spcPct val="0"/>
+              </a:spcBef>
+              <a:spcAft>
+                <a:spcPct val="0"/>
+              </a:spcAft>
+              <a:defRPr kern="1200">
+                <a:solidFill>
+                  <a:schemeClr val="tx1"/>
+                </a:solidFill>
+                <a:latin typeface="Arial" charset="0"/>
+                <a:ea typeface="ＭＳ Ｐゴシック" charset="0"/>
+                <a:cs typeface="ＭＳ Ｐゴシック" charset="0"/>
+              </a:defRPr>
+            </a:lvl3pPr>
+            <a:lvl4pPr marL="1371600" algn="l" rtl="0" eaLnBrk="0" fontAlgn="base" hangingPunct="0">
+              <a:spcBef>
+                <a:spcPct val="0"/>
+              </a:spcBef>
+              <a:spcAft>
+                <a:spcPct val="0"/>
+              </a:spcAft>
+              <a:defRPr kern="1200">
+                <a:solidFill>
+                  <a:schemeClr val="tx1"/>
+                </a:solidFill>
+                <a:latin typeface="Arial" charset="0"/>
+                <a:ea typeface="ＭＳ Ｐゴシック" charset="0"/>
+                <a:cs typeface="ＭＳ Ｐゴシック" charset="0"/>
+              </a:defRPr>
+            </a:lvl4pPr>
+            <a:lvl5pPr marL="1828800" algn="l" rtl="0" eaLnBrk="0" fontAlgn="base" hangingPunct="0">
+              <a:spcBef>
+                <a:spcPct val="0"/>
+              </a:spcBef>
+              <a:spcAft>
+                <a:spcPct val="0"/>
+              </a:spcAft>
+              <a:defRPr kern="1200">
+                <a:solidFill>
+                  <a:schemeClr val="tx1"/>
+                </a:solidFill>
+                <a:latin typeface="Arial" charset="0"/>
+                <a:ea typeface="ＭＳ Ｐゴシック" charset="0"/>
+                <a:cs typeface="ＭＳ Ｐゴシック" charset="0"/>
+              </a:defRPr>
+            </a:lvl5pPr>
+            <a:lvl6pPr marL="2286000" algn="l" defTabSz="457200" rtl="0" eaLnBrk="1" latinLnBrk="0" hangingPunct="1">
+              <a:defRPr kern="1200">
+                <a:solidFill>
+                  <a:schemeClr val="tx1"/>
+                </a:solidFill>
+                <a:latin typeface="Arial" charset="0"/>
+                <a:ea typeface="ＭＳ Ｐゴシック" charset="0"/>
+                <a:cs typeface="ＭＳ Ｐゴシック" charset="0"/>
+              </a:defRPr>
+            </a:lvl6pPr>
+            <a:lvl7pPr marL="2743200" algn="l" defTabSz="457200" rtl="0" eaLnBrk="1" latinLnBrk="0" hangingPunct="1">
+              <a:defRPr kern="1200">
+                <a:solidFill>
+                  <a:schemeClr val="tx1"/>
+                </a:solidFill>
+                <a:latin typeface="Arial" charset="0"/>
+                <a:ea typeface="ＭＳ Ｐゴシック" charset="0"/>
+                <a:cs typeface="ＭＳ Ｐゴシック" charset="0"/>
+              </a:defRPr>
+            </a:lvl7pPr>
+            <a:lvl8pPr marL="3200400" algn="l" defTabSz="457200" rtl="0" eaLnBrk="1" latinLnBrk="0" hangingPunct="1">
+              <a:defRPr kern="1200">
+                <a:solidFill>
+                  <a:schemeClr val="tx1"/>
+                </a:solidFill>
+                <a:latin typeface="Arial" charset="0"/>
+                <a:ea typeface="ＭＳ Ｐゴシック" charset="0"/>
+                <a:cs typeface="ＭＳ Ｐゴシック" charset="0"/>
+              </a:defRPr>
+            </a:lvl8pPr>
+            <a:lvl9pPr marL="3657600" algn="l" defTabSz="457200" rtl="0" eaLnBrk="1" latinLnBrk="0" hangingPunct="1">
+              <a:defRPr kern="1200">
+                <a:solidFill>
+                  <a:schemeClr val="tx1"/>
+                </a:solidFill>
+                <a:latin typeface="Arial" charset="0"/>
+                <a:ea typeface="ＭＳ Ｐゴシック" charset="0"/>
+                <a:cs typeface="ＭＳ Ｐゴシック" charset="0"/>
+              </a:defRPr>
+            </a:lvl9pPr>
+          </a:lstStyle>
+          <a:p>
+            <a:r>
+              <a:rPr lang="en-US" dirty="0">
+                <a:latin typeface="FreightMicro Pro Book" panose="02000603020000020004" pitchFamily="2" charset="0"/>
+              </a:rPr>
+              <a:t>Eric Kim | UC Berkeley | https://c88c.org | © CC BY-NC-SA</a:t>
+            </a:r>
           </a:p>
         </p:txBody>
       </p:sp>
     </p:spTree>
     <p:extLst>
       <p:ext uri="{BB962C8B-B14F-4D97-AF65-F5344CB8AC3E}">
-        <p14:creationId xmlns:p14="http://schemas.microsoft.com/office/powerpoint/2010/main" val="65676127"/>
+        <p14:creationId xmlns:p14="http://schemas.microsoft.com/office/powerpoint/2010/main" val="704273411"/>
       </p:ext>
     </p:extLst>
   </p:cSld>
@@ -15179,10 +15778,10 @@
   </p:clrMapOvr>
   <mc:AlternateContent xmlns:mc="http://schemas.openxmlformats.org/markup-compatibility/2006" xmlns:p14="http://schemas.microsoft.com/office/powerpoint/2010/main">
     <mc:Choice Requires="p14">
-      <p:transition spd="slow" p14:dur="2000" advTm="109658"/>
+      <p:transition spd="slow" p14:dur="2000" advTm="46147"/>
     </mc:Choice>
     <mc:Fallback xmlns="">
-      <p:transition xmlns:p14="http://schemas.microsoft.com/office/powerpoint/2010/main" spd="slow" advTm="109658"/>
+      <p:transition xmlns:p14="http://schemas.microsoft.com/office/powerpoint/2010/main" spd="slow" advTm="46147"/>
     </mc:Fallback>
   </mc:AlternateContent>
 </p:sld>
@@ -15210,7 +15809,7 @@
           <p:cNvPr id="2" name="Title 1">
             <a:extLst>
               <a:ext uri="{FF2B5EF4-FFF2-40B4-BE49-F238E27FC236}">
-                <a16:creationId xmlns:a16="http://schemas.microsoft.com/office/drawing/2014/main" id="{D2FBD6C8-D98C-0A48-AA6D-667D5252DFB6}"/>
+                <a16:creationId xmlns:a16="http://schemas.microsoft.com/office/drawing/2014/main" id="{719EE069-C0F9-B587-6DFC-3FBC87AE684F}"/>
               </a:ext>
             </a:extLst>
           </p:cNvPr>
@@ -15228,7 +15827,7 @@
           <a:p>
             <a:r>
               <a:rPr lang="en-US" dirty="0"/>
-              <a:t>Learning Objectives</a:t>
+              <a:t>Live Coding Demo</a:t>
             </a:r>
           </a:p>
         </p:txBody>
@@ -15238,7 +15837,7 @@
           <p:cNvPr id="3" name="Content Placeholder 2">
             <a:extLst>
               <a:ext uri="{FF2B5EF4-FFF2-40B4-BE49-F238E27FC236}">
-                <a16:creationId xmlns:a16="http://schemas.microsoft.com/office/drawing/2014/main" id="{EEBD7440-F20E-0042-9F08-7623E15EFE7F}"/>
+                <a16:creationId xmlns:a16="http://schemas.microsoft.com/office/drawing/2014/main" id="{AE0475D6-C56D-C563-1C93-8F52EA68A476}"/>
               </a:ext>
             </a:extLst>
           </p:cNvPr>
@@ -15254,183 +15853,155 @@
           <a:bodyPr/>
           <a:lstStyle/>
           <a:p>
-            <a:r>
-              <a:rPr lang="en-US" dirty="0"/>
-              <a:t>Use a while loop to repeat some task.</a:t>
-            </a:r>
-          </a:p>
-          <a:p>
-            <a:r>
-              <a:rPr lang="en-US" dirty="0"/>
-              <a:t>Write an expression to control when a while loop stops executing</a:t>
-            </a:r>
-          </a:p>
-        </p:txBody>
-      </p:sp>
-      <p:sp>
-        <p:nvSpPr>
-          <p:cNvPr id="7" name="Footer Placeholder 2">
+            <a:pPr marL="0" indent="0">
+              <a:buNone/>
+            </a:pPr>
+            <a:r>
+              <a:rPr lang="en-US" dirty="0">
+                <a:latin typeface="Source Code Pro Medium" panose="020B0309030403020204" pitchFamily="34" charset="0"/>
+                <a:ea typeface="Source Code Pro Medium" panose="020B0309030403020204" pitchFamily="34" charset="0"/>
+              </a:rPr>
+              <a:t>course = 'C88C'</a:t>
+            </a:r>
+          </a:p>
+          <a:p>
+            <a:pPr marL="0" indent="0">
+              <a:buNone/>
+            </a:pPr>
+            <a:r>
+              <a:rPr lang="en-US" dirty="0">
+                <a:latin typeface="Source Code Pro Medium" panose="020B0309030403020204" pitchFamily="34" charset="0"/>
+                <a:ea typeface="Source Code Pro Medium" panose="020B0309030403020204" pitchFamily="34" charset="0"/>
+              </a:rPr>
+              <a:t>time = '3:00'</a:t>
+            </a:r>
+          </a:p>
+          <a:p>
+            <a:pPr marL="0" indent="0">
+              <a:buNone/>
+            </a:pPr>
+            <a:r>
+              <a:rPr lang="en-US" dirty="0">
+                <a:latin typeface="Source Code Pro Medium" panose="020B0309030403020204" pitchFamily="34" charset="0"/>
+                <a:ea typeface="Source Code Pro Medium" panose="020B0309030403020204" pitchFamily="34" charset="0"/>
+              </a:rPr>
+              <a:t>if time == '2:00':</a:t>
+            </a:r>
+          </a:p>
+          <a:p>
+            <a:pPr marL="0" indent="0">
+              <a:buNone/>
+            </a:pPr>
+            <a:r>
+              <a:rPr lang="en-US" dirty="0">
+                <a:latin typeface="Source Code Pro Medium" panose="020B0309030403020204" pitchFamily="34" charset="0"/>
+                <a:ea typeface="Source Code Pro Medium" panose="020B0309030403020204" pitchFamily="34" charset="0"/>
+              </a:rPr>
+              <a:t>    print(</a:t>
+            </a:r>
+            <a:r>
+              <a:rPr lang="en-US" dirty="0" err="1">
+                <a:latin typeface="Source Code Pro Medium" panose="020B0309030403020204" pitchFamily="34" charset="0"/>
+                <a:ea typeface="Source Code Pro Medium" panose="020B0309030403020204" pitchFamily="34" charset="0"/>
+              </a:rPr>
+              <a:t>f"Go</a:t>
+            </a:r>
+            <a:r>
+              <a:rPr lang="en-US" dirty="0">
+                <a:latin typeface="Source Code Pro Medium" panose="020B0309030403020204" pitchFamily="34" charset="0"/>
+                <a:ea typeface="Source Code Pro Medium" panose="020B0309030403020204" pitchFamily="34" charset="0"/>
+              </a:rPr>
+              <a:t> to {course}")</a:t>
+            </a:r>
+          </a:p>
+          <a:p>
+            <a:pPr marL="0" indent="0">
+              <a:buNone/>
+            </a:pPr>
+            <a:r>
+              <a:rPr lang="en-US" dirty="0">
+                <a:latin typeface="Source Code Pro Medium" panose="020B0309030403020204" pitchFamily="34" charset="0"/>
+                <a:ea typeface="Source Code Pro Medium" panose="020B0309030403020204" pitchFamily="34" charset="0"/>
+              </a:rPr>
+              <a:t>else:</a:t>
+            </a:r>
+          </a:p>
+          <a:p>
+            <a:pPr marL="0" indent="0">
+              <a:buNone/>
+            </a:pPr>
+            <a:r>
+              <a:rPr lang="en-US" dirty="0">
+                <a:latin typeface="Source Code Pro Medium" panose="020B0309030403020204" pitchFamily="34" charset="0"/>
+                <a:ea typeface="Source Code Pro Medium" panose="020B0309030403020204" pitchFamily="34" charset="0"/>
+              </a:rPr>
+              <a:t>    print("Go get some ☕️")</a:t>
+            </a:r>
+          </a:p>
+          <a:p>
+            <a:pPr marL="0" indent="0">
+              <a:buNone/>
+            </a:pPr>
+            <a:endParaRPr lang="en-US" dirty="0">
+              <a:latin typeface="Source Code Pro Medium" panose="020B0309030403020204" pitchFamily="34" charset="0"/>
+              <a:ea typeface="Source Code Pro Medium" panose="020B0309030403020204" pitchFamily="34" charset="0"/>
+            </a:endParaRPr>
+          </a:p>
+          <a:p>
+            <a:pPr marL="0" indent="0">
+              <a:buNone/>
+            </a:pPr>
+            <a:r>
+              <a:rPr lang="en-US" dirty="0">
+                <a:latin typeface="Source Code Pro Medium" panose="020B0309030403020204" pitchFamily="34" charset="0"/>
+                <a:ea typeface="Source Code Pro Medium" panose="020B0309030403020204" pitchFamily="34" charset="0"/>
+              </a:rPr>
+              <a:t>Go to C88C</a:t>
+            </a:r>
+          </a:p>
+          <a:p>
+            <a:endParaRPr lang="en-US" dirty="0"/>
+          </a:p>
+        </p:txBody>
+      </p:sp>
+      <p:sp>
+        <p:nvSpPr>
+          <p:cNvPr id="4" name="TextBox 3">
             <a:extLst>
               <a:ext uri="{FF2B5EF4-FFF2-40B4-BE49-F238E27FC236}">
-                <a16:creationId xmlns:a16="http://schemas.microsoft.com/office/drawing/2014/main" id="{932A0279-E6BF-E9BF-669A-BAF3D3637D1B}"/>
+                <a16:creationId xmlns:a16="http://schemas.microsoft.com/office/drawing/2014/main" id="{63C1F688-59BA-1550-A31B-27087037D2F6}"/>
               </a:ext>
             </a:extLst>
           </p:cNvPr>
-          <p:cNvSpPr txBox="1">
-            <a:spLocks/>
-          </p:cNvSpPr>
+          <p:cNvSpPr txBox="1"/>
           <p:nvPr/>
         </p:nvSpPr>
         <p:spPr>
           <a:xfrm>
-            <a:off x="4038600" y="6416675"/>
-            <a:ext cx="4114800" cy="365125"/>
+            <a:off x="8172450" y="3814763"/>
+            <a:ext cx="184731" cy="369332"/>
           </a:xfrm>
           <a:prstGeom prst="rect">
             <a:avLst/>
           </a:prstGeom>
+          <a:noFill/>
         </p:spPr>
         <p:txBody>
-          <a:bodyPr vert="horz" lIns="91440" tIns="45720" rIns="91440" bIns="45720" rtlCol="0" anchor="ctr"/>
-          <a:lstStyle>
-            <a:defPPr>
-              <a:defRPr lang="en-US"/>
-            </a:defPPr>
-            <a:lvl1pPr algn="ctr" rtl="0" eaLnBrk="0" fontAlgn="base" hangingPunct="0">
-              <a:spcBef>
-                <a:spcPct val="0"/>
-              </a:spcBef>
-              <a:spcAft>
-                <a:spcPct val="0"/>
-              </a:spcAft>
-              <a:defRPr sz="1200" kern="1200">
-                <a:solidFill>
-                  <a:schemeClr val="accent3"/>
-                </a:solidFill>
-                <a:latin typeface="Arial" charset="0"/>
-                <a:ea typeface="ＭＳ Ｐゴシック" charset="0"/>
-                <a:cs typeface="ＭＳ Ｐゴシック" charset="0"/>
-              </a:defRPr>
-            </a:lvl1pPr>
-            <a:lvl2pPr marL="457200" algn="l" rtl="0" eaLnBrk="0" fontAlgn="base" hangingPunct="0">
-              <a:spcBef>
-                <a:spcPct val="0"/>
-              </a:spcBef>
-              <a:spcAft>
-                <a:spcPct val="0"/>
-              </a:spcAft>
-              <a:defRPr kern="1200">
-                <a:solidFill>
-                  <a:schemeClr val="tx1"/>
-                </a:solidFill>
-                <a:latin typeface="Arial" charset="0"/>
-                <a:ea typeface="ＭＳ Ｐゴシック" charset="0"/>
-                <a:cs typeface="ＭＳ Ｐゴシック" charset="0"/>
-              </a:defRPr>
-            </a:lvl2pPr>
-            <a:lvl3pPr marL="914400" algn="l" rtl="0" eaLnBrk="0" fontAlgn="base" hangingPunct="0">
-              <a:spcBef>
-                <a:spcPct val="0"/>
-              </a:spcBef>
-              <a:spcAft>
-                <a:spcPct val="0"/>
-              </a:spcAft>
-              <a:defRPr kern="1200">
-                <a:solidFill>
-                  <a:schemeClr val="tx1"/>
-                </a:solidFill>
-                <a:latin typeface="Arial" charset="0"/>
-                <a:ea typeface="ＭＳ Ｐゴシック" charset="0"/>
-                <a:cs typeface="ＭＳ Ｐゴシック" charset="0"/>
-              </a:defRPr>
-            </a:lvl3pPr>
-            <a:lvl4pPr marL="1371600" algn="l" rtl="0" eaLnBrk="0" fontAlgn="base" hangingPunct="0">
-              <a:spcBef>
-                <a:spcPct val="0"/>
-              </a:spcBef>
-              <a:spcAft>
-                <a:spcPct val="0"/>
-              </a:spcAft>
-              <a:defRPr kern="1200">
-                <a:solidFill>
-                  <a:schemeClr val="tx1"/>
-                </a:solidFill>
-                <a:latin typeface="Arial" charset="0"/>
-                <a:ea typeface="ＭＳ Ｐゴシック" charset="0"/>
-                <a:cs typeface="ＭＳ Ｐゴシック" charset="0"/>
-              </a:defRPr>
-            </a:lvl4pPr>
-            <a:lvl5pPr marL="1828800" algn="l" rtl="0" eaLnBrk="0" fontAlgn="base" hangingPunct="0">
-              <a:spcBef>
-                <a:spcPct val="0"/>
-              </a:spcBef>
-              <a:spcAft>
-                <a:spcPct val="0"/>
-              </a:spcAft>
-              <a:defRPr kern="1200">
-                <a:solidFill>
-                  <a:schemeClr val="tx1"/>
-                </a:solidFill>
-                <a:latin typeface="Arial" charset="0"/>
-                <a:ea typeface="ＭＳ Ｐゴシック" charset="0"/>
-                <a:cs typeface="ＭＳ Ｐゴシック" charset="0"/>
-              </a:defRPr>
-            </a:lvl5pPr>
-            <a:lvl6pPr marL="2286000" algn="l" defTabSz="457200" rtl="0" eaLnBrk="1" latinLnBrk="0" hangingPunct="1">
-              <a:defRPr kern="1200">
-                <a:solidFill>
-                  <a:schemeClr val="tx1"/>
-                </a:solidFill>
-                <a:latin typeface="Arial" charset="0"/>
-                <a:ea typeface="ＭＳ Ｐゴシック" charset="0"/>
-                <a:cs typeface="ＭＳ Ｐゴシック" charset="0"/>
-              </a:defRPr>
-            </a:lvl6pPr>
-            <a:lvl7pPr marL="2743200" algn="l" defTabSz="457200" rtl="0" eaLnBrk="1" latinLnBrk="0" hangingPunct="1">
-              <a:defRPr kern="1200">
-                <a:solidFill>
-                  <a:schemeClr val="tx1"/>
-                </a:solidFill>
-                <a:latin typeface="Arial" charset="0"/>
-                <a:ea typeface="ＭＳ Ｐゴシック" charset="0"/>
-                <a:cs typeface="ＭＳ Ｐゴシック" charset="0"/>
-              </a:defRPr>
-            </a:lvl7pPr>
-            <a:lvl8pPr marL="3200400" algn="l" defTabSz="457200" rtl="0" eaLnBrk="1" latinLnBrk="0" hangingPunct="1">
-              <a:defRPr kern="1200">
-                <a:solidFill>
-                  <a:schemeClr val="tx1"/>
-                </a:solidFill>
-                <a:latin typeface="Arial" charset="0"/>
-                <a:ea typeface="ＭＳ Ｐゴシック" charset="0"/>
-                <a:cs typeface="ＭＳ Ｐゴシック" charset="0"/>
-              </a:defRPr>
-            </a:lvl8pPr>
-            <a:lvl9pPr marL="3657600" algn="l" defTabSz="457200" rtl="0" eaLnBrk="1" latinLnBrk="0" hangingPunct="1">
-              <a:defRPr kern="1200">
-                <a:solidFill>
-                  <a:schemeClr val="tx1"/>
-                </a:solidFill>
-                <a:latin typeface="Arial" charset="0"/>
-                <a:ea typeface="ＭＳ Ｐゴシック" charset="0"/>
-                <a:cs typeface="ＭＳ Ｐゴシック" charset="0"/>
-              </a:defRPr>
-            </a:lvl9pPr>
-          </a:lstStyle>
-          <a:p>
-            <a:r>
-              <a:rPr lang="en-US" dirty="0">
-                <a:latin typeface="FreightMicro Pro Book" panose="02000603020000020004" pitchFamily="2" charset="0"/>
-              </a:rPr>
-              <a:t>Michael Ball | UC Berkeley | https://c88c.org | © CC BY-NC-SA</a:t>
-            </a:r>
+          <a:bodyPr wrap="none" rtlCol="0">
+            <a:spAutoFit/>
+          </a:bodyPr>
+          <a:lstStyle/>
+          <a:p>
+            <a:endParaRPr lang="en-US" dirty="0">
+              <a:latin typeface="Open Sans" panose="020B0606030504020204" pitchFamily="34" charset="0"/>
+            </a:endParaRPr>
           </a:p>
         </p:txBody>
       </p:sp>
     </p:spTree>
     <p:extLst>
       <p:ext uri="{BB962C8B-B14F-4D97-AF65-F5344CB8AC3E}">
-        <p14:creationId xmlns:p14="http://schemas.microsoft.com/office/powerpoint/2010/main" val="1417472651"/>
+        <p14:creationId xmlns:p14="http://schemas.microsoft.com/office/powerpoint/2010/main" val="2467145110"/>
       </p:ext>
     </p:extLst>
   </p:cSld>
@@ -15445,7 +16016,13 @@
   <p:cSld>
     <p:spTree>
       <p:nvGrpSpPr>
-        <p:cNvPr id="1" name=""/>
+        <p:cNvPr id="1" name="">
+          <a:extLst>
+            <a:ext uri="{FF2B5EF4-FFF2-40B4-BE49-F238E27FC236}">
+              <a16:creationId xmlns:a16="http://schemas.microsoft.com/office/drawing/2014/main" id="{E8049CBB-FFAE-33EA-AB6E-2287EF67FBD9}"/>
+            </a:ext>
+          </a:extLst>
+        </p:cNvPr>
         <p:cNvGrpSpPr/>
         <p:nvPr/>
       </p:nvGrpSpPr>
@@ -15459,7 +16036,13 @@
       </p:grpSpPr>
       <p:sp>
         <p:nvSpPr>
-          <p:cNvPr id="2" name="Title 1"/>
+          <p:cNvPr id="2" name="Title 1">
+            <a:extLst>
+              <a:ext uri="{FF2B5EF4-FFF2-40B4-BE49-F238E27FC236}">
+                <a16:creationId xmlns:a16="http://schemas.microsoft.com/office/drawing/2014/main" id="{32380BAD-DBD6-9C8C-6E35-3AF7F476FD52}"/>
+              </a:ext>
+            </a:extLst>
+          </p:cNvPr>
           <p:cNvSpPr>
             <a:spLocks noGrp="1"/>
           </p:cNvSpPr>
@@ -15474,14 +16057,20 @@
           <a:p>
             <a:r>
               <a:rPr lang="en-US" dirty="0"/>
-              <a:t>while Statement – Iteration Control</a:t>
-            </a:r>
-          </a:p>
-        </p:txBody>
-      </p:sp>
-      <p:sp>
-        <p:nvSpPr>
-          <p:cNvPr id="3" name="Content Placeholder 2"/>
+              <a:t>Conditional Expression Shorthand</a:t>
+            </a:r>
+          </a:p>
+        </p:txBody>
+      </p:sp>
+      <p:sp>
+        <p:nvSpPr>
+          <p:cNvPr id="8" name="Content Placeholder 7">
+            <a:extLst>
+              <a:ext uri="{FF2B5EF4-FFF2-40B4-BE49-F238E27FC236}">
+                <a16:creationId xmlns:a16="http://schemas.microsoft.com/office/drawing/2014/main" id="{94C7EA35-000F-DE5E-7391-CF9D15A18D7C}"/>
+              </a:ext>
+            </a:extLst>
+          </p:cNvPr>
           <p:cNvSpPr>
             <a:spLocks noGrp="1"/>
           </p:cNvSpPr>
@@ -15496,21 +16085,45 @@
           <a:p>
             <a:r>
               <a:rPr lang="en-US" dirty="0"/>
-              <a:t>Repeat a block of statements until a predicate expression is satisfied</a:t>
-            </a:r>
-          </a:p>
-        </p:txBody>
-      </p:sp>
-      <p:sp>
-        <p:nvSpPr>
-          <p:cNvPr id="7" name="TextBox 6"/>
+              <a:t> Return a Value Based on some condition</a:t>
+            </a:r>
+          </a:p>
+          <a:p>
+            <a:endParaRPr lang="en-US" dirty="0"/>
+          </a:p>
+          <a:p>
+            <a:endParaRPr lang="en-US" dirty="0"/>
+          </a:p>
+          <a:p>
+            <a:endParaRPr lang="en-US" dirty="0"/>
+          </a:p>
+          <a:p>
+            <a:endParaRPr lang="en-US" dirty="0"/>
+          </a:p>
+          <a:p>
+            <a:r>
+              <a:rPr lang="en-US" dirty="0"/>
+              <a:t>Example:</a:t>
+            </a:r>
+          </a:p>
+        </p:txBody>
+      </p:sp>
+      <p:sp>
+        <p:nvSpPr>
+          <p:cNvPr id="7" name="TextBox 6">
+            <a:extLst>
+              <a:ext uri="{FF2B5EF4-FFF2-40B4-BE49-F238E27FC236}">
+                <a16:creationId xmlns:a16="http://schemas.microsoft.com/office/drawing/2014/main" id="{12A0ED0C-A9DA-3984-0F79-F4EE6D60EF07}"/>
+              </a:ext>
+            </a:extLst>
+          </p:cNvPr>
           <p:cNvSpPr txBox="1"/>
           <p:nvPr/>
         </p:nvSpPr>
         <p:spPr>
           <a:xfrm>
-            <a:off x="2514600" y="1665529"/>
-            <a:ext cx="6400800" cy="1754327"/>
+            <a:off x="990600" y="1859340"/>
+            <a:ext cx="10668000" cy="461665"/>
           </a:xfrm>
           <a:prstGeom prst="rect">
             <a:avLst/>
@@ -15524,72 +16137,129 @@
           <a:lstStyle/>
           <a:p>
             <a:r>
-              <a:rPr lang="en-US" sz="2000" dirty="0">
+              <a:rPr lang="en-US" sz="2400" dirty="0">
                 <a:latin typeface="Courier New"/>
                 <a:cs typeface="Courier New"/>
               </a:rPr>
-              <a:t>&lt;initialization statements&gt;</a:t>
-            </a:r>
-          </a:p>
-          <a:p>
-            <a:r>
-              <a:rPr lang="en-US" sz="2800" b="1" dirty="0">
+              <a:t>&lt;true expression&gt; </a:t>
+            </a:r>
+            <a:r>
+              <a:rPr lang="en-US" sz="2400" b="1" dirty="0">
                 <a:latin typeface="Courier New"/>
                 <a:cs typeface="Courier New"/>
               </a:rPr>
-              <a:t>while</a:t>
-            </a:r>
-            <a:r>
-              <a:rPr lang="en-US" sz="2000" dirty="0">
+              <a:t>if </a:t>
+            </a:r>
+            <a:r>
+              <a:rPr lang="en-US" sz="2400" dirty="0">
                 <a:latin typeface="Courier New"/>
                 <a:cs typeface="Courier New"/>
               </a:rPr>
-              <a:t> &lt;predicate expression&gt;</a:t>
-            </a:r>
-            <a:r>
-              <a:rPr lang="en-US" sz="2800" b="1" dirty="0">
+              <a:t>&lt;predicate&gt; </a:t>
+            </a:r>
+            <a:r>
+              <a:rPr lang="en-US" sz="2400" b="1" dirty="0">
                 <a:latin typeface="Courier New"/>
                 <a:cs typeface="Courier New"/>
               </a:rPr>
-              <a:t>:</a:t>
-            </a:r>
-            <a:endParaRPr lang="en-US" sz="2000" b="1" dirty="0">
-              <a:latin typeface="Courier New"/>
-              <a:cs typeface="Courier New"/>
-            </a:endParaRPr>
-          </a:p>
-          <a:p>
-            <a:r>
-              <a:rPr lang="en-US" sz="2000" dirty="0">
+              <a:t>else </a:t>
+            </a:r>
+            <a:r>
+              <a:rPr lang="en-US" sz="2400" dirty="0">
                 <a:latin typeface="Courier New"/>
                 <a:cs typeface="Courier New"/>
               </a:rPr>
-              <a:t>   &lt;body statements&gt;</a:t>
-            </a:r>
-          </a:p>
-          <a:p>
-            <a:endParaRPr lang="en-US" sz="2000" dirty="0">
-              <a:latin typeface="Courier New"/>
-              <a:cs typeface="Courier New"/>
-            </a:endParaRPr>
-          </a:p>
-          <a:p>
-            <a:r>
-              <a:rPr lang="en-US" sz="2000" dirty="0">
+              <a:t>&lt;false expression&gt;</a:t>
+            </a:r>
+          </a:p>
+        </p:txBody>
+      </p:sp>
+      <p:sp>
+        <p:nvSpPr>
+          <p:cNvPr id="9" name="TextBox 8">
+            <a:extLst>
+              <a:ext uri="{FF2B5EF4-FFF2-40B4-BE49-F238E27FC236}">
+                <a16:creationId xmlns:a16="http://schemas.microsoft.com/office/drawing/2014/main" id="{61320566-7BF4-CF67-2CE4-81A464D6B86D}"/>
+              </a:ext>
+            </a:extLst>
+          </p:cNvPr>
+          <p:cNvSpPr txBox="1"/>
+          <p:nvPr/>
+        </p:nvSpPr>
+        <p:spPr>
+          <a:xfrm>
+            <a:off x="1083733" y="4536996"/>
+            <a:ext cx="10668000" cy="461665"/>
+          </a:xfrm>
+          <a:prstGeom prst="rect">
+            <a:avLst/>
+          </a:prstGeom>
+          <a:noFill/>
+        </p:spPr>
+        <p:txBody>
+          <a:bodyPr wrap="square" rtlCol="0">
+            <a:spAutoFit/>
+          </a:bodyPr>
+          <a:lstStyle/>
+          <a:p>
+            <a:r>
+              <a:rPr lang="en-US" sz="2400" dirty="0">
                 <a:latin typeface="Courier New"/>
                 <a:cs typeface="Courier New"/>
               </a:rPr>
-              <a:t>&lt;rest of the program&gt;</a:t>
-            </a:r>
-          </a:p>
-        </p:txBody>
-      </p:sp>
-      <p:sp>
-        <p:nvSpPr>
-          <p:cNvPr id="6" name="Footer Placeholder 2">
+              <a:t>status</a:t>
+            </a:r>
+            <a:r>
+              <a:rPr lang="en-US" sz="2400" b="1" dirty="0">
+                <a:latin typeface="Courier New"/>
+                <a:cs typeface="Courier New"/>
+              </a:rPr>
+              <a:t> = "it's hot</a:t>
+            </a:r>
+            <a:r>
+              <a:rPr lang="en-US" sz="2400" dirty="0">
+                <a:latin typeface="Courier New"/>
+                <a:cs typeface="Courier New"/>
+              </a:rPr>
+              <a:t>!" </a:t>
+            </a:r>
+            <a:r>
+              <a:rPr lang="en-US" sz="2400" b="1" dirty="0">
+                <a:latin typeface="Courier New"/>
+                <a:cs typeface="Courier New"/>
+              </a:rPr>
+              <a:t>if</a:t>
+            </a:r>
+            <a:r>
+              <a:rPr lang="en-US" sz="2400" dirty="0">
+                <a:latin typeface="Courier New"/>
+                <a:cs typeface="Courier New"/>
+              </a:rPr>
+              <a:t> temperature &gt; 85 else</a:t>
+            </a:r>
+            <a:r>
+              <a:rPr lang="en-US" sz="2400" b="1" dirty="0">
+                <a:latin typeface="Courier New"/>
+                <a:cs typeface="Courier New"/>
+              </a:rPr>
+              <a:t> </a:t>
+            </a:r>
+            <a:r>
+              <a:rPr lang="en-US" sz="2400" dirty="0">
+                <a:latin typeface="Courier New"/>
+                <a:cs typeface="Courier New"/>
+              </a:rPr>
+              <a:t>'not hot…'</a:t>
+            </a:r>
+          </a:p>
+        </p:txBody>
+      </p:sp>
+      <p:sp>
+        <p:nvSpPr>
+          <p:cNvPr id="5" name="Footer Placeholder 2">
             <a:extLst>
               <a:ext uri="{FF2B5EF4-FFF2-40B4-BE49-F238E27FC236}">
-                <a16:creationId xmlns:a16="http://schemas.microsoft.com/office/drawing/2014/main" id="{C9403874-85A0-3C5D-862D-042BE937D568}"/>
+                <a16:creationId xmlns:a16="http://schemas.microsoft.com/office/drawing/2014/main" id="{5B71E2BA-0E32-1A98-14EF-CFC6148764C0}"/>
               </a:ext>
             </a:extLst>
           </p:cNvPr>
@@ -15739,7 +16409,7 @@
               <a:rPr lang="en-US" dirty="0">
                 <a:latin typeface="FreightMicro Pro Book" panose="02000603020000020004" pitchFamily="2" charset="0"/>
               </a:rPr>
-              <a:t>Michael Ball | UC Berkeley | https://c88c.org | © CC BY-NC-SA</a:t>
+              <a:t>Eric Kim | UC Berkeley | https://c88c.org | © CC BY-NC-SA</a:t>
             </a:r>
           </a:p>
         </p:txBody>
@@ -15747,7 +16417,7 @@
     </p:spTree>
     <p:extLst>
       <p:ext uri="{BB962C8B-B14F-4D97-AF65-F5344CB8AC3E}">
-        <p14:creationId xmlns:p14="http://schemas.microsoft.com/office/powerpoint/2010/main" val="4226347813"/>
+        <p14:creationId xmlns:p14="http://schemas.microsoft.com/office/powerpoint/2010/main" val="233429612"/>
       </p:ext>
     </p:extLst>
   </p:cSld>
@@ -15756,10 +16426,10 @@
   </p:clrMapOvr>
   <mc:AlternateContent xmlns:mc="http://schemas.openxmlformats.org/markup-compatibility/2006" xmlns:p14="http://schemas.microsoft.com/office/powerpoint/2010/main">
     <mc:Choice Requires="p14">
-      <p:transition spd="slow" p14:dur="2000" advTm="51315"/>
+      <p:transition spd="slow" p14:dur="2000" advTm="46147"/>
     </mc:Choice>
     <mc:Fallback xmlns="">
-      <p:transition spd="slow" advTm="51315"/>
+      <p:transition xmlns:p14="http://schemas.microsoft.com/office/powerpoint/2010/main" spd="slow" advTm="46147"/>
     </mc:Fallback>
   </mc:AlternateContent>
 </p:sld>
@@ -15784,6 +16454,685 @@
       </p:grpSpPr>
       <p:sp>
         <p:nvSpPr>
+          <p:cNvPr id="7" name="Title 6">
+            <a:extLst>
+              <a:ext uri="{FF2B5EF4-FFF2-40B4-BE49-F238E27FC236}">
+                <a16:creationId xmlns:a16="http://schemas.microsoft.com/office/drawing/2014/main" id="{174F684A-21F3-5E4C-BD4A-9318C588BC15}"/>
+              </a:ext>
+            </a:extLst>
+          </p:cNvPr>
+          <p:cNvSpPr>
+            <a:spLocks noGrp="1"/>
+          </p:cNvSpPr>
+          <p:nvPr>
+            <p:ph type="ctrTitle"/>
+          </p:nvPr>
+        </p:nvSpPr>
+        <p:spPr/>
+        <p:txBody>
+          <a:bodyPr/>
+          <a:lstStyle/>
+          <a:p>
+            <a:r>
+              <a:rPr lang="en-US" dirty="0"/>
+              <a:t>Iteration with </a:t>
+            </a:r>
+            <a:r>
+              <a:rPr lang="en-US" dirty="0">
+                <a:latin typeface="Source Code Pro Medium" panose="020B0309030403020204" pitchFamily="34" charset="0"/>
+                <a:ea typeface="Source Code Pro Medium" panose="020B0309030403020204" pitchFamily="34" charset="0"/>
+              </a:rPr>
+              <a:t>while</a:t>
+            </a:r>
+            <a:r>
+              <a:rPr lang="en-US" dirty="0"/>
+              <a:t> Loops</a:t>
+            </a:r>
+          </a:p>
+        </p:txBody>
+      </p:sp>
+      <p:sp>
+        <p:nvSpPr>
+          <p:cNvPr id="3" name="Subtitle 2">
+            <a:extLst>
+              <a:ext uri="{FF2B5EF4-FFF2-40B4-BE49-F238E27FC236}">
+                <a16:creationId xmlns:a16="http://schemas.microsoft.com/office/drawing/2014/main" id="{B4F9E437-03C2-60B8-5DD5-84B18C53E757}"/>
+              </a:ext>
+            </a:extLst>
+          </p:cNvPr>
+          <p:cNvSpPr>
+            <a:spLocks noGrp="1"/>
+          </p:cNvSpPr>
+          <p:nvPr>
+            <p:ph type="subTitle" idx="1"/>
+          </p:nvPr>
+        </p:nvSpPr>
+        <p:spPr/>
+        <p:txBody>
+          <a:bodyPr/>
+          <a:lstStyle/>
+          <a:p>
+            <a:endParaRPr lang="en-US"/>
+          </a:p>
+        </p:txBody>
+      </p:sp>
+    </p:spTree>
+    <p:extLst>
+      <p:ext uri="{BB962C8B-B14F-4D97-AF65-F5344CB8AC3E}">
+        <p14:creationId xmlns:p14="http://schemas.microsoft.com/office/powerpoint/2010/main" val="65676127"/>
+      </p:ext>
+    </p:extLst>
+  </p:cSld>
+  <p:clrMapOvr>
+    <a:masterClrMapping/>
+  </p:clrMapOvr>
+  <mc:AlternateContent xmlns:mc="http://schemas.openxmlformats.org/markup-compatibility/2006" xmlns:p14="http://schemas.microsoft.com/office/powerpoint/2010/main">
+    <mc:Choice Requires="p14">
+      <p:transition spd="slow" p14:dur="2000" advTm="109658"/>
+    </mc:Choice>
+    <mc:Fallback xmlns="">
+      <p:transition xmlns:p14="http://schemas.microsoft.com/office/powerpoint/2010/main" spd="slow" advTm="109658"/>
+    </mc:Fallback>
+  </mc:AlternateContent>
+</p:sld>
+</file>
+
+<file path=ppt/slides/slide24.xml><?xml version="1.0" encoding="utf-8"?>
+<p:sld xmlns:a="http://schemas.openxmlformats.org/drawingml/2006/main" xmlns:r="http://schemas.openxmlformats.org/officeDocument/2006/relationships" xmlns:p="http://schemas.openxmlformats.org/presentationml/2006/main">
+  <p:cSld>
+    <p:spTree>
+      <p:nvGrpSpPr>
+        <p:cNvPr id="1" name=""/>
+        <p:cNvGrpSpPr/>
+        <p:nvPr/>
+      </p:nvGrpSpPr>
+      <p:grpSpPr>
+        <a:xfrm>
+          <a:off x="0" y="0"/>
+          <a:ext cx="0" cy="0"/>
+          <a:chOff x="0" y="0"/>
+          <a:chExt cx="0" cy="0"/>
+        </a:xfrm>
+      </p:grpSpPr>
+      <p:sp>
+        <p:nvSpPr>
+          <p:cNvPr id="2" name="Title 1">
+            <a:extLst>
+              <a:ext uri="{FF2B5EF4-FFF2-40B4-BE49-F238E27FC236}">
+                <a16:creationId xmlns:a16="http://schemas.microsoft.com/office/drawing/2014/main" id="{D2FBD6C8-D98C-0A48-AA6D-667D5252DFB6}"/>
+              </a:ext>
+            </a:extLst>
+          </p:cNvPr>
+          <p:cNvSpPr>
+            <a:spLocks noGrp="1"/>
+          </p:cNvSpPr>
+          <p:nvPr>
+            <p:ph type="title"/>
+          </p:nvPr>
+        </p:nvSpPr>
+        <p:spPr/>
+        <p:txBody>
+          <a:bodyPr/>
+          <a:lstStyle/>
+          <a:p>
+            <a:r>
+              <a:rPr lang="en-US" dirty="0"/>
+              <a:t>Learning Objectives</a:t>
+            </a:r>
+          </a:p>
+        </p:txBody>
+      </p:sp>
+      <p:sp>
+        <p:nvSpPr>
+          <p:cNvPr id="3" name="Content Placeholder 2">
+            <a:extLst>
+              <a:ext uri="{FF2B5EF4-FFF2-40B4-BE49-F238E27FC236}">
+                <a16:creationId xmlns:a16="http://schemas.microsoft.com/office/drawing/2014/main" id="{EEBD7440-F20E-0042-9F08-7623E15EFE7F}"/>
+              </a:ext>
+            </a:extLst>
+          </p:cNvPr>
+          <p:cNvSpPr>
+            <a:spLocks noGrp="1"/>
+          </p:cNvSpPr>
+          <p:nvPr>
+            <p:ph idx="1"/>
+          </p:nvPr>
+        </p:nvSpPr>
+        <p:spPr/>
+        <p:txBody>
+          <a:bodyPr/>
+          <a:lstStyle/>
+          <a:p>
+            <a:r>
+              <a:rPr lang="en-US" dirty="0"/>
+              <a:t>Use a while loop to repeat some task.</a:t>
+            </a:r>
+          </a:p>
+          <a:p>
+            <a:r>
+              <a:rPr lang="en-US" dirty="0"/>
+              <a:t>Write an expression to control when a while loop stops executing</a:t>
+            </a:r>
+          </a:p>
+        </p:txBody>
+      </p:sp>
+      <p:sp>
+        <p:nvSpPr>
+          <p:cNvPr id="7" name="Footer Placeholder 2">
+            <a:extLst>
+              <a:ext uri="{FF2B5EF4-FFF2-40B4-BE49-F238E27FC236}">
+                <a16:creationId xmlns:a16="http://schemas.microsoft.com/office/drawing/2014/main" id="{932A0279-E6BF-E9BF-669A-BAF3D3637D1B}"/>
+              </a:ext>
+            </a:extLst>
+          </p:cNvPr>
+          <p:cNvSpPr txBox="1">
+            <a:spLocks/>
+          </p:cNvSpPr>
+          <p:nvPr/>
+        </p:nvSpPr>
+        <p:spPr>
+          <a:xfrm>
+            <a:off x="4038600" y="6416675"/>
+            <a:ext cx="4114800" cy="365125"/>
+          </a:xfrm>
+          <a:prstGeom prst="rect">
+            <a:avLst/>
+          </a:prstGeom>
+        </p:spPr>
+        <p:txBody>
+          <a:bodyPr vert="horz" lIns="91440" tIns="45720" rIns="91440" bIns="45720" rtlCol="0" anchor="ctr"/>
+          <a:lstStyle>
+            <a:defPPr>
+              <a:defRPr lang="en-US"/>
+            </a:defPPr>
+            <a:lvl1pPr algn="ctr" rtl="0" eaLnBrk="0" fontAlgn="base" hangingPunct="0">
+              <a:spcBef>
+                <a:spcPct val="0"/>
+              </a:spcBef>
+              <a:spcAft>
+                <a:spcPct val="0"/>
+              </a:spcAft>
+              <a:defRPr sz="1200" kern="1200">
+                <a:solidFill>
+                  <a:schemeClr val="accent3"/>
+                </a:solidFill>
+                <a:latin typeface="Arial" charset="0"/>
+                <a:ea typeface="ＭＳ Ｐゴシック" charset="0"/>
+                <a:cs typeface="ＭＳ Ｐゴシック" charset="0"/>
+              </a:defRPr>
+            </a:lvl1pPr>
+            <a:lvl2pPr marL="457200" algn="l" rtl="0" eaLnBrk="0" fontAlgn="base" hangingPunct="0">
+              <a:spcBef>
+                <a:spcPct val="0"/>
+              </a:spcBef>
+              <a:spcAft>
+                <a:spcPct val="0"/>
+              </a:spcAft>
+              <a:defRPr kern="1200">
+                <a:solidFill>
+                  <a:schemeClr val="tx1"/>
+                </a:solidFill>
+                <a:latin typeface="Arial" charset="0"/>
+                <a:ea typeface="ＭＳ Ｐゴシック" charset="0"/>
+                <a:cs typeface="ＭＳ Ｐゴシック" charset="0"/>
+              </a:defRPr>
+            </a:lvl2pPr>
+            <a:lvl3pPr marL="914400" algn="l" rtl="0" eaLnBrk="0" fontAlgn="base" hangingPunct="0">
+              <a:spcBef>
+                <a:spcPct val="0"/>
+              </a:spcBef>
+              <a:spcAft>
+                <a:spcPct val="0"/>
+              </a:spcAft>
+              <a:defRPr kern="1200">
+                <a:solidFill>
+                  <a:schemeClr val="tx1"/>
+                </a:solidFill>
+                <a:latin typeface="Arial" charset="0"/>
+                <a:ea typeface="ＭＳ Ｐゴシック" charset="0"/>
+                <a:cs typeface="ＭＳ Ｐゴシック" charset="0"/>
+              </a:defRPr>
+            </a:lvl3pPr>
+            <a:lvl4pPr marL="1371600" algn="l" rtl="0" eaLnBrk="0" fontAlgn="base" hangingPunct="0">
+              <a:spcBef>
+                <a:spcPct val="0"/>
+              </a:spcBef>
+              <a:spcAft>
+                <a:spcPct val="0"/>
+              </a:spcAft>
+              <a:defRPr kern="1200">
+                <a:solidFill>
+                  <a:schemeClr val="tx1"/>
+                </a:solidFill>
+                <a:latin typeface="Arial" charset="0"/>
+                <a:ea typeface="ＭＳ Ｐゴシック" charset="0"/>
+                <a:cs typeface="ＭＳ Ｐゴシック" charset="0"/>
+              </a:defRPr>
+            </a:lvl4pPr>
+            <a:lvl5pPr marL="1828800" algn="l" rtl="0" eaLnBrk="0" fontAlgn="base" hangingPunct="0">
+              <a:spcBef>
+                <a:spcPct val="0"/>
+              </a:spcBef>
+              <a:spcAft>
+                <a:spcPct val="0"/>
+              </a:spcAft>
+              <a:defRPr kern="1200">
+                <a:solidFill>
+                  <a:schemeClr val="tx1"/>
+                </a:solidFill>
+                <a:latin typeface="Arial" charset="0"/>
+                <a:ea typeface="ＭＳ Ｐゴシック" charset="0"/>
+                <a:cs typeface="ＭＳ Ｐゴシック" charset="0"/>
+              </a:defRPr>
+            </a:lvl5pPr>
+            <a:lvl6pPr marL="2286000" algn="l" defTabSz="457200" rtl="0" eaLnBrk="1" latinLnBrk="0" hangingPunct="1">
+              <a:defRPr kern="1200">
+                <a:solidFill>
+                  <a:schemeClr val="tx1"/>
+                </a:solidFill>
+                <a:latin typeface="Arial" charset="0"/>
+                <a:ea typeface="ＭＳ Ｐゴシック" charset="0"/>
+                <a:cs typeface="ＭＳ Ｐゴシック" charset="0"/>
+              </a:defRPr>
+            </a:lvl6pPr>
+            <a:lvl7pPr marL="2743200" algn="l" defTabSz="457200" rtl="0" eaLnBrk="1" latinLnBrk="0" hangingPunct="1">
+              <a:defRPr kern="1200">
+                <a:solidFill>
+                  <a:schemeClr val="tx1"/>
+                </a:solidFill>
+                <a:latin typeface="Arial" charset="0"/>
+                <a:ea typeface="ＭＳ Ｐゴシック" charset="0"/>
+                <a:cs typeface="ＭＳ Ｐゴシック" charset="0"/>
+              </a:defRPr>
+            </a:lvl7pPr>
+            <a:lvl8pPr marL="3200400" algn="l" defTabSz="457200" rtl="0" eaLnBrk="1" latinLnBrk="0" hangingPunct="1">
+              <a:defRPr kern="1200">
+                <a:solidFill>
+                  <a:schemeClr val="tx1"/>
+                </a:solidFill>
+                <a:latin typeface="Arial" charset="0"/>
+                <a:ea typeface="ＭＳ Ｐゴシック" charset="0"/>
+                <a:cs typeface="ＭＳ Ｐゴシック" charset="0"/>
+              </a:defRPr>
+            </a:lvl8pPr>
+            <a:lvl9pPr marL="3657600" algn="l" defTabSz="457200" rtl="0" eaLnBrk="1" latinLnBrk="0" hangingPunct="1">
+              <a:defRPr kern="1200">
+                <a:solidFill>
+                  <a:schemeClr val="tx1"/>
+                </a:solidFill>
+                <a:latin typeface="Arial" charset="0"/>
+                <a:ea typeface="ＭＳ Ｐゴシック" charset="0"/>
+                <a:cs typeface="ＭＳ Ｐゴシック" charset="0"/>
+              </a:defRPr>
+            </a:lvl9pPr>
+          </a:lstStyle>
+          <a:p>
+            <a:r>
+              <a:rPr lang="en-US" dirty="0">
+                <a:latin typeface="FreightMicro Pro Book" panose="02000603020000020004" pitchFamily="2" charset="0"/>
+              </a:rPr>
+              <a:t>Eric Kim | UC Berkeley | https://c88c.org | © CC BY-NC-SA</a:t>
+            </a:r>
+          </a:p>
+        </p:txBody>
+      </p:sp>
+    </p:spTree>
+    <p:extLst>
+      <p:ext uri="{BB962C8B-B14F-4D97-AF65-F5344CB8AC3E}">
+        <p14:creationId xmlns:p14="http://schemas.microsoft.com/office/powerpoint/2010/main" val="1417472651"/>
+      </p:ext>
+    </p:extLst>
+  </p:cSld>
+  <p:clrMapOvr>
+    <a:masterClrMapping/>
+  </p:clrMapOvr>
+</p:sld>
+</file>
+
+<file path=ppt/slides/slide25.xml><?xml version="1.0" encoding="utf-8"?>
+<p:sld xmlns:a="http://schemas.openxmlformats.org/drawingml/2006/main" xmlns:r="http://schemas.openxmlformats.org/officeDocument/2006/relationships" xmlns:p="http://schemas.openxmlformats.org/presentationml/2006/main">
+  <p:cSld>
+    <p:spTree>
+      <p:nvGrpSpPr>
+        <p:cNvPr id="1" name=""/>
+        <p:cNvGrpSpPr/>
+        <p:nvPr/>
+      </p:nvGrpSpPr>
+      <p:grpSpPr>
+        <a:xfrm>
+          <a:off x="0" y="0"/>
+          <a:ext cx="0" cy="0"/>
+          <a:chOff x="0" y="0"/>
+          <a:chExt cx="0" cy="0"/>
+        </a:xfrm>
+      </p:grpSpPr>
+      <p:sp>
+        <p:nvSpPr>
+          <p:cNvPr id="2" name="Title 1"/>
+          <p:cNvSpPr>
+            <a:spLocks noGrp="1"/>
+          </p:cNvSpPr>
+          <p:nvPr>
+            <p:ph type="title"/>
+          </p:nvPr>
+        </p:nvSpPr>
+        <p:spPr/>
+        <p:txBody>
+          <a:bodyPr/>
+          <a:lstStyle/>
+          <a:p>
+            <a:r>
+              <a:rPr lang="en-US" dirty="0"/>
+              <a:t>while Statement – Iteration Control</a:t>
+            </a:r>
+          </a:p>
+        </p:txBody>
+      </p:sp>
+      <p:sp>
+        <p:nvSpPr>
+          <p:cNvPr id="3" name="Content Placeholder 2"/>
+          <p:cNvSpPr>
+            <a:spLocks noGrp="1"/>
+          </p:cNvSpPr>
+          <p:nvPr>
+            <p:ph idx="1"/>
+          </p:nvPr>
+        </p:nvSpPr>
+        <p:spPr/>
+        <p:txBody>
+          <a:bodyPr/>
+          <a:lstStyle/>
+          <a:p>
+            <a:r>
+              <a:rPr lang="en-US" dirty="0"/>
+              <a:t>Repeat a block of statements until a predicate expression is satisfied</a:t>
+            </a:r>
+          </a:p>
+        </p:txBody>
+      </p:sp>
+      <p:sp>
+        <p:nvSpPr>
+          <p:cNvPr id="7" name="TextBox 6"/>
+          <p:cNvSpPr txBox="1"/>
+          <p:nvPr/>
+        </p:nvSpPr>
+        <p:spPr>
+          <a:xfrm>
+            <a:off x="2514600" y="1665529"/>
+            <a:ext cx="6400800" cy="1754327"/>
+          </a:xfrm>
+          <a:prstGeom prst="rect">
+            <a:avLst/>
+          </a:prstGeom>
+          <a:noFill/>
+        </p:spPr>
+        <p:txBody>
+          <a:bodyPr wrap="square" rtlCol="0">
+            <a:spAutoFit/>
+          </a:bodyPr>
+          <a:lstStyle/>
+          <a:p>
+            <a:r>
+              <a:rPr lang="en-US" sz="2000" dirty="0">
+                <a:latin typeface="Courier New"/>
+                <a:cs typeface="Courier New"/>
+              </a:rPr>
+              <a:t>&lt;initialization statements&gt;</a:t>
+            </a:r>
+          </a:p>
+          <a:p>
+            <a:r>
+              <a:rPr lang="en-US" sz="2800" b="1" dirty="0">
+                <a:latin typeface="Courier New"/>
+                <a:cs typeface="Courier New"/>
+              </a:rPr>
+              <a:t>while</a:t>
+            </a:r>
+            <a:r>
+              <a:rPr lang="en-US" sz="2000" dirty="0">
+                <a:latin typeface="Courier New"/>
+                <a:cs typeface="Courier New"/>
+              </a:rPr>
+              <a:t> &lt;predicate expression&gt;</a:t>
+            </a:r>
+            <a:r>
+              <a:rPr lang="en-US" sz="2800" b="1" dirty="0">
+                <a:latin typeface="Courier New"/>
+                <a:cs typeface="Courier New"/>
+              </a:rPr>
+              <a:t>:</a:t>
+            </a:r>
+            <a:endParaRPr lang="en-US" sz="2000" b="1" dirty="0">
+              <a:latin typeface="Courier New"/>
+              <a:cs typeface="Courier New"/>
+            </a:endParaRPr>
+          </a:p>
+          <a:p>
+            <a:r>
+              <a:rPr lang="en-US" sz="2000" dirty="0">
+                <a:latin typeface="Courier New"/>
+                <a:cs typeface="Courier New"/>
+              </a:rPr>
+              <a:t>   &lt;body statements&gt;</a:t>
+            </a:r>
+          </a:p>
+          <a:p>
+            <a:endParaRPr lang="en-US" sz="2000" dirty="0">
+              <a:latin typeface="Courier New"/>
+              <a:cs typeface="Courier New"/>
+            </a:endParaRPr>
+          </a:p>
+          <a:p>
+            <a:r>
+              <a:rPr lang="en-US" sz="2000" dirty="0">
+                <a:latin typeface="Courier New"/>
+                <a:cs typeface="Courier New"/>
+              </a:rPr>
+              <a:t>&lt;rest of the program&gt;</a:t>
+            </a:r>
+          </a:p>
+        </p:txBody>
+      </p:sp>
+      <p:sp>
+        <p:nvSpPr>
+          <p:cNvPr id="6" name="Footer Placeholder 2">
+            <a:extLst>
+              <a:ext uri="{FF2B5EF4-FFF2-40B4-BE49-F238E27FC236}">
+                <a16:creationId xmlns:a16="http://schemas.microsoft.com/office/drawing/2014/main" id="{C9403874-85A0-3C5D-862D-042BE937D568}"/>
+              </a:ext>
+            </a:extLst>
+          </p:cNvPr>
+          <p:cNvSpPr txBox="1">
+            <a:spLocks/>
+          </p:cNvSpPr>
+          <p:nvPr/>
+        </p:nvSpPr>
+        <p:spPr>
+          <a:xfrm>
+            <a:off x="4038600" y="6416675"/>
+            <a:ext cx="4114800" cy="365125"/>
+          </a:xfrm>
+          <a:prstGeom prst="rect">
+            <a:avLst/>
+          </a:prstGeom>
+        </p:spPr>
+        <p:txBody>
+          <a:bodyPr vert="horz" lIns="91440" tIns="45720" rIns="91440" bIns="45720" rtlCol="0" anchor="ctr"/>
+          <a:lstStyle>
+            <a:defPPr>
+              <a:defRPr lang="en-US"/>
+            </a:defPPr>
+            <a:lvl1pPr algn="ctr" rtl="0" eaLnBrk="0" fontAlgn="base" hangingPunct="0">
+              <a:spcBef>
+                <a:spcPct val="0"/>
+              </a:spcBef>
+              <a:spcAft>
+                <a:spcPct val="0"/>
+              </a:spcAft>
+              <a:defRPr sz="1200" kern="1200">
+                <a:solidFill>
+                  <a:schemeClr val="accent3"/>
+                </a:solidFill>
+                <a:latin typeface="Arial" charset="0"/>
+                <a:ea typeface="ＭＳ Ｐゴシック" charset="0"/>
+                <a:cs typeface="ＭＳ Ｐゴシック" charset="0"/>
+              </a:defRPr>
+            </a:lvl1pPr>
+            <a:lvl2pPr marL="457200" algn="l" rtl="0" eaLnBrk="0" fontAlgn="base" hangingPunct="0">
+              <a:spcBef>
+                <a:spcPct val="0"/>
+              </a:spcBef>
+              <a:spcAft>
+                <a:spcPct val="0"/>
+              </a:spcAft>
+              <a:defRPr kern="1200">
+                <a:solidFill>
+                  <a:schemeClr val="tx1"/>
+                </a:solidFill>
+                <a:latin typeface="Arial" charset="0"/>
+                <a:ea typeface="ＭＳ Ｐゴシック" charset="0"/>
+                <a:cs typeface="ＭＳ Ｐゴシック" charset="0"/>
+              </a:defRPr>
+            </a:lvl2pPr>
+            <a:lvl3pPr marL="914400" algn="l" rtl="0" eaLnBrk="0" fontAlgn="base" hangingPunct="0">
+              <a:spcBef>
+                <a:spcPct val="0"/>
+              </a:spcBef>
+              <a:spcAft>
+                <a:spcPct val="0"/>
+              </a:spcAft>
+              <a:defRPr kern="1200">
+                <a:solidFill>
+                  <a:schemeClr val="tx1"/>
+                </a:solidFill>
+                <a:latin typeface="Arial" charset="0"/>
+                <a:ea typeface="ＭＳ Ｐゴシック" charset="0"/>
+                <a:cs typeface="ＭＳ Ｐゴシック" charset="0"/>
+              </a:defRPr>
+            </a:lvl3pPr>
+            <a:lvl4pPr marL="1371600" algn="l" rtl="0" eaLnBrk="0" fontAlgn="base" hangingPunct="0">
+              <a:spcBef>
+                <a:spcPct val="0"/>
+              </a:spcBef>
+              <a:spcAft>
+                <a:spcPct val="0"/>
+              </a:spcAft>
+              <a:defRPr kern="1200">
+                <a:solidFill>
+                  <a:schemeClr val="tx1"/>
+                </a:solidFill>
+                <a:latin typeface="Arial" charset="0"/>
+                <a:ea typeface="ＭＳ Ｐゴシック" charset="0"/>
+                <a:cs typeface="ＭＳ Ｐゴシック" charset="0"/>
+              </a:defRPr>
+            </a:lvl4pPr>
+            <a:lvl5pPr marL="1828800" algn="l" rtl="0" eaLnBrk="0" fontAlgn="base" hangingPunct="0">
+              <a:spcBef>
+                <a:spcPct val="0"/>
+              </a:spcBef>
+              <a:spcAft>
+                <a:spcPct val="0"/>
+              </a:spcAft>
+              <a:defRPr kern="1200">
+                <a:solidFill>
+                  <a:schemeClr val="tx1"/>
+                </a:solidFill>
+                <a:latin typeface="Arial" charset="0"/>
+                <a:ea typeface="ＭＳ Ｐゴシック" charset="0"/>
+                <a:cs typeface="ＭＳ Ｐゴシック" charset="0"/>
+              </a:defRPr>
+            </a:lvl5pPr>
+            <a:lvl6pPr marL="2286000" algn="l" defTabSz="457200" rtl="0" eaLnBrk="1" latinLnBrk="0" hangingPunct="1">
+              <a:defRPr kern="1200">
+                <a:solidFill>
+                  <a:schemeClr val="tx1"/>
+                </a:solidFill>
+                <a:latin typeface="Arial" charset="0"/>
+                <a:ea typeface="ＭＳ Ｐゴシック" charset="0"/>
+                <a:cs typeface="ＭＳ Ｐゴシック" charset="0"/>
+              </a:defRPr>
+            </a:lvl6pPr>
+            <a:lvl7pPr marL="2743200" algn="l" defTabSz="457200" rtl="0" eaLnBrk="1" latinLnBrk="0" hangingPunct="1">
+              <a:defRPr kern="1200">
+                <a:solidFill>
+                  <a:schemeClr val="tx1"/>
+                </a:solidFill>
+                <a:latin typeface="Arial" charset="0"/>
+                <a:ea typeface="ＭＳ Ｐゴシック" charset="0"/>
+                <a:cs typeface="ＭＳ Ｐゴシック" charset="0"/>
+              </a:defRPr>
+            </a:lvl7pPr>
+            <a:lvl8pPr marL="3200400" algn="l" defTabSz="457200" rtl="0" eaLnBrk="1" latinLnBrk="0" hangingPunct="1">
+              <a:defRPr kern="1200">
+                <a:solidFill>
+                  <a:schemeClr val="tx1"/>
+                </a:solidFill>
+                <a:latin typeface="Arial" charset="0"/>
+                <a:ea typeface="ＭＳ Ｐゴシック" charset="0"/>
+                <a:cs typeface="ＭＳ Ｐゴシック" charset="0"/>
+              </a:defRPr>
+            </a:lvl8pPr>
+            <a:lvl9pPr marL="3657600" algn="l" defTabSz="457200" rtl="0" eaLnBrk="1" latinLnBrk="0" hangingPunct="1">
+              <a:defRPr kern="1200">
+                <a:solidFill>
+                  <a:schemeClr val="tx1"/>
+                </a:solidFill>
+                <a:latin typeface="Arial" charset="0"/>
+                <a:ea typeface="ＭＳ Ｐゴシック" charset="0"/>
+                <a:cs typeface="ＭＳ Ｐゴシック" charset="0"/>
+              </a:defRPr>
+            </a:lvl9pPr>
+          </a:lstStyle>
+          <a:p>
+            <a:r>
+              <a:rPr lang="en-US" dirty="0">
+                <a:latin typeface="FreightMicro Pro Book" panose="02000603020000020004" pitchFamily="2" charset="0"/>
+              </a:rPr>
+              <a:t>Eric Kim | UC Berkeley | https://c88c.org | © CC BY-NC-SA</a:t>
+            </a:r>
+          </a:p>
+        </p:txBody>
+      </p:sp>
+    </p:spTree>
+    <p:extLst>
+      <p:ext uri="{BB962C8B-B14F-4D97-AF65-F5344CB8AC3E}">
+        <p14:creationId xmlns:p14="http://schemas.microsoft.com/office/powerpoint/2010/main" val="4226347813"/>
+      </p:ext>
+    </p:extLst>
+  </p:cSld>
+  <p:clrMapOvr>
+    <a:masterClrMapping/>
+  </p:clrMapOvr>
+  <mc:AlternateContent xmlns:mc="http://schemas.openxmlformats.org/markup-compatibility/2006" xmlns:p14="http://schemas.microsoft.com/office/powerpoint/2010/main">
+    <mc:Choice Requires="p14">
+      <p:transition spd="slow" p14:dur="2000" advTm="51315"/>
+    </mc:Choice>
+    <mc:Fallback xmlns="">
+      <p:transition spd="slow" advTm="51315"/>
+    </mc:Fallback>
+  </mc:AlternateContent>
+</p:sld>
+</file>
+
+<file path=ppt/slides/slide26.xml><?xml version="1.0" encoding="utf-8"?>
+<p:sld xmlns:a="http://schemas.openxmlformats.org/drawingml/2006/main" xmlns:r="http://schemas.openxmlformats.org/officeDocument/2006/relationships" xmlns:p="http://schemas.openxmlformats.org/presentationml/2006/main">
+  <p:cSld>
+    <p:spTree>
+      <p:nvGrpSpPr>
+        <p:cNvPr id="1" name=""/>
+        <p:cNvGrpSpPr/>
+        <p:nvPr/>
+      </p:nvGrpSpPr>
+      <p:grpSpPr>
+        <a:xfrm>
+          <a:off x="0" y="0"/>
+          <a:ext cx="0" cy="0"/>
+          <a:chOff x="0" y="0"/>
+          <a:chExt cx="0" cy="0"/>
+        </a:xfrm>
+      </p:grpSpPr>
+      <p:sp>
+        <p:nvSpPr>
           <p:cNvPr id="2" name="Title 1">
             <a:extLst>
               <a:ext uri="{FF2B5EF4-FFF2-40B4-BE49-F238E27FC236}">
@@ -16070,7 +17419,7 @@
               <a:rPr lang="en-US" dirty="0">
                 <a:latin typeface="FreightMicro Pro Book" panose="02000603020000020004" pitchFamily="2" charset="0"/>
               </a:rPr>
-              <a:t>Michael Ball | UC Berkeley | https://c88c.org | © CC BY-NC-SA</a:t>
+              <a:t>Eric Kim | UC Berkeley | https://c88c.org | © CC BY-NC-SA</a:t>
             </a:r>
           </a:p>
         </p:txBody>
@@ -16088,7 +17437,7 @@
 </p:sld>
 </file>
 
-<file path=ppt/slides/slide24.xml><?xml version="1.0" encoding="utf-8"?>
+<file path=ppt/slides/slide27.xml><?xml version="1.0" encoding="utf-8"?>
 <p:sld xmlns:a="http://schemas.openxmlformats.org/drawingml/2006/main" xmlns:r="http://schemas.openxmlformats.org/officeDocument/2006/relationships" xmlns:p="http://schemas.openxmlformats.org/presentationml/2006/main" show="0">
   <p:cSld>
     <p:spTree>
@@ -16198,7 +17547,7 @@
 </p:sld>
 </file>
 
-<file path=ppt/slides/slide25.xml><?xml version="1.0" encoding="utf-8"?>
+<file path=ppt/slides/slide28.xml><?xml version="1.0" encoding="utf-8"?>
 <p:sld xmlns:a="http://schemas.openxmlformats.org/drawingml/2006/main" xmlns:r="http://schemas.openxmlformats.org/officeDocument/2006/relationships" xmlns:p="http://schemas.openxmlformats.org/presentationml/2006/main" show="0">
   <p:cSld>
     <p:spTree>
@@ -16310,7 +17659,7 @@
               <a:pPr>
                 <a:defRPr/>
               </a:pPr>
-              <a:t>25</a:t>
+              <a:t>28</a:t>
             </a:fld>
             <a:endParaRPr lang="en-US" dirty="0">
               <a:latin typeface="Open Sans" panose="020B0606030504020204" pitchFamily="34" charset="0"/>
@@ -16331,7 +17680,7 @@
 </p:sld>
 </file>
 
-<file path=ppt/slides/slide26.xml><?xml version="1.0" encoding="utf-8"?>
+<file path=ppt/slides/slide29.xml><?xml version="1.0" encoding="utf-8"?>
 <p:sld xmlns:a="http://schemas.openxmlformats.org/drawingml/2006/main" xmlns:r="http://schemas.openxmlformats.org/officeDocument/2006/relationships" xmlns:p="http://schemas.openxmlformats.org/presentationml/2006/main" show="0">
   <p:cSld>
     <p:spTree>
@@ -16452,7 +17801,318 @@
 </p:sld>
 </file>
 
-<file path=ppt/slides/slide27.xml><?xml version="1.0" encoding="utf-8"?>
+<file path=ppt/slides/slide3.xml><?xml version="1.0" encoding="utf-8"?>
+<p:sld xmlns:a="http://schemas.openxmlformats.org/drawingml/2006/main" xmlns:r="http://schemas.openxmlformats.org/officeDocument/2006/relationships" xmlns:p="http://schemas.openxmlformats.org/presentationml/2006/main">
+  <p:cSld>
+    <p:spTree>
+      <p:nvGrpSpPr>
+        <p:cNvPr id="1" name=""/>
+        <p:cNvGrpSpPr/>
+        <p:nvPr/>
+      </p:nvGrpSpPr>
+      <p:grpSpPr>
+        <a:xfrm>
+          <a:off x="0" y="0"/>
+          <a:ext cx="0" cy="0"/>
+          <a:chOff x="0" y="0"/>
+          <a:chExt cx="0" cy="0"/>
+        </a:xfrm>
+      </p:grpSpPr>
+      <p:sp>
+        <p:nvSpPr>
+          <p:cNvPr id="2" name="Title 1">
+            <a:extLst>
+              <a:ext uri="{FF2B5EF4-FFF2-40B4-BE49-F238E27FC236}">
+                <a16:creationId xmlns:a16="http://schemas.microsoft.com/office/drawing/2014/main" id="{2332C5B2-9DFD-C1DD-1E07-71BD0B221807}"/>
+              </a:ext>
+            </a:extLst>
+          </p:cNvPr>
+          <p:cNvSpPr>
+            <a:spLocks noGrp="1"/>
+          </p:cNvSpPr>
+          <p:nvPr>
+            <p:ph type="title"/>
+          </p:nvPr>
+        </p:nvSpPr>
+        <p:spPr/>
+        <p:txBody>
+          <a:bodyPr/>
+          <a:lstStyle/>
+          <a:p>
+            <a:r>
+              <a:rPr lang="en-US" dirty="0"/>
+              <a:t>Announcements (June 20 2024)</a:t>
+            </a:r>
+          </a:p>
+        </p:txBody>
+      </p:sp>
+      <p:sp>
+        <p:nvSpPr>
+          <p:cNvPr id="3" name="Content Placeholder 2">
+            <a:extLst>
+              <a:ext uri="{FF2B5EF4-FFF2-40B4-BE49-F238E27FC236}">
+                <a16:creationId xmlns:a16="http://schemas.microsoft.com/office/drawing/2014/main" id="{2C0B2E46-66D3-D6B7-5E34-7D5FAC92D8D9}"/>
+              </a:ext>
+            </a:extLst>
+          </p:cNvPr>
+          <p:cNvSpPr>
+            <a:spLocks noGrp="1"/>
+          </p:cNvSpPr>
+          <p:nvPr>
+            <p:ph idx="1"/>
+          </p:nvPr>
+        </p:nvSpPr>
+        <p:spPr/>
+        <p:txBody>
+          <a:bodyPr/>
+          <a:lstStyle/>
+          <a:p>
+            <a:r>
+              <a:rPr lang="en-US" dirty="0"/>
+              <a:t> ALL office hours starts today (Thursday, June 20</a:t>
+            </a:r>
+            <a:r>
+              <a:rPr lang="en-US" baseline="30000" dirty="0"/>
+              <a:t>th</a:t>
+            </a:r>
+            <a:r>
+              <a:rPr lang="en-US" dirty="0"/>
+              <a:t>)!</a:t>
+            </a:r>
+          </a:p>
+          <a:p>
+            <a:pPr lvl="1"/>
+            <a:r>
+              <a:rPr lang="en-US" dirty="0"/>
+              <a:t> Reminder: Office hour Zoom links can be found:</a:t>
+            </a:r>
+          </a:p>
+          <a:p>
+            <a:pPr lvl="2"/>
+            <a:r>
+              <a:rPr lang="en-US" dirty="0"/>
+              <a:t> </a:t>
+            </a:r>
+            <a:r>
+              <a:rPr lang="en-US" dirty="0">
+                <a:hlinkClick r:id="rId2"/>
+              </a:rPr>
+              <a:t>Ed “Course Index” post</a:t>
+            </a:r>
+            <a:r>
+              <a:rPr lang="en-US" dirty="0"/>
+              <a:t>, </a:t>
+            </a:r>
+            <a:r>
+              <a:rPr lang="en-US" dirty="0">
+                <a:hlinkClick r:id="rId3"/>
+              </a:rPr>
+              <a:t>Course staff page</a:t>
+            </a:r>
+            <a:r>
+              <a:rPr lang="en-US" dirty="0"/>
+              <a:t>, </a:t>
+            </a:r>
+            <a:r>
+              <a:rPr lang="en-US" dirty="0">
+                <a:hlinkClick r:id="rId4"/>
+              </a:rPr>
+              <a:t>bCourse Zoom page</a:t>
+            </a:r>
+            <a:endParaRPr lang="en-US" dirty="0"/>
+          </a:p>
+          <a:p>
+            <a:pPr lvl="2"/>
+            <a:r>
+              <a:rPr lang="en-US" dirty="0"/>
+              <a:t> Instructor, TA’s, and Tutors hold office hours each week.</a:t>
+            </a:r>
+          </a:p>
+          <a:p>
+            <a:endParaRPr lang="en-US" dirty="0"/>
+          </a:p>
+          <a:p>
+            <a:pPr marL="0" indent="0">
+              <a:buNone/>
+            </a:pPr>
+            <a:endParaRPr lang="en-US" dirty="0"/>
+          </a:p>
+        </p:txBody>
+      </p:sp>
+      <p:sp>
+        <p:nvSpPr>
+          <p:cNvPr id="7" name="Footer Placeholder 2">
+            <a:extLst>
+              <a:ext uri="{FF2B5EF4-FFF2-40B4-BE49-F238E27FC236}">
+                <a16:creationId xmlns:a16="http://schemas.microsoft.com/office/drawing/2014/main" id="{9819B794-74DD-51B5-991B-D31FCC029792}"/>
+              </a:ext>
+            </a:extLst>
+          </p:cNvPr>
+          <p:cNvSpPr txBox="1">
+            <a:spLocks/>
+          </p:cNvSpPr>
+          <p:nvPr/>
+        </p:nvSpPr>
+        <p:spPr>
+          <a:xfrm>
+            <a:off x="4038600" y="6356350"/>
+            <a:ext cx="4953000" cy="365125"/>
+          </a:xfrm>
+          <a:prstGeom prst="rect">
+            <a:avLst/>
+          </a:prstGeom>
+        </p:spPr>
+        <p:txBody>
+          <a:bodyPr vert="horz" lIns="91440" tIns="45720" rIns="91440" bIns="45720" rtlCol="0" anchor="ctr"/>
+          <a:lstStyle>
+            <a:defPPr>
+              <a:defRPr lang="en-US"/>
+            </a:defPPr>
+            <a:lvl1pPr algn="ctr" rtl="0" eaLnBrk="0" fontAlgn="base" hangingPunct="0">
+              <a:spcBef>
+                <a:spcPct val="0"/>
+              </a:spcBef>
+              <a:spcAft>
+                <a:spcPct val="0"/>
+              </a:spcAft>
+              <a:defRPr sz="1200" kern="1200">
+                <a:solidFill>
+                  <a:schemeClr val="accent3"/>
+                </a:solidFill>
+                <a:latin typeface="Arial" charset="0"/>
+                <a:ea typeface="ＭＳ Ｐゴシック" charset="0"/>
+                <a:cs typeface="ＭＳ Ｐゴシック" charset="0"/>
+              </a:defRPr>
+            </a:lvl1pPr>
+            <a:lvl2pPr marL="457200" algn="l" rtl="0" eaLnBrk="0" fontAlgn="base" hangingPunct="0">
+              <a:spcBef>
+                <a:spcPct val="0"/>
+              </a:spcBef>
+              <a:spcAft>
+                <a:spcPct val="0"/>
+              </a:spcAft>
+              <a:defRPr kern="1200">
+                <a:solidFill>
+                  <a:schemeClr val="tx1"/>
+                </a:solidFill>
+                <a:latin typeface="Arial" charset="0"/>
+                <a:ea typeface="ＭＳ Ｐゴシック" charset="0"/>
+                <a:cs typeface="ＭＳ Ｐゴシック" charset="0"/>
+              </a:defRPr>
+            </a:lvl2pPr>
+            <a:lvl3pPr marL="914400" algn="l" rtl="0" eaLnBrk="0" fontAlgn="base" hangingPunct="0">
+              <a:spcBef>
+                <a:spcPct val="0"/>
+              </a:spcBef>
+              <a:spcAft>
+                <a:spcPct val="0"/>
+              </a:spcAft>
+              <a:defRPr kern="1200">
+                <a:solidFill>
+                  <a:schemeClr val="tx1"/>
+                </a:solidFill>
+                <a:latin typeface="Arial" charset="0"/>
+                <a:ea typeface="ＭＳ Ｐゴシック" charset="0"/>
+                <a:cs typeface="ＭＳ Ｐゴシック" charset="0"/>
+              </a:defRPr>
+            </a:lvl3pPr>
+            <a:lvl4pPr marL="1371600" algn="l" rtl="0" eaLnBrk="0" fontAlgn="base" hangingPunct="0">
+              <a:spcBef>
+                <a:spcPct val="0"/>
+              </a:spcBef>
+              <a:spcAft>
+                <a:spcPct val="0"/>
+              </a:spcAft>
+              <a:defRPr kern="1200">
+                <a:solidFill>
+                  <a:schemeClr val="tx1"/>
+                </a:solidFill>
+                <a:latin typeface="Arial" charset="0"/>
+                <a:ea typeface="ＭＳ Ｐゴシック" charset="0"/>
+                <a:cs typeface="ＭＳ Ｐゴシック" charset="0"/>
+              </a:defRPr>
+            </a:lvl4pPr>
+            <a:lvl5pPr marL="1828800" algn="l" rtl="0" eaLnBrk="0" fontAlgn="base" hangingPunct="0">
+              <a:spcBef>
+                <a:spcPct val="0"/>
+              </a:spcBef>
+              <a:spcAft>
+                <a:spcPct val="0"/>
+              </a:spcAft>
+              <a:defRPr kern="1200">
+                <a:solidFill>
+                  <a:schemeClr val="tx1"/>
+                </a:solidFill>
+                <a:latin typeface="Arial" charset="0"/>
+                <a:ea typeface="ＭＳ Ｐゴシック" charset="0"/>
+                <a:cs typeface="ＭＳ Ｐゴシック" charset="0"/>
+              </a:defRPr>
+            </a:lvl5pPr>
+            <a:lvl6pPr marL="2286000" algn="l" defTabSz="457200" rtl="0" eaLnBrk="1" latinLnBrk="0" hangingPunct="1">
+              <a:defRPr kern="1200">
+                <a:solidFill>
+                  <a:schemeClr val="tx1"/>
+                </a:solidFill>
+                <a:latin typeface="Arial" charset="0"/>
+                <a:ea typeface="ＭＳ Ｐゴシック" charset="0"/>
+                <a:cs typeface="ＭＳ Ｐゴシック" charset="0"/>
+              </a:defRPr>
+            </a:lvl6pPr>
+            <a:lvl7pPr marL="2743200" algn="l" defTabSz="457200" rtl="0" eaLnBrk="1" latinLnBrk="0" hangingPunct="1">
+              <a:defRPr kern="1200">
+                <a:solidFill>
+                  <a:schemeClr val="tx1"/>
+                </a:solidFill>
+                <a:latin typeface="Arial" charset="0"/>
+                <a:ea typeface="ＭＳ Ｐゴシック" charset="0"/>
+                <a:cs typeface="ＭＳ Ｐゴシック" charset="0"/>
+              </a:defRPr>
+            </a:lvl7pPr>
+            <a:lvl8pPr marL="3200400" algn="l" defTabSz="457200" rtl="0" eaLnBrk="1" latinLnBrk="0" hangingPunct="1">
+              <a:defRPr kern="1200">
+                <a:solidFill>
+                  <a:schemeClr val="tx1"/>
+                </a:solidFill>
+                <a:latin typeface="Arial" charset="0"/>
+                <a:ea typeface="ＭＳ Ｐゴシック" charset="0"/>
+                <a:cs typeface="ＭＳ Ｐゴシック" charset="0"/>
+              </a:defRPr>
+            </a:lvl8pPr>
+            <a:lvl9pPr marL="3657600" algn="l" defTabSz="457200" rtl="0" eaLnBrk="1" latinLnBrk="0" hangingPunct="1">
+              <a:defRPr kern="1200">
+                <a:solidFill>
+                  <a:schemeClr val="tx1"/>
+                </a:solidFill>
+                <a:latin typeface="Arial" charset="0"/>
+                <a:ea typeface="ＭＳ Ｐゴシック" charset="0"/>
+                <a:cs typeface="ＭＳ Ｐゴシック" charset="0"/>
+              </a:defRPr>
+            </a:lvl9pPr>
+          </a:lstStyle>
+          <a:p>
+            <a:r>
+              <a:rPr lang="en-US" dirty="0">
+                <a:latin typeface="FreightMicro Pro Book" panose="02000603020000020004" pitchFamily="2" charset="0"/>
+              </a:rPr>
+              <a:t>Eric Kim | UC Berkeley | https://c88c.org | © CC BY-NC-SA</a:t>
+            </a:r>
+          </a:p>
+        </p:txBody>
+      </p:sp>
+    </p:spTree>
+    <p:extLst>
+      <p:ext uri="{BB962C8B-B14F-4D97-AF65-F5344CB8AC3E}">
+        <p14:creationId xmlns:p14="http://schemas.microsoft.com/office/powerpoint/2010/main" val="2060853896"/>
+      </p:ext>
+    </p:extLst>
+  </p:cSld>
+  <p:clrMapOvr>
+    <a:masterClrMapping/>
+  </p:clrMapOvr>
+</p:sld>
+</file>
+
+<file path=ppt/slides/slide30.xml><?xml version="1.0" encoding="utf-8"?>
 <p:sld xmlns:a="http://schemas.openxmlformats.org/drawingml/2006/main" xmlns:r="http://schemas.openxmlformats.org/officeDocument/2006/relationships" xmlns:p="http://schemas.openxmlformats.org/presentationml/2006/main" show="0">
   <p:cSld>
     <p:spTree>
@@ -16960,7 +18620,7 @@
 </p:sld>
 </file>
 
-<file path=ppt/slides/slide28.xml><?xml version="1.0" encoding="utf-8"?>
+<file path=ppt/slides/slide31.xml><?xml version="1.0" encoding="utf-8"?>
 <p:sld xmlns:a="http://schemas.openxmlformats.org/drawingml/2006/main" xmlns:r="http://schemas.openxmlformats.org/officeDocument/2006/relationships" xmlns:p="http://schemas.openxmlformats.org/presentationml/2006/main" show="0">
   <p:cSld>
     <p:spTree>
@@ -17555,7 +19215,7 @@
 </p:sld>
 </file>
 
-<file path=ppt/slides/slide29.xml><?xml version="1.0" encoding="utf-8"?>
+<file path=ppt/slides/slide32.xml><?xml version="1.0" encoding="utf-8"?>
 <p:sld xmlns:a="http://schemas.openxmlformats.org/drawingml/2006/main" xmlns:r="http://schemas.openxmlformats.org/officeDocument/2006/relationships" xmlns:p="http://schemas.openxmlformats.org/presentationml/2006/main" show="0">
   <p:cSld>
     <p:spTree>
@@ -17701,90 +19361,7 @@
 </p:sld>
 </file>
 
-<file path=ppt/slides/slide3.xml><?xml version="1.0" encoding="utf-8"?>
-<p:sld xmlns:a="http://schemas.openxmlformats.org/drawingml/2006/main" xmlns:r="http://schemas.openxmlformats.org/officeDocument/2006/relationships" xmlns:p="http://schemas.openxmlformats.org/presentationml/2006/main">
-  <p:cSld>
-    <p:spTree>
-      <p:nvGrpSpPr>
-        <p:cNvPr id="1" name=""/>
-        <p:cNvGrpSpPr/>
-        <p:nvPr/>
-      </p:nvGrpSpPr>
-      <p:grpSpPr>
-        <a:xfrm>
-          <a:off x="0" y="0"/>
-          <a:ext cx="0" cy="0"/>
-          <a:chOff x="0" y="0"/>
-          <a:chExt cx="0" cy="0"/>
-        </a:xfrm>
-      </p:grpSpPr>
-      <p:sp>
-        <p:nvSpPr>
-          <p:cNvPr id="8" name="Title 7">
-            <a:extLst>
-              <a:ext uri="{FF2B5EF4-FFF2-40B4-BE49-F238E27FC236}">
-                <a16:creationId xmlns:a16="http://schemas.microsoft.com/office/drawing/2014/main" id="{FABE0329-6EA1-B94F-AAEB-606C678EE9CD}"/>
-              </a:ext>
-            </a:extLst>
-          </p:cNvPr>
-          <p:cNvSpPr>
-            <a:spLocks noGrp="1"/>
-          </p:cNvSpPr>
-          <p:nvPr>
-            <p:ph type="ctrTitle"/>
-          </p:nvPr>
-        </p:nvSpPr>
-        <p:spPr/>
-        <p:txBody>
-          <a:bodyPr/>
-          <a:lstStyle/>
-          <a:p>
-            <a:r>
-              <a:rPr lang="en-US" dirty="0"/>
-              <a:t>Learning Process &amp; Debugging</a:t>
-            </a:r>
-          </a:p>
-        </p:txBody>
-      </p:sp>
-      <p:sp>
-        <p:nvSpPr>
-          <p:cNvPr id="4" name="Subtitle 3">
-            <a:extLst>
-              <a:ext uri="{FF2B5EF4-FFF2-40B4-BE49-F238E27FC236}">
-                <a16:creationId xmlns:a16="http://schemas.microsoft.com/office/drawing/2014/main" id="{1A8EC98B-92C8-C2EB-38CB-111FD38F001E}"/>
-              </a:ext>
-            </a:extLst>
-          </p:cNvPr>
-          <p:cNvSpPr>
-            <a:spLocks noGrp="1"/>
-          </p:cNvSpPr>
-          <p:nvPr>
-            <p:ph type="subTitle" idx="1"/>
-          </p:nvPr>
-        </p:nvSpPr>
-        <p:spPr/>
-        <p:txBody>
-          <a:bodyPr/>
-          <a:lstStyle/>
-          <a:p>
-            <a:endParaRPr lang="en-US"/>
-          </a:p>
-        </p:txBody>
-      </p:sp>
-    </p:spTree>
-    <p:extLst>
-      <p:ext uri="{BB962C8B-B14F-4D97-AF65-F5344CB8AC3E}">
-        <p14:creationId xmlns:p14="http://schemas.microsoft.com/office/powerpoint/2010/main" val="2999003581"/>
-      </p:ext>
-    </p:extLst>
-  </p:cSld>
-  <p:clrMapOvr>
-    <a:masterClrMapping/>
-  </p:clrMapOvr>
-</p:sld>
-</file>
-
-<file path=ppt/slides/slide30.xml><?xml version="1.0" encoding="utf-8"?>
+<file path=ppt/slides/slide33.xml><?xml version="1.0" encoding="utf-8"?>
 <p:sld xmlns:a="http://schemas.openxmlformats.org/drawingml/2006/main" xmlns:r="http://schemas.openxmlformats.org/officeDocument/2006/relationships" xmlns:p="http://schemas.openxmlformats.org/presentationml/2006/main">
   <p:cSld>
     <p:spTree>
@@ -17886,7 +19463,7 @@
 </p:sld>
 </file>
 
-<file path=ppt/slides/slide31.xml><?xml version="1.0" encoding="utf-8"?>
+<file path=ppt/slides/slide34.xml><?xml version="1.0" encoding="utf-8"?>
 <p:sld xmlns:a="http://schemas.openxmlformats.org/drawingml/2006/main" xmlns:r="http://schemas.openxmlformats.org/officeDocument/2006/relationships" xmlns:p="http://schemas.openxmlformats.org/presentationml/2006/main">
   <p:cSld>
     <p:spTree>
@@ -18126,7 +19703,7 @@
               <a:rPr lang="en-US" dirty="0">
                 <a:latin typeface="FreightMicro Pro Book" panose="02000603020000020004" pitchFamily="2" charset="0"/>
               </a:rPr>
-              <a:t>Michael Ball | UC Berkeley | https://c88c.org | © CC BY-NC-SA</a:t>
+              <a:t>Eric Kim | UC Berkeley | https://c88c.org | © CC BY-NC-SA</a:t>
             </a:r>
           </a:p>
         </p:txBody>
@@ -18144,7 +19721,7 @@
 </p:sld>
 </file>
 
-<file path=ppt/slides/slide32.xml><?xml version="1.0" encoding="utf-8"?>
+<file path=ppt/slides/slide35.xml><?xml version="1.0" encoding="utf-8"?>
 <p:sld xmlns:a="http://schemas.openxmlformats.org/drawingml/2006/main" xmlns:r="http://schemas.openxmlformats.org/officeDocument/2006/relationships" xmlns:p="http://schemas.openxmlformats.org/presentationml/2006/main">
   <p:cSld>
     <p:spTree>
@@ -18463,7 +20040,7 @@
               <a:rPr lang="en-US" dirty="0">
                 <a:latin typeface="FreightMicro Pro Book" panose="02000603020000020004" pitchFamily="2" charset="0"/>
               </a:rPr>
-              <a:t>Michael Ball | UC Berkeley | https://c88c.org | © CC BY-NC-SA</a:t>
+              <a:t>Eric Kim | UC Berkeley | https://c88c.org | © CC BY-NC-SA</a:t>
             </a:r>
           </a:p>
         </p:txBody>
@@ -18489,7 +20066,7 @@
 </p:sld>
 </file>
 
-<file path=ppt/slides/slide33.xml><?xml version="1.0" encoding="utf-8"?>
+<file path=ppt/slides/slide36.xml><?xml version="1.0" encoding="utf-8"?>
 <p:sld xmlns:a="http://schemas.openxmlformats.org/drawingml/2006/main" xmlns:r="http://schemas.openxmlformats.org/officeDocument/2006/relationships" xmlns:p="http://schemas.openxmlformats.org/presentationml/2006/main">
   <p:cSld>
     <p:spTree>
@@ -18815,7 +20392,7 @@
               <a:rPr lang="en-US" dirty="0">
                 <a:latin typeface="FreightMicro Pro Book" panose="02000603020000020004" pitchFamily="2" charset="0"/>
               </a:rPr>
-              <a:t>Michael Ball | UC Berkeley | https://c88c.org | © CC BY-NC-SA</a:t>
+              <a:t>Eric Kim | UC Berkeley | https://c88c.org | © CC BY-NC-SA</a:t>
             </a:r>
           </a:p>
         </p:txBody>
@@ -18833,7 +20410,7 @@
 </p:sld>
 </file>
 
-<file path=ppt/slides/slide34.xml><?xml version="1.0" encoding="utf-8"?>
+<file path=ppt/slides/slide37.xml><?xml version="1.0" encoding="utf-8"?>
 <p:sld xmlns:a="http://schemas.openxmlformats.org/drawingml/2006/main" xmlns:r="http://schemas.openxmlformats.org/officeDocument/2006/relationships" xmlns:p="http://schemas.openxmlformats.org/presentationml/2006/main">
   <p:cSld>
     <p:spTree>
@@ -19185,7 +20762,7 @@
               <a:rPr lang="en-US" dirty="0">
                 <a:latin typeface="FreightMicro Pro Book" panose="02000603020000020004" pitchFamily="2" charset="0"/>
               </a:rPr>
-              <a:t>Michael Ball | UC Berkeley | https://c88c.org | © CC BY-NC-SA</a:t>
+              <a:t>Eric Kim | UC Berkeley | https://c88c.org | © CC BY-NC-SA</a:t>
             </a:r>
           </a:p>
         </p:txBody>
@@ -19205,6 +20782,518 @@
       <p:transition spd="slow" p14:dur="2000" advTm="61424"/>
     </mc:Choice>
     <mc:Fallback xmlns="">
+      <p:transition spd="slow" advTm="61424"/>
+    </mc:Fallback>
+  </mc:AlternateContent>
+</p:sld>
+</file>
+
+<file path=ppt/slides/slide38.xml><?xml version="1.0" encoding="utf-8"?>
+<p:sld xmlns:a="http://schemas.openxmlformats.org/drawingml/2006/main" xmlns:r="http://schemas.openxmlformats.org/officeDocument/2006/relationships" xmlns:p="http://schemas.openxmlformats.org/presentationml/2006/main">
+  <p:cSld>
+    <p:spTree>
+      <p:nvGrpSpPr>
+        <p:cNvPr id="1" name=""/>
+        <p:cNvGrpSpPr/>
+        <p:nvPr/>
+      </p:nvGrpSpPr>
+      <p:grpSpPr>
+        <a:xfrm>
+          <a:off x="0" y="0"/>
+          <a:ext cx="0" cy="0"/>
+          <a:chOff x="0" y="0"/>
+          <a:chExt cx="0" cy="0"/>
+        </a:xfrm>
+      </p:grpSpPr>
+      <p:sp>
+        <p:nvSpPr>
+          <p:cNvPr id="2" name="Title 1"/>
+          <p:cNvSpPr>
+            <a:spLocks noGrp="1"/>
+          </p:cNvSpPr>
+          <p:nvPr>
+            <p:ph type="title"/>
+          </p:nvPr>
+        </p:nvSpPr>
+        <p:spPr/>
+        <p:txBody>
+          <a:bodyPr/>
+          <a:lstStyle/>
+          <a:p>
+            <a:r>
+              <a:rPr lang="en-US" dirty="0"/>
+              <a:t>Outro</a:t>
+            </a:r>
+          </a:p>
+        </p:txBody>
+      </p:sp>
+      <p:sp>
+        <p:nvSpPr>
+          <p:cNvPr id="3" name="Content Placeholder 2"/>
+          <p:cNvSpPr>
+            <a:spLocks noGrp="1"/>
+          </p:cNvSpPr>
+          <p:nvPr>
+            <p:ph idx="1"/>
+          </p:nvPr>
+        </p:nvSpPr>
+        <p:spPr/>
+        <p:txBody>
+          <a:bodyPr/>
+          <a:lstStyle/>
+          <a:p>
+            <a:r>
+              <a:rPr lang="en-US" dirty="0"/>
+              <a:t> Today, we covered:</a:t>
+            </a:r>
+          </a:p>
+          <a:p>
+            <a:pPr lvl="1"/>
+            <a:r>
+              <a:rPr lang="en-US" dirty="0"/>
+              <a:t> Python functions, if statements, conditional expressions, for/while loops, “data-driven iteration”</a:t>
+            </a:r>
+          </a:p>
+          <a:p>
+            <a:pPr marL="0" indent="0">
+              <a:buNone/>
+            </a:pPr>
+            <a:endParaRPr lang="en-US" dirty="0"/>
+          </a:p>
+        </p:txBody>
+      </p:sp>
+      <p:sp>
+        <p:nvSpPr>
+          <p:cNvPr id="6" name="Footer Placeholder 2">
+            <a:extLst>
+              <a:ext uri="{FF2B5EF4-FFF2-40B4-BE49-F238E27FC236}">
+                <a16:creationId xmlns:a16="http://schemas.microsoft.com/office/drawing/2014/main" id="{7B6A879A-2F5A-ECE2-803E-247B33B88AF2}"/>
+              </a:ext>
+            </a:extLst>
+          </p:cNvPr>
+          <p:cNvSpPr txBox="1">
+            <a:spLocks/>
+          </p:cNvSpPr>
+          <p:nvPr/>
+        </p:nvSpPr>
+        <p:spPr>
+          <a:xfrm>
+            <a:off x="3886200" y="6416675"/>
+            <a:ext cx="4267200" cy="365125"/>
+          </a:xfrm>
+          <a:prstGeom prst="rect">
+            <a:avLst/>
+          </a:prstGeom>
+        </p:spPr>
+        <p:txBody>
+          <a:bodyPr vert="horz" lIns="91440" tIns="45720" rIns="91440" bIns="45720" rtlCol="0" anchor="ctr"/>
+          <a:lstStyle>
+            <a:defPPr>
+              <a:defRPr lang="en-US"/>
+            </a:defPPr>
+            <a:lvl1pPr algn="ctr" rtl="0" eaLnBrk="0" fontAlgn="base" hangingPunct="0">
+              <a:spcBef>
+                <a:spcPct val="0"/>
+              </a:spcBef>
+              <a:spcAft>
+                <a:spcPct val="0"/>
+              </a:spcAft>
+              <a:defRPr sz="1200" kern="1200">
+                <a:solidFill>
+                  <a:schemeClr val="accent3"/>
+                </a:solidFill>
+                <a:latin typeface="Arial" charset="0"/>
+                <a:ea typeface="ＭＳ Ｐゴシック" charset="0"/>
+                <a:cs typeface="ＭＳ Ｐゴシック" charset="0"/>
+              </a:defRPr>
+            </a:lvl1pPr>
+            <a:lvl2pPr marL="457200" algn="l" rtl="0" eaLnBrk="0" fontAlgn="base" hangingPunct="0">
+              <a:spcBef>
+                <a:spcPct val="0"/>
+              </a:spcBef>
+              <a:spcAft>
+                <a:spcPct val="0"/>
+              </a:spcAft>
+              <a:defRPr kern="1200">
+                <a:solidFill>
+                  <a:schemeClr val="tx1"/>
+                </a:solidFill>
+                <a:latin typeface="Arial" charset="0"/>
+                <a:ea typeface="ＭＳ Ｐゴシック" charset="0"/>
+                <a:cs typeface="ＭＳ Ｐゴシック" charset="0"/>
+              </a:defRPr>
+            </a:lvl2pPr>
+            <a:lvl3pPr marL="914400" algn="l" rtl="0" eaLnBrk="0" fontAlgn="base" hangingPunct="0">
+              <a:spcBef>
+                <a:spcPct val="0"/>
+              </a:spcBef>
+              <a:spcAft>
+                <a:spcPct val="0"/>
+              </a:spcAft>
+              <a:defRPr kern="1200">
+                <a:solidFill>
+                  <a:schemeClr val="tx1"/>
+                </a:solidFill>
+                <a:latin typeface="Arial" charset="0"/>
+                <a:ea typeface="ＭＳ Ｐゴシック" charset="0"/>
+                <a:cs typeface="ＭＳ Ｐゴシック" charset="0"/>
+              </a:defRPr>
+            </a:lvl3pPr>
+            <a:lvl4pPr marL="1371600" algn="l" rtl="0" eaLnBrk="0" fontAlgn="base" hangingPunct="0">
+              <a:spcBef>
+                <a:spcPct val="0"/>
+              </a:spcBef>
+              <a:spcAft>
+                <a:spcPct val="0"/>
+              </a:spcAft>
+              <a:defRPr kern="1200">
+                <a:solidFill>
+                  <a:schemeClr val="tx1"/>
+                </a:solidFill>
+                <a:latin typeface="Arial" charset="0"/>
+                <a:ea typeface="ＭＳ Ｐゴシック" charset="0"/>
+                <a:cs typeface="ＭＳ Ｐゴシック" charset="0"/>
+              </a:defRPr>
+            </a:lvl4pPr>
+            <a:lvl5pPr marL="1828800" algn="l" rtl="0" eaLnBrk="0" fontAlgn="base" hangingPunct="0">
+              <a:spcBef>
+                <a:spcPct val="0"/>
+              </a:spcBef>
+              <a:spcAft>
+                <a:spcPct val="0"/>
+              </a:spcAft>
+              <a:defRPr kern="1200">
+                <a:solidFill>
+                  <a:schemeClr val="tx1"/>
+                </a:solidFill>
+                <a:latin typeface="Arial" charset="0"/>
+                <a:ea typeface="ＭＳ Ｐゴシック" charset="0"/>
+                <a:cs typeface="ＭＳ Ｐゴシック" charset="0"/>
+              </a:defRPr>
+            </a:lvl5pPr>
+            <a:lvl6pPr marL="2286000" algn="l" defTabSz="457200" rtl="0" eaLnBrk="1" latinLnBrk="0" hangingPunct="1">
+              <a:defRPr kern="1200">
+                <a:solidFill>
+                  <a:schemeClr val="tx1"/>
+                </a:solidFill>
+                <a:latin typeface="Arial" charset="0"/>
+                <a:ea typeface="ＭＳ Ｐゴシック" charset="0"/>
+                <a:cs typeface="ＭＳ Ｐゴシック" charset="0"/>
+              </a:defRPr>
+            </a:lvl6pPr>
+            <a:lvl7pPr marL="2743200" algn="l" defTabSz="457200" rtl="0" eaLnBrk="1" latinLnBrk="0" hangingPunct="1">
+              <a:defRPr kern="1200">
+                <a:solidFill>
+                  <a:schemeClr val="tx1"/>
+                </a:solidFill>
+                <a:latin typeface="Arial" charset="0"/>
+                <a:ea typeface="ＭＳ Ｐゴシック" charset="0"/>
+                <a:cs typeface="ＭＳ Ｐゴシック" charset="0"/>
+              </a:defRPr>
+            </a:lvl7pPr>
+            <a:lvl8pPr marL="3200400" algn="l" defTabSz="457200" rtl="0" eaLnBrk="1" latinLnBrk="0" hangingPunct="1">
+              <a:defRPr kern="1200">
+                <a:solidFill>
+                  <a:schemeClr val="tx1"/>
+                </a:solidFill>
+                <a:latin typeface="Arial" charset="0"/>
+                <a:ea typeface="ＭＳ Ｐゴシック" charset="0"/>
+                <a:cs typeface="ＭＳ Ｐゴシック" charset="0"/>
+              </a:defRPr>
+            </a:lvl8pPr>
+            <a:lvl9pPr marL="3657600" algn="l" defTabSz="457200" rtl="0" eaLnBrk="1" latinLnBrk="0" hangingPunct="1">
+              <a:defRPr kern="1200">
+                <a:solidFill>
+                  <a:schemeClr val="tx1"/>
+                </a:solidFill>
+                <a:latin typeface="Arial" charset="0"/>
+                <a:ea typeface="ＭＳ Ｐゴシック" charset="0"/>
+                <a:cs typeface="ＭＳ Ｐゴシック" charset="0"/>
+              </a:defRPr>
+            </a:lvl9pPr>
+          </a:lstStyle>
+          <a:p>
+            <a:r>
+              <a:rPr lang="en-US" dirty="0">
+                <a:latin typeface="FreightMicro Pro Book" panose="02000603020000020004" pitchFamily="2" charset="0"/>
+              </a:rPr>
+              <a:t>Eric Kim | UC Berkeley | https://c88c.org | © CC BY-NC-SA</a:t>
+            </a:r>
+          </a:p>
+        </p:txBody>
+      </p:sp>
+    </p:spTree>
+    <p:extLst>
+      <p:ext uri="{BB962C8B-B14F-4D97-AF65-F5344CB8AC3E}">
+        <p14:creationId xmlns:p14="http://schemas.microsoft.com/office/powerpoint/2010/main" val="2353858273"/>
+      </p:ext>
+    </p:extLst>
+  </p:cSld>
+  <p:clrMapOvr>
+    <a:masterClrMapping/>
+  </p:clrMapOvr>
+  <mc:AlternateContent xmlns:mc="http://schemas.openxmlformats.org/markup-compatibility/2006">
+    <mc:Choice xmlns:p14="http://schemas.microsoft.com/office/powerpoint/2010/main" Requires="p14">
+      <p:transition spd="slow" p14:dur="2000" advTm="61424"/>
+    </mc:Choice>
+    <mc:Fallback>
+      <p:transition spd="slow" advTm="61424"/>
+    </mc:Fallback>
+  </mc:AlternateContent>
+</p:sld>
+</file>
+
+<file path=ppt/slides/slide39.xml><?xml version="1.0" encoding="utf-8"?>
+<p:sld xmlns:a="http://schemas.openxmlformats.org/drawingml/2006/main" xmlns:r="http://schemas.openxmlformats.org/officeDocument/2006/relationships" xmlns:p="http://schemas.openxmlformats.org/presentationml/2006/main">
+  <p:cSld>
+    <p:spTree>
+      <p:nvGrpSpPr>
+        <p:cNvPr id="1" name=""/>
+        <p:cNvGrpSpPr/>
+        <p:nvPr/>
+      </p:nvGrpSpPr>
+      <p:grpSpPr>
+        <a:xfrm>
+          <a:off x="0" y="0"/>
+          <a:ext cx="0" cy="0"/>
+          <a:chOff x="0" y="0"/>
+          <a:chExt cx="0" cy="0"/>
+        </a:xfrm>
+      </p:grpSpPr>
+      <p:sp>
+        <p:nvSpPr>
+          <p:cNvPr id="2" name="Title 1"/>
+          <p:cNvSpPr>
+            <a:spLocks noGrp="1"/>
+          </p:cNvSpPr>
+          <p:nvPr>
+            <p:ph type="title"/>
+          </p:nvPr>
+        </p:nvSpPr>
+        <p:spPr/>
+        <p:txBody>
+          <a:bodyPr/>
+          <a:lstStyle/>
+          <a:p>
+            <a:r>
+              <a:rPr lang="en-US" dirty="0"/>
+              <a:t>Outro</a:t>
+            </a:r>
+          </a:p>
+        </p:txBody>
+      </p:sp>
+      <p:sp>
+        <p:nvSpPr>
+          <p:cNvPr id="3" name="Content Placeholder 2"/>
+          <p:cNvSpPr>
+            <a:spLocks noGrp="1"/>
+          </p:cNvSpPr>
+          <p:nvPr>
+            <p:ph idx="1"/>
+          </p:nvPr>
+        </p:nvSpPr>
+        <p:spPr/>
+        <p:txBody>
+          <a:bodyPr/>
+          <a:lstStyle/>
+          <a:p>
+            <a:r>
+              <a:rPr lang="en-US" dirty="0"/>
+              <a:t> At this point, you have seen enough of the language to read/write most of Python (in theory)</a:t>
+            </a:r>
+          </a:p>
+          <a:p>
+            <a:r>
+              <a:rPr lang="en-US" dirty="0"/>
+              <a:t> Labs, homework, and self-study will give you the hands-on practice for Python syntax to become second-nature (aka a “craft”)</a:t>
+            </a:r>
+          </a:p>
+          <a:p>
+            <a:r>
+              <a:rPr lang="en-US" dirty="0"/>
+              <a:t> Keep up the great work, and have a nice weekend!</a:t>
+            </a:r>
+          </a:p>
+          <a:p>
+            <a:endParaRPr lang="en-US" dirty="0"/>
+          </a:p>
+        </p:txBody>
+      </p:sp>
+      <p:sp>
+        <p:nvSpPr>
+          <p:cNvPr id="6" name="Footer Placeholder 2">
+            <a:extLst>
+              <a:ext uri="{FF2B5EF4-FFF2-40B4-BE49-F238E27FC236}">
+                <a16:creationId xmlns:a16="http://schemas.microsoft.com/office/drawing/2014/main" id="{7B6A879A-2F5A-ECE2-803E-247B33B88AF2}"/>
+              </a:ext>
+            </a:extLst>
+          </p:cNvPr>
+          <p:cNvSpPr txBox="1">
+            <a:spLocks/>
+          </p:cNvSpPr>
+          <p:nvPr/>
+        </p:nvSpPr>
+        <p:spPr>
+          <a:xfrm>
+            <a:off x="3886200" y="6416675"/>
+            <a:ext cx="4267200" cy="365125"/>
+          </a:xfrm>
+          <a:prstGeom prst="rect">
+            <a:avLst/>
+          </a:prstGeom>
+        </p:spPr>
+        <p:txBody>
+          <a:bodyPr vert="horz" lIns="91440" tIns="45720" rIns="91440" bIns="45720" rtlCol="0" anchor="ctr"/>
+          <a:lstStyle>
+            <a:defPPr>
+              <a:defRPr lang="en-US"/>
+            </a:defPPr>
+            <a:lvl1pPr algn="ctr" rtl="0" eaLnBrk="0" fontAlgn="base" hangingPunct="0">
+              <a:spcBef>
+                <a:spcPct val="0"/>
+              </a:spcBef>
+              <a:spcAft>
+                <a:spcPct val="0"/>
+              </a:spcAft>
+              <a:defRPr sz="1200" kern="1200">
+                <a:solidFill>
+                  <a:schemeClr val="accent3"/>
+                </a:solidFill>
+                <a:latin typeface="Arial" charset="0"/>
+                <a:ea typeface="ＭＳ Ｐゴシック" charset="0"/>
+                <a:cs typeface="ＭＳ Ｐゴシック" charset="0"/>
+              </a:defRPr>
+            </a:lvl1pPr>
+            <a:lvl2pPr marL="457200" algn="l" rtl="0" eaLnBrk="0" fontAlgn="base" hangingPunct="0">
+              <a:spcBef>
+                <a:spcPct val="0"/>
+              </a:spcBef>
+              <a:spcAft>
+                <a:spcPct val="0"/>
+              </a:spcAft>
+              <a:defRPr kern="1200">
+                <a:solidFill>
+                  <a:schemeClr val="tx1"/>
+                </a:solidFill>
+                <a:latin typeface="Arial" charset="0"/>
+                <a:ea typeface="ＭＳ Ｐゴシック" charset="0"/>
+                <a:cs typeface="ＭＳ Ｐゴシック" charset="0"/>
+              </a:defRPr>
+            </a:lvl2pPr>
+            <a:lvl3pPr marL="914400" algn="l" rtl="0" eaLnBrk="0" fontAlgn="base" hangingPunct="0">
+              <a:spcBef>
+                <a:spcPct val="0"/>
+              </a:spcBef>
+              <a:spcAft>
+                <a:spcPct val="0"/>
+              </a:spcAft>
+              <a:defRPr kern="1200">
+                <a:solidFill>
+                  <a:schemeClr val="tx1"/>
+                </a:solidFill>
+                <a:latin typeface="Arial" charset="0"/>
+                <a:ea typeface="ＭＳ Ｐゴシック" charset="0"/>
+                <a:cs typeface="ＭＳ Ｐゴシック" charset="0"/>
+              </a:defRPr>
+            </a:lvl3pPr>
+            <a:lvl4pPr marL="1371600" algn="l" rtl="0" eaLnBrk="0" fontAlgn="base" hangingPunct="0">
+              <a:spcBef>
+                <a:spcPct val="0"/>
+              </a:spcBef>
+              <a:spcAft>
+                <a:spcPct val="0"/>
+              </a:spcAft>
+              <a:defRPr kern="1200">
+                <a:solidFill>
+                  <a:schemeClr val="tx1"/>
+                </a:solidFill>
+                <a:latin typeface="Arial" charset="0"/>
+                <a:ea typeface="ＭＳ Ｐゴシック" charset="0"/>
+                <a:cs typeface="ＭＳ Ｐゴシック" charset="0"/>
+              </a:defRPr>
+            </a:lvl4pPr>
+            <a:lvl5pPr marL="1828800" algn="l" rtl="0" eaLnBrk="0" fontAlgn="base" hangingPunct="0">
+              <a:spcBef>
+                <a:spcPct val="0"/>
+              </a:spcBef>
+              <a:spcAft>
+                <a:spcPct val="0"/>
+              </a:spcAft>
+              <a:defRPr kern="1200">
+                <a:solidFill>
+                  <a:schemeClr val="tx1"/>
+                </a:solidFill>
+                <a:latin typeface="Arial" charset="0"/>
+                <a:ea typeface="ＭＳ Ｐゴシック" charset="0"/>
+                <a:cs typeface="ＭＳ Ｐゴシック" charset="0"/>
+              </a:defRPr>
+            </a:lvl5pPr>
+            <a:lvl6pPr marL="2286000" algn="l" defTabSz="457200" rtl="0" eaLnBrk="1" latinLnBrk="0" hangingPunct="1">
+              <a:defRPr kern="1200">
+                <a:solidFill>
+                  <a:schemeClr val="tx1"/>
+                </a:solidFill>
+                <a:latin typeface="Arial" charset="0"/>
+                <a:ea typeface="ＭＳ Ｐゴシック" charset="0"/>
+                <a:cs typeface="ＭＳ Ｐゴシック" charset="0"/>
+              </a:defRPr>
+            </a:lvl6pPr>
+            <a:lvl7pPr marL="2743200" algn="l" defTabSz="457200" rtl="0" eaLnBrk="1" latinLnBrk="0" hangingPunct="1">
+              <a:defRPr kern="1200">
+                <a:solidFill>
+                  <a:schemeClr val="tx1"/>
+                </a:solidFill>
+                <a:latin typeface="Arial" charset="0"/>
+                <a:ea typeface="ＭＳ Ｐゴシック" charset="0"/>
+                <a:cs typeface="ＭＳ Ｐゴシック" charset="0"/>
+              </a:defRPr>
+            </a:lvl7pPr>
+            <a:lvl8pPr marL="3200400" algn="l" defTabSz="457200" rtl="0" eaLnBrk="1" latinLnBrk="0" hangingPunct="1">
+              <a:defRPr kern="1200">
+                <a:solidFill>
+                  <a:schemeClr val="tx1"/>
+                </a:solidFill>
+                <a:latin typeface="Arial" charset="0"/>
+                <a:ea typeface="ＭＳ Ｐゴシック" charset="0"/>
+                <a:cs typeface="ＭＳ Ｐゴシック" charset="0"/>
+              </a:defRPr>
+            </a:lvl8pPr>
+            <a:lvl9pPr marL="3657600" algn="l" defTabSz="457200" rtl="0" eaLnBrk="1" latinLnBrk="0" hangingPunct="1">
+              <a:defRPr kern="1200">
+                <a:solidFill>
+                  <a:schemeClr val="tx1"/>
+                </a:solidFill>
+                <a:latin typeface="Arial" charset="0"/>
+                <a:ea typeface="ＭＳ Ｐゴシック" charset="0"/>
+                <a:cs typeface="ＭＳ Ｐゴシック" charset="0"/>
+              </a:defRPr>
+            </a:lvl9pPr>
+          </a:lstStyle>
+          <a:p>
+            <a:r>
+              <a:rPr lang="en-US" dirty="0">
+                <a:latin typeface="FreightMicro Pro Book" panose="02000603020000020004" pitchFamily="2" charset="0"/>
+              </a:rPr>
+              <a:t>Eric Kim | UC Berkeley | https://c88c.org | © CC BY-NC-SA</a:t>
+            </a:r>
+          </a:p>
+        </p:txBody>
+      </p:sp>
+    </p:spTree>
+    <p:extLst>
+      <p:ext uri="{BB962C8B-B14F-4D97-AF65-F5344CB8AC3E}">
+        <p14:creationId xmlns:p14="http://schemas.microsoft.com/office/powerpoint/2010/main" val="4120418747"/>
+      </p:ext>
+    </p:extLst>
+  </p:cSld>
+  <p:clrMapOvr>
+    <a:masterClrMapping/>
+  </p:clrMapOvr>
+  <mc:AlternateContent xmlns:mc="http://schemas.openxmlformats.org/markup-compatibility/2006">
+    <mc:Choice xmlns:p14="http://schemas.microsoft.com/office/powerpoint/2010/main" Requires="p14">
+      <p:transition spd="slow" p14:dur="2000" advTm="61424"/>
+    </mc:Choice>
+    <mc:Fallback>
       <p:transition spd="slow" advTm="61424"/>
     </mc:Fallback>
   </mc:AlternateContent>
@@ -19230,10 +21319,10 @@
       </p:grpSpPr>
       <p:sp>
         <p:nvSpPr>
-          <p:cNvPr id="2" name="Title 1">
+          <p:cNvPr id="8" name="Title 7">
             <a:extLst>
               <a:ext uri="{FF2B5EF4-FFF2-40B4-BE49-F238E27FC236}">
-                <a16:creationId xmlns:a16="http://schemas.microsoft.com/office/drawing/2014/main" id="{98FCEA5F-349E-83DF-0D59-29DF9186437C}"/>
+                <a16:creationId xmlns:a16="http://schemas.microsoft.com/office/drawing/2014/main" id="{FABE0329-6EA1-B94F-AAEB-606C678EE9CD}"/>
               </a:ext>
             </a:extLst>
           </p:cNvPr>
@@ -19241,7 +21330,7 @@
             <a:spLocks noGrp="1"/>
           </p:cNvSpPr>
           <p:nvPr>
-            <p:ph type="title"/>
+            <p:ph type="ctrTitle"/>
           </p:nvPr>
         </p:nvSpPr>
         <p:spPr/>
@@ -19251,17 +21340,17 @@
           <a:p>
             <a:r>
               <a:rPr lang="en-US" dirty="0"/>
-              <a:t>Process NOT Memorization</a:t>
-            </a:r>
-          </a:p>
-        </p:txBody>
-      </p:sp>
-      <p:sp>
-        <p:nvSpPr>
-          <p:cNvPr id="3" name="Content Placeholder 2">
+              <a:t>Learning Process &amp; Debugging</a:t>
+            </a:r>
+          </a:p>
+        </p:txBody>
+      </p:sp>
+      <p:sp>
+        <p:nvSpPr>
+          <p:cNvPr id="4" name="Subtitle 3">
             <a:extLst>
               <a:ext uri="{FF2B5EF4-FFF2-40B4-BE49-F238E27FC236}">
-                <a16:creationId xmlns:a16="http://schemas.microsoft.com/office/drawing/2014/main" id="{A91103AB-E76C-DFFA-8548-E8CF52111982}"/>
+                <a16:creationId xmlns:a16="http://schemas.microsoft.com/office/drawing/2014/main" id="{1A8EC98B-92C8-C2EB-38CB-111FD38F001E}"/>
               </a:ext>
             </a:extLst>
           </p:cNvPr>
@@ -19269,7 +21358,7 @@
             <a:spLocks noGrp="1"/>
           </p:cNvSpPr>
           <p:nvPr>
-            <p:ph idx="1"/>
+            <p:ph type="subTitle" idx="1"/>
           </p:nvPr>
         </p:nvSpPr>
         <p:spPr/>
@@ -19277,149 +21366,14 @@
           <a:bodyPr/>
           <a:lstStyle/>
           <a:p>
-            <a:r>
-              <a:rPr lang="en-US" dirty="0"/>
-              <a:t> This is not a class about memorization.</a:t>
-            </a:r>
-          </a:p>
-          <a:p>
-            <a:r>
-              <a:rPr lang="en-US" dirty="0"/>
-              <a:t> This is a class about </a:t>
-            </a:r>
-            <a:r>
-              <a:rPr lang="en-US" i="1" dirty="0"/>
-              <a:t>problem solving </a:t>
-            </a:r>
-            <a:r>
-              <a:rPr lang="en-US" dirty="0"/>
-              <a:t>and </a:t>
-            </a:r>
-            <a:r>
-              <a:rPr lang="en-US" i="1" dirty="0"/>
-              <a:t>process.</a:t>
-            </a:r>
-          </a:p>
-          <a:p>
-            <a:r>
-              <a:rPr lang="en-US" i="1" dirty="0"/>
-              <a:t> </a:t>
-            </a:r>
-            <a:r>
-              <a:rPr lang="en-US" dirty="0"/>
-              <a:t>You will not know everything, but you will be able to figure it out.</a:t>
-            </a:r>
-          </a:p>
-          <a:p>
-            <a:r>
-              <a:rPr lang="en-US" dirty="0"/>
-              <a:t> Focus on building intuition!</a:t>
-            </a:r>
-          </a:p>
-          <a:p>
-            <a:pPr lvl="1"/>
-            <a:r>
-              <a:rPr lang="en-US" dirty="0"/>
-              <a:t> </a:t>
-            </a:r>
-            <a:r>
-              <a:rPr lang="en-US" b="1" dirty="0"/>
-              <a:t>Predict</a:t>
-            </a:r>
-            <a:r>
-              <a:rPr lang="en-US" dirty="0"/>
-              <a:t> what will happen </a:t>
-            </a:r>
-            <a:r>
-              <a:rPr lang="en-US" b="1" dirty="0"/>
-              <a:t>first</a:t>
-            </a:r>
-          </a:p>
-          <a:p>
-            <a:pPr lvl="1"/>
-            <a:r>
-              <a:rPr lang="en-US" dirty="0"/>
-              <a:t>Then </a:t>
-            </a:r>
-            <a:r>
-              <a:rPr lang="en-US" b="1" dirty="0"/>
-              <a:t>try and inspect</a:t>
-            </a:r>
-          </a:p>
-          <a:p>
-            <a:pPr lvl="1"/>
-            <a:r>
-              <a:rPr lang="en-US" b="1" dirty="0"/>
-              <a:t> </a:t>
-            </a:r>
-            <a:r>
-              <a:rPr lang="en-US" dirty="0"/>
-              <a:t>Now</a:t>
-            </a:r>
-            <a:r>
-              <a:rPr lang="en-US" b="1" dirty="0"/>
-              <a:t>, </a:t>
-            </a:r>
-            <a:r>
-              <a:rPr lang="en-US" dirty="0"/>
-              <a:t>Figure out </a:t>
-            </a:r>
-            <a:r>
-              <a:rPr lang="en-US" b="1" dirty="0"/>
-              <a:t>why</a:t>
-            </a:r>
-            <a:r>
-              <a:rPr lang="en-US" dirty="0"/>
-              <a:t>!</a:t>
-            </a:r>
-            <a:endParaRPr lang="en-US" b="1" dirty="0"/>
-          </a:p>
-          <a:p>
-            <a:pPr lvl="1"/>
-            <a:r>
-              <a:rPr lang="en-US" dirty="0"/>
-              <a:t> Was your prediction correct or incorrect?</a:t>
-            </a:r>
-          </a:p>
-        </p:txBody>
-      </p:sp>
-      <p:sp>
-        <p:nvSpPr>
-          <p:cNvPr id="4" name="Footer Placeholder 3">
-            <a:extLst>
-              <a:ext uri="{FF2B5EF4-FFF2-40B4-BE49-F238E27FC236}">
-                <a16:creationId xmlns:a16="http://schemas.microsoft.com/office/drawing/2014/main" id="{FC6DB406-7BE3-79D8-1C75-C2EEF3F0715F}"/>
-              </a:ext>
-            </a:extLst>
-          </p:cNvPr>
-          <p:cNvSpPr>
-            <a:spLocks noGrp="1"/>
-          </p:cNvSpPr>
-          <p:nvPr>
-            <p:ph type="ftr" sz="quarter" idx="10"/>
-          </p:nvPr>
-        </p:nvSpPr>
-        <p:spPr>
-          <a:xfrm>
-            <a:off x="4038600" y="6356350"/>
-            <a:ext cx="4419600" cy="365125"/>
-          </a:xfrm>
-        </p:spPr>
-        <p:txBody>
-          <a:bodyPr/>
-          <a:lstStyle/>
-          <a:p>
-            <a:r>
-              <a:rPr lang="en-US" dirty="0"/>
-              <a:t>Michael Ball | UC Berkeley | https://c88c.org | © CC BY-NC-SA</a:t>
-            </a:r>
+            <a:endParaRPr lang="en-US"/>
           </a:p>
         </p:txBody>
       </p:sp>
     </p:spTree>
     <p:extLst>
       <p:ext uri="{BB962C8B-B14F-4D97-AF65-F5344CB8AC3E}">
-        <p14:creationId xmlns:p14="http://schemas.microsoft.com/office/powerpoint/2010/main" val="4102882923"/>
+        <p14:creationId xmlns:p14="http://schemas.microsoft.com/office/powerpoint/2010/main" val="2999003581"/>
       </p:ext>
     </p:extLst>
   </p:cSld>
@@ -19448,6 +21402,224 @@
       </p:grpSpPr>
       <p:sp>
         <p:nvSpPr>
+          <p:cNvPr id="2" name="Title 1">
+            <a:extLst>
+              <a:ext uri="{FF2B5EF4-FFF2-40B4-BE49-F238E27FC236}">
+                <a16:creationId xmlns:a16="http://schemas.microsoft.com/office/drawing/2014/main" id="{98FCEA5F-349E-83DF-0D59-29DF9186437C}"/>
+              </a:ext>
+            </a:extLst>
+          </p:cNvPr>
+          <p:cNvSpPr>
+            <a:spLocks noGrp="1"/>
+          </p:cNvSpPr>
+          <p:nvPr>
+            <p:ph type="title"/>
+          </p:nvPr>
+        </p:nvSpPr>
+        <p:spPr/>
+        <p:txBody>
+          <a:bodyPr/>
+          <a:lstStyle/>
+          <a:p>
+            <a:r>
+              <a:rPr lang="en-US" dirty="0"/>
+              <a:t>Process NOT Memorization</a:t>
+            </a:r>
+          </a:p>
+        </p:txBody>
+      </p:sp>
+      <p:sp>
+        <p:nvSpPr>
+          <p:cNvPr id="3" name="Content Placeholder 2">
+            <a:extLst>
+              <a:ext uri="{FF2B5EF4-FFF2-40B4-BE49-F238E27FC236}">
+                <a16:creationId xmlns:a16="http://schemas.microsoft.com/office/drawing/2014/main" id="{A91103AB-E76C-DFFA-8548-E8CF52111982}"/>
+              </a:ext>
+            </a:extLst>
+          </p:cNvPr>
+          <p:cNvSpPr>
+            <a:spLocks noGrp="1"/>
+          </p:cNvSpPr>
+          <p:nvPr>
+            <p:ph idx="1"/>
+          </p:nvPr>
+        </p:nvSpPr>
+        <p:spPr/>
+        <p:txBody>
+          <a:bodyPr/>
+          <a:lstStyle/>
+          <a:p>
+            <a:r>
+              <a:rPr lang="en-US" dirty="0"/>
+              <a:t> This is not a class about memorization.</a:t>
+            </a:r>
+          </a:p>
+          <a:p>
+            <a:r>
+              <a:rPr lang="en-US" dirty="0"/>
+              <a:t> This is a class about </a:t>
+            </a:r>
+            <a:r>
+              <a:rPr lang="en-US" i="1" dirty="0"/>
+              <a:t>problem solving </a:t>
+            </a:r>
+            <a:r>
+              <a:rPr lang="en-US" dirty="0"/>
+              <a:t>and </a:t>
+            </a:r>
+            <a:r>
+              <a:rPr lang="en-US" i="1" dirty="0"/>
+              <a:t>process.</a:t>
+            </a:r>
+          </a:p>
+          <a:p>
+            <a:r>
+              <a:rPr lang="en-US" i="1" dirty="0"/>
+              <a:t> </a:t>
+            </a:r>
+            <a:r>
+              <a:rPr lang="en-US" dirty="0"/>
+              <a:t>You will not know everything, but you will be able to figure it out.</a:t>
+            </a:r>
+          </a:p>
+          <a:p>
+            <a:r>
+              <a:rPr lang="en-US" dirty="0"/>
+              <a:t> Focus on building intuition!</a:t>
+            </a:r>
+          </a:p>
+          <a:p>
+            <a:pPr lvl="1"/>
+            <a:r>
+              <a:rPr lang="en-US" dirty="0"/>
+              <a:t> </a:t>
+            </a:r>
+            <a:r>
+              <a:rPr lang="en-US" b="1" dirty="0"/>
+              <a:t>Predict</a:t>
+            </a:r>
+            <a:r>
+              <a:rPr lang="en-US" dirty="0"/>
+              <a:t> what will happen </a:t>
+            </a:r>
+            <a:r>
+              <a:rPr lang="en-US" b="1" dirty="0"/>
+              <a:t>first</a:t>
+            </a:r>
+          </a:p>
+          <a:p>
+            <a:pPr lvl="1"/>
+            <a:r>
+              <a:rPr lang="en-US" dirty="0"/>
+              <a:t>Then </a:t>
+            </a:r>
+            <a:r>
+              <a:rPr lang="en-US" b="1" dirty="0"/>
+              <a:t>try and inspect</a:t>
+            </a:r>
+          </a:p>
+          <a:p>
+            <a:pPr lvl="1"/>
+            <a:r>
+              <a:rPr lang="en-US" b="1" dirty="0"/>
+              <a:t> </a:t>
+            </a:r>
+            <a:r>
+              <a:rPr lang="en-US" dirty="0"/>
+              <a:t>Now</a:t>
+            </a:r>
+            <a:r>
+              <a:rPr lang="en-US" b="1" dirty="0"/>
+              <a:t>, </a:t>
+            </a:r>
+            <a:r>
+              <a:rPr lang="en-US" dirty="0"/>
+              <a:t>Figure out </a:t>
+            </a:r>
+            <a:r>
+              <a:rPr lang="en-US" b="1" dirty="0"/>
+              <a:t>why</a:t>
+            </a:r>
+            <a:r>
+              <a:rPr lang="en-US" dirty="0"/>
+              <a:t>!</a:t>
+            </a:r>
+            <a:endParaRPr lang="en-US" b="1" dirty="0"/>
+          </a:p>
+          <a:p>
+            <a:pPr lvl="1"/>
+            <a:r>
+              <a:rPr lang="en-US" dirty="0"/>
+              <a:t> Was your prediction correct or incorrect?</a:t>
+            </a:r>
+          </a:p>
+        </p:txBody>
+      </p:sp>
+      <p:sp>
+        <p:nvSpPr>
+          <p:cNvPr id="4" name="Footer Placeholder 3">
+            <a:extLst>
+              <a:ext uri="{FF2B5EF4-FFF2-40B4-BE49-F238E27FC236}">
+                <a16:creationId xmlns:a16="http://schemas.microsoft.com/office/drawing/2014/main" id="{FC6DB406-7BE3-79D8-1C75-C2EEF3F0715F}"/>
+              </a:ext>
+            </a:extLst>
+          </p:cNvPr>
+          <p:cNvSpPr>
+            <a:spLocks noGrp="1"/>
+          </p:cNvSpPr>
+          <p:nvPr>
+            <p:ph type="ftr" sz="quarter" idx="10"/>
+          </p:nvPr>
+        </p:nvSpPr>
+        <p:spPr>
+          <a:xfrm>
+            <a:off x="4038600" y="6356350"/>
+            <a:ext cx="4419600" cy="365125"/>
+          </a:xfrm>
+        </p:spPr>
+        <p:txBody>
+          <a:bodyPr/>
+          <a:lstStyle/>
+          <a:p>
+            <a:r>
+              <a:rPr lang="en-US" dirty="0"/>
+              <a:t>Eric Kim | UC Berkeley | https://c88c.org | © CC BY-NC-SA</a:t>
+            </a:r>
+          </a:p>
+        </p:txBody>
+      </p:sp>
+    </p:spTree>
+    <p:extLst>
+      <p:ext uri="{BB962C8B-B14F-4D97-AF65-F5344CB8AC3E}">
+        <p14:creationId xmlns:p14="http://schemas.microsoft.com/office/powerpoint/2010/main" val="4102882923"/>
+      </p:ext>
+    </p:extLst>
+  </p:cSld>
+  <p:clrMapOvr>
+    <a:masterClrMapping/>
+  </p:clrMapOvr>
+</p:sld>
+</file>
+
+<file path=ppt/slides/slide6.xml><?xml version="1.0" encoding="utf-8"?>
+<p:sld xmlns:a="http://schemas.openxmlformats.org/drawingml/2006/main" xmlns:r="http://schemas.openxmlformats.org/officeDocument/2006/relationships" xmlns:p="http://schemas.openxmlformats.org/presentationml/2006/main">
+  <p:cSld>
+    <p:spTree>
+      <p:nvGrpSpPr>
+        <p:cNvPr id="1" name=""/>
+        <p:cNvGrpSpPr/>
+        <p:nvPr/>
+      </p:nvGrpSpPr>
+      <p:grpSpPr>
+        <a:xfrm>
+          <a:off x="0" y="0"/>
+          <a:ext cx="0" cy="0"/>
+          <a:chOff x="0" y="0"/>
+          <a:chExt cx="0" cy="0"/>
+        </a:xfrm>
+      </p:grpSpPr>
+      <p:sp>
+        <p:nvSpPr>
           <p:cNvPr id="7" name="Title 6">
             <a:extLst>
               <a:ext uri="{FF2B5EF4-FFF2-40B4-BE49-F238E27FC236}">
@@ -19520,7 +21692,7 @@
 </p:sld>
 </file>
 
-<file path=ppt/slides/slide6.xml><?xml version="1.0" encoding="utf-8"?>
+<file path=ppt/slides/slide7.xml><?xml version="1.0" encoding="utf-8"?>
 <p:sld xmlns:a="http://schemas.openxmlformats.org/drawingml/2006/main" xmlns:r="http://schemas.openxmlformats.org/officeDocument/2006/relationships" xmlns:p="http://schemas.openxmlformats.org/presentationml/2006/main">
   <p:cSld>
     <p:spTree>
@@ -19760,7 +21932,7 @@
               <a:rPr lang="en-US" dirty="0">
                 <a:latin typeface="FreightMicro Pro Book" panose="02000603020000020004" pitchFamily="2" charset="0"/>
               </a:rPr>
-              <a:t>Michael Ball | UC Berkeley | https://c88c.org | © CC BY-NC-SA</a:t>
+              <a:t>Eric Kim | UC Berkeley | https://c88c.org | © CC BY-NC-SA</a:t>
             </a:r>
           </a:p>
         </p:txBody>
@@ -19789,7 +21961,7 @@
 </p:sld>
 </file>
 
-<file path=ppt/slides/slide7.xml><?xml version="1.0" encoding="utf-8"?>
+<file path=ppt/slides/slide8.xml><?xml version="1.0" encoding="utf-8"?>
 <p:sld xmlns:a="http://schemas.openxmlformats.org/drawingml/2006/main" xmlns:r="http://schemas.openxmlformats.org/officeDocument/2006/relationships" xmlns:p="http://schemas.openxmlformats.org/presentationml/2006/main">
   <p:cSld>
     <p:spTree>
@@ -20093,7 +22265,7 @@
               <a:pPr>
                 <a:defRPr/>
               </a:pPr>
-              <a:t>7</a:t>
+              <a:t>8</a:t>
             </a:fld>
             <a:endParaRPr lang="en-US" b="0"/>
           </a:p>
@@ -20120,329 +22292,6 @@
 </p:sld>
 </file>
 
-<file path=ppt/slides/slide8.xml><?xml version="1.0" encoding="utf-8"?>
-<p:sld xmlns:a="http://schemas.openxmlformats.org/drawingml/2006/main" xmlns:r="http://schemas.openxmlformats.org/officeDocument/2006/relationships" xmlns:p="http://schemas.openxmlformats.org/presentationml/2006/main">
-  <p:cSld>
-    <p:spTree>
-      <p:nvGrpSpPr>
-        <p:cNvPr id="1" name=""/>
-        <p:cNvGrpSpPr/>
-        <p:nvPr/>
-      </p:nvGrpSpPr>
-      <p:grpSpPr>
-        <a:xfrm>
-          <a:off x="0" y="0"/>
-          <a:ext cx="0" cy="0"/>
-          <a:chOff x="0" y="0"/>
-          <a:chExt cx="0" cy="0"/>
-        </a:xfrm>
-      </p:grpSpPr>
-      <p:sp>
-        <p:nvSpPr>
-          <p:cNvPr id="2" name="Title 1">
-            <a:extLst>
-              <a:ext uri="{FF2B5EF4-FFF2-40B4-BE49-F238E27FC236}">
-                <a16:creationId xmlns:a16="http://schemas.microsoft.com/office/drawing/2014/main" id="{39E786DD-5499-D2BC-4C5A-48A6BC60B30A}"/>
-              </a:ext>
-            </a:extLst>
-          </p:cNvPr>
-          <p:cNvSpPr>
-            <a:spLocks noGrp="1"/>
-          </p:cNvSpPr>
-          <p:nvPr>
-            <p:ph type="title"/>
-          </p:nvPr>
-        </p:nvSpPr>
-        <p:spPr/>
-        <p:txBody>
-          <a:bodyPr/>
-          <a:lstStyle/>
-          <a:p>
-            <a:r>
-              <a:rPr lang="en-US" dirty="0"/>
-              <a:t>Variables In Python</a:t>
-            </a:r>
-          </a:p>
-        </p:txBody>
-      </p:sp>
-      <p:sp>
-        <p:nvSpPr>
-          <p:cNvPr id="3" name="Content Placeholder 2">
-            <a:extLst>
-              <a:ext uri="{FF2B5EF4-FFF2-40B4-BE49-F238E27FC236}">
-                <a16:creationId xmlns:a16="http://schemas.microsoft.com/office/drawing/2014/main" id="{4816B073-23C2-9A3E-1B50-A68D5EA2B739}"/>
-              </a:ext>
-            </a:extLst>
-          </p:cNvPr>
-          <p:cNvSpPr>
-            <a:spLocks noGrp="1"/>
-          </p:cNvSpPr>
-          <p:nvPr>
-            <p:ph idx="1"/>
-          </p:nvPr>
-        </p:nvSpPr>
-        <p:spPr/>
-        <p:txBody>
-          <a:bodyPr/>
-          <a:lstStyle/>
-          <a:p>
-            <a:r>
-              <a:rPr lang="en-US" dirty="0"/>
-              <a:t>Variables "bind" (or assign) a name to a value (or expression)</a:t>
-            </a:r>
-          </a:p>
-          <a:p>
-            <a:r>
-              <a:rPr lang="en-US" dirty="0"/>
-              <a:t>Variables can also come from function arguments</a:t>
-            </a:r>
-          </a:p>
-          <a:p>
-            <a:r>
-              <a:rPr lang="en-US" dirty="0"/>
-              <a:t>Python has some specific rules about names…</a:t>
-            </a:r>
-          </a:p>
-          <a:p>
-            <a:pPr lvl="1"/>
-            <a:r>
-              <a:rPr lang="en-US" dirty="0"/>
-              <a:t> Don't memorize them all!</a:t>
-            </a:r>
-          </a:p>
-          <a:p>
-            <a:pPr lvl="1"/>
-            <a:r>
-              <a:rPr lang="en-US" dirty="0"/>
-              <a:t>Mostly: </a:t>
-            </a:r>
-            <a:r>
-              <a:rPr lang="en-US" b="1" dirty="0"/>
-              <a:t>No spaces</a:t>
-            </a:r>
-            <a:r>
-              <a:rPr lang="en-US" dirty="0"/>
-              <a:t>, use _</a:t>
-            </a:r>
-          </a:p>
-          <a:p>
-            <a:r>
-              <a:rPr lang="en-US" dirty="0"/>
-              <a:t>Important: Use meaningful names!</a:t>
-            </a:r>
-          </a:p>
-          <a:p>
-            <a:pPr lvl="1"/>
-            <a:r>
-              <a:rPr lang="en-US" dirty="0"/>
-              <a:t>It's a bit embarrassing to come to OH and try to explain the purpose of "butt" </a:t>
-            </a:r>
-            <a:r>
-              <a:rPr lang="en-US" dirty="0">
-                <a:sym typeface="Wingdings" pitchFamily="2" charset="2"/>
-              </a:rPr>
-              <a:t>  (This actually happened!)</a:t>
-            </a:r>
-            <a:endParaRPr lang="en-US" dirty="0"/>
-          </a:p>
-          <a:p>
-            <a:r>
-              <a:rPr lang="en-US" dirty="0">
-                <a:latin typeface="Source Code Pro" panose="020B0309030403020204" pitchFamily="34" charset="0"/>
-                <a:ea typeface="Source Code Pro" panose="020B0309030403020204" pitchFamily="34" charset="0"/>
-              </a:rPr>
-              <a:t> </a:t>
-            </a:r>
-            <a:r>
-              <a:rPr lang="en-US" dirty="0" err="1">
-                <a:latin typeface="Source Code Pro" panose="020B0309030403020204" pitchFamily="34" charset="0"/>
-                <a:ea typeface="Source Code Pro" panose="020B0309030403020204" pitchFamily="34" charset="0"/>
-              </a:rPr>
-              <a:t>my_favorite_class</a:t>
-            </a:r>
-            <a:r>
-              <a:rPr lang="en-US" dirty="0">
-                <a:latin typeface="Source Code Pro" panose="020B0309030403020204" pitchFamily="34" charset="0"/>
-                <a:ea typeface="Source Code Pro" panose="020B0309030403020204" pitchFamily="34" charset="0"/>
-              </a:rPr>
-              <a:t> = 'C88C'</a:t>
-            </a:r>
-          </a:p>
-        </p:txBody>
-      </p:sp>
-      <p:sp>
-        <p:nvSpPr>
-          <p:cNvPr id="7" name="Footer Placeholder 2">
-            <a:extLst>
-              <a:ext uri="{FF2B5EF4-FFF2-40B4-BE49-F238E27FC236}">
-                <a16:creationId xmlns:a16="http://schemas.microsoft.com/office/drawing/2014/main" id="{FC05780B-A39B-8D6C-E44B-50A98193E6D2}"/>
-              </a:ext>
-            </a:extLst>
-          </p:cNvPr>
-          <p:cNvSpPr txBox="1">
-            <a:spLocks/>
-          </p:cNvSpPr>
-          <p:nvPr/>
-        </p:nvSpPr>
-        <p:spPr>
-          <a:xfrm>
-            <a:off x="4038600" y="6416675"/>
-            <a:ext cx="4114800" cy="365125"/>
-          </a:xfrm>
-          <a:prstGeom prst="rect">
-            <a:avLst/>
-          </a:prstGeom>
-        </p:spPr>
-        <p:txBody>
-          <a:bodyPr vert="horz" lIns="91440" tIns="45720" rIns="91440" bIns="45720" rtlCol="0" anchor="ctr"/>
-          <a:lstStyle>
-            <a:defPPr>
-              <a:defRPr lang="en-US"/>
-            </a:defPPr>
-            <a:lvl1pPr algn="ctr" rtl="0" eaLnBrk="0" fontAlgn="base" hangingPunct="0">
-              <a:spcBef>
-                <a:spcPct val="0"/>
-              </a:spcBef>
-              <a:spcAft>
-                <a:spcPct val="0"/>
-              </a:spcAft>
-              <a:defRPr sz="1200" kern="1200">
-                <a:solidFill>
-                  <a:schemeClr val="accent3"/>
-                </a:solidFill>
-                <a:latin typeface="Arial" charset="0"/>
-                <a:ea typeface="ＭＳ Ｐゴシック" charset="0"/>
-                <a:cs typeface="ＭＳ Ｐゴシック" charset="0"/>
-              </a:defRPr>
-            </a:lvl1pPr>
-            <a:lvl2pPr marL="457200" algn="l" rtl="0" eaLnBrk="0" fontAlgn="base" hangingPunct="0">
-              <a:spcBef>
-                <a:spcPct val="0"/>
-              </a:spcBef>
-              <a:spcAft>
-                <a:spcPct val="0"/>
-              </a:spcAft>
-              <a:defRPr kern="1200">
-                <a:solidFill>
-                  <a:schemeClr val="tx1"/>
-                </a:solidFill>
-                <a:latin typeface="Arial" charset="0"/>
-                <a:ea typeface="ＭＳ Ｐゴシック" charset="0"/>
-                <a:cs typeface="ＭＳ Ｐゴシック" charset="0"/>
-              </a:defRPr>
-            </a:lvl2pPr>
-            <a:lvl3pPr marL="914400" algn="l" rtl="0" eaLnBrk="0" fontAlgn="base" hangingPunct="0">
-              <a:spcBef>
-                <a:spcPct val="0"/>
-              </a:spcBef>
-              <a:spcAft>
-                <a:spcPct val="0"/>
-              </a:spcAft>
-              <a:defRPr kern="1200">
-                <a:solidFill>
-                  <a:schemeClr val="tx1"/>
-                </a:solidFill>
-                <a:latin typeface="Arial" charset="0"/>
-                <a:ea typeface="ＭＳ Ｐゴシック" charset="0"/>
-                <a:cs typeface="ＭＳ Ｐゴシック" charset="0"/>
-              </a:defRPr>
-            </a:lvl3pPr>
-            <a:lvl4pPr marL="1371600" algn="l" rtl="0" eaLnBrk="0" fontAlgn="base" hangingPunct="0">
-              <a:spcBef>
-                <a:spcPct val="0"/>
-              </a:spcBef>
-              <a:spcAft>
-                <a:spcPct val="0"/>
-              </a:spcAft>
-              <a:defRPr kern="1200">
-                <a:solidFill>
-                  <a:schemeClr val="tx1"/>
-                </a:solidFill>
-                <a:latin typeface="Arial" charset="0"/>
-                <a:ea typeface="ＭＳ Ｐゴシック" charset="0"/>
-                <a:cs typeface="ＭＳ Ｐゴシック" charset="0"/>
-              </a:defRPr>
-            </a:lvl4pPr>
-            <a:lvl5pPr marL="1828800" algn="l" rtl="0" eaLnBrk="0" fontAlgn="base" hangingPunct="0">
-              <a:spcBef>
-                <a:spcPct val="0"/>
-              </a:spcBef>
-              <a:spcAft>
-                <a:spcPct val="0"/>
-              </a:spcAft>
-              <a:defRPr kern="1200">
-                <a:solidFill>
-                  <a:schemeClr val="tx1"/>
-                </a:solidFill>
-                <a:latin typeface="Arial" charset="0"/>
-                <a:ea typeface="ＭＳ Ｐゴシック" charset="0"/>
-                <a:cs typeface="ＭＳ Ｐゴシック" charset="0"/>
-              </a:defRPr>
-            </a:lvl5pPr>
-            <a:lvl6pPr marL="2286000" algn="l" defTabSz="457200" rtl="0" eaLnBrk="1" latinLnBrk="0" hangingPunct="1">
-              <a:defRPr kern="1200">
-                <a:solidFill>
-                  <a:schemeClr val="tx1"/>
-                </a:solidFill>
-                <a:latin typeface="Arial" charset="0"/>
-                <a:ea typeface="ＭＳ Ｐゴシック" charset="0"/>
-                <a:cs typeface="ＭＳ Ｐゴシック" charset="0"/>
-              </a:defRPr>
-            </a:lvl6pPr>
-            <a:lvl7pPr marL="2743200" algn="l" defTabSz="457200" rtl="0" eaLnBrk="1" latinLnBrk="0" hangingPunct="1">
-              <a:defRPr kern="1200">
-                <a:solidFill>
-                  <a:schemeClr val="tx1"/>
-                </a:solidFill>
-                <a:latin typeface="Arial" charset="0"/>
-                <a:ea typeface="ＭＳ Ｐゴシック" charset="0"/>
-                <a:cs typeface="ＭＳ Ｐゴシック" charset="0"/>
-              </a:defRPr>
-            </a:lvl7pPr>
-            <a:lvl8pPr marL="3200400" algn="l" defTabSz="457200" rtl="0" eaLnBrk="1" latinLnBrk="0" hangingPunct="1">
-              <a:defRPr kern="1200">
-                <a:solidFill>
-                  <a:schemeClr val="tx1"/>
-                </a:solidFill>
-                <a:latin typeface="Arial" charset="0"/>
-                <a:ea typeface="ＭＳ Ｐゴシック" charset="0"/>
-                <a:cs typeface="ＭＳ Ｐゴシック" charset="0"/>
-              </a:defRPr>
-            </a:lvl8pPr>
-            <a:lvl9pPr marL="3657600" algn="l" defTabSz="457200" rtl="0" eaLnBrk="1" latinLnBrk="0" hangingPunct="1">
-              <a:defRPr kern="1200">
-                <a:solidFill>
-                  <a:schemeClr val="tx1"/>
-                </a:solidFill>
-                <a:latin typeface="Arial" charset="0"/>
-                <a:ea typeface="ＭＳ Ｐゴシック" charset="0"/>
-                <a:cs typeface="ＭＳ Ｐゴシック" charset="0"/>
-              </a:defRPr>
-            </a:lvl9pPr>
-          </a:lstStyle>
-          <a:p>
-            <a:r>
-              <a:rPr lang="en-US" dirty="0">
-                <a:latin typeface="FreightMicro Pro Book" panose="02000603020000020004" pitchFamily="2" charset="0"/>
-              </a:rPr>
-              <a:t>Michael Ball | UC Berkeley | https://c88c.org | © CC BY-NC-SA</a:t>
-            </a:r>
-          </a:p>
-        </p:txBody>
-      </p:sp>
-    </p:spTree>
-    <p:extLst>
-      <p:ext uri="{BB962C8B-B14F-4D97-AF65-F5344CB8AC3E}">
-        <p14:creationId xmlns:p14="http://schemas.microsoft.com/office/powerpoint/2010/main" val="1144726566"/>
-      </p:ext>
-    </p:extLst>
-  </p:cSld>
-  <p:clrMapOvr>
-    <a:masterClrMapping/>
-  </p:clrMapOvr>
-</p:sld>
-</file>
-
 <file path=ppt/slides/slide9.xml><?xml version="1.0" encoding="utf-8"?>
 <p:sld xmlns:a="http://schemas.openxmlformats.org/drawingml/2006/main" xmlns:r="http://schemas.openxmlformats.org/officeDocument/2006/relationships" xmlns:p="http://schemas.openxmlformats.org/presentationml/2006/main">
   <p:cSld>
@@ -20465,7 +22314,7 @@
           <p:cNvPr id="2" name="Title 1">
             <a:extLst>
               <a:ext uri="{FF2B5EF4-FFF2-40B4-BE49-F238E27FC236}">
-                <a16:creationId xmlns:a16="http://schemas.microsoft.com/office/drawing/2014/main" id="{A4F94377-83A5-FEF8-2EAD-50A3D9713FA8}"/>
+                <a16:creationId xmlns:a16="http://schemas.microsoft.com/office/drawing/2014/main" id="{39E786DD-5499-D2BC-4C5A-48A6BC60B30A}"/>
               </a:ext>
             </a:extLst>
           </p:cNvPr>
@@ -20483,7 +22332,7 @@
           <a:p>
             <a:r>
               <a:rPr lang="en-US" dirty="0"/>
-              <a:t>Functions in Python</a:t>
+              <a:t>Variables In Python</a:t>
             </a:r>
           </a:p>
         </p:txBody>
@@ -20493,7 +22342,7 @@
           <p:cNvPr id="3" name="Content Placeholder 2">
             <a:extLst>
               <a:ext uri="{FF2B5EF4-FFF2-40B4-BE49-F238E27FC236}">
-                <a16:creationId xmlns:a16="http://schemas.microsoft.com/office/drawing/2014/main" id="{BEA63EB1-F6B9-3229-523C-A9D93C614F7F}"/>
+                <a16:creationId xmlns:a16="http://schemas.microsoft.com/office/drawing/2014/main" id="{4816B073-23C2-9A3E-1B50-A68D5EA2B739}"/>
               </a:ext>
             </a:extLst>
           </p:cNvPr>
@@ -20511,111 +22360,85 @@
           <a:p>
             <a:r>
               <a:rPr lang="en-US" dirty="0"/>
-              <a:t>We "define" them with def</a:t>
-            </a:r>
-          </a:p>
-          <a:p>
-            <a:r>
-              <a:rPr lang="en-US" dirty="0"/>
-              <a:t>We typically </a:t>
-            </a:r>
-            <a:r>
-              <a:rPr lang="en-US" dirty="0" err="1"/>
-              <a:t>name_them_using_underscores</a:t>
-            </a:r>
-            <a:r>
-              <a:rPr lang="en-US" dirty="0"/>
-              <a:t>  ("Snake case")</a:t>
-            </a:r>
-          </a:p>
-          <a:p>
-            <a:r>
-              <a:rPr lang="en-US" dirty="0"/>
-              <a:t>The first line ends in a :</a:t>
-            </a:r>
-          </a:p>
-          <a:p>
-            <a:r>
-              <a:rPr lang="en-US" dirty="0"/>
-              <a:t>The body is indented by 4 spaces</a:t>
-            </a:r>
-          </a:p>
-          <a:p>
-            <a:r>
-              <a:rPr lang="en-US" dirty="0"/>
-              <a:t>Arguments (parameters) create 'names' that exist only in our function</a:t>
-            </a:r>
-          </a:p>
-          <a:p>
-            <a:r>
-              <a:rPr lang="en-US" dirty="0"/>
-              <a:t>Most functions will return a value, but some do not.</a:t>
-            </a:r>
-          </a:p>
-          <a:p>
-            <a:pPr marL="0" indent="0">
-              <a:buNone/>
-            </a:pPr>
+              <a:t>Variables "bind" (or assign) a name to a value (or expression)</a:t>
+            </a:r>
+          </a:p>
+          <a:p>
+            <a:r>
+              <a:rPr lang="en-US" dirty="0"/>
+              <a:t>Variables can also come from function arguments</a:t>
+            </a:r>
+          </a:p>
+          <a:p>
+            <a:r>
+              <a:rPr lang="en-US" dirty="0"/>
+              <a:t>Python has some specific rules about names…</a:t>
+            </a:r>
+          </a:p>
+          <a:p>
+            <a:pPr lvl="1"/>
+            <a:r>
+              <a:rPr lang="en-US" dirty="0"/>
+              <a:t> Don't memorize them all!</a:t>
+            </a:r>
+          </a:p>
+          <a:p>
+            <a:pPr lvl="1"/>
+            <a:r>
+              <a:rPr lang="en-US" dirty="0"/>
+              <a:t>Mostly: </a:t>
+            </a:r>
+            <a:r>
+              <a:rPr lang="en-US" b="1" dirty="0"/>
+              <a:t>No spaces</a:t>
+            </a:r>
+            <a:r>
+              <a:rPr lang="en-US" dirty="0"/>
+              <a:t>, use _</a:t>
+            </a:r>
+          </a:p>
+          <a:p>
+            <a:r>
+              <a:rPr lang="en-US" dirty="0"/>
+              <a:t>Important: Use meaningful names!</a:t>
+            </a:r>
+          </a:p>
+          <a:p>
+            <a:pPr lvl="1"/>
+            <a:r>
+              <a:rPr lang="en-US" dirty="0"/>
+              <a:t>It's a bit embarrassing to come to OH and try to explain the purpose of "butt" </a:t>
+            </a:r>
+            <a:r>
+              <a:rPr lang="en-US" dirty="0">
+                <a:sym typeface="Wingdings" pitchFamily="2" charset="2"/>
+              </a:rPr>
+              <a:t>  (This actually happened!)</a:t>
+            </a:r>
+            <a:endParaRPr lang="en-US" dirty="0"/>
+          </a:p>
+          <a:p>
             <a:r>
               <a:rPr lang="en-US" dirty="0">
                 <a:latin typeface="Source Code Pro" panose="020B0309030403020204" pitchFamily="34" charset="0"/>
                 <a:ea typeface="Source Code Pro" panose="020B0309030403020204" pitchFamily="34" charset="0"/>
               </a:rPr>
-              <a:t>def </a:t>
+              <a:t> </a:t>
             </a:r>
             <a:r>
               <a:rPr lang="en-US" dirty="0" err="1">
                 <a:latin typeface="Source Code Pro" panose="020B0309030403020204" pitchFamily="34" charset="0"/>
                 <a:ea typeface="Source Code Pro" panose="020B0309030403020204" pitchFamily="34" charset="0"/>
               </a:rPr>
-              <a:t>print_greet</a:t>
+              <a:t>my_favorite_class</a:t>
             </a:r>
             <a:r>
               <a:rPr lang="en-US" dirty="0">
                 <a:latin typeface="Source Code Pro" panose="020B0309030403020204" pitchFamily="34" charset="0"/>
                 <a:ea typeface="Source Code Pro" panose="020B0309030403020204" pitchFamily="34" charset="0"/>
               </a:rPr>
-              <a:t>(name):</a:t>
-            </a:r>
-          </a:p>
-          <a:p>
-            <a:pPr marL="0" indent="0">
-              <a:buNone/>
-            </a:pPr>
-            <a:r>
-              <a:rPr lang="en-US" dirty="0">
-                <a:latin typeface="Source Code Pro" panose="020B0309030403020204" pitchFamily="34" charset="0"/>
-                <a:ea typeface="Source Code Pro" panose="020B0309030403020204" pitchFamily="34" charset="0"/>
-              </a:rPr>
-              <a:t>    print("Hello, " + name)</a:t>
-            </a:r>
-          </a:p>
-          <a:p>
-            <a:pPr marL="0" indent="0">
-              <a:buNone/>
-            </a:pPr>
-            <a:r>
-              <a:rPr lang="en-US" dirty="0">
-                <a:latin typeface="Source Code Pro" panose="020B0309030403020204" pitchFamily="34" charset="0"/>
-                <a:ea typeface="Source Code Pro" panose="020B0309030403020204" pitchFamily="34" charset="0"/>
-              </a:rPr>
-              <a:t>def greet(name):</a:t>
-            </a:r>
-          </a:p>
-          <a:p>
-            <a:pPr marL="0" indent="0">
-              <a:buNone/>
-            </a:pPr>
-            <a:r>
-              <a:rPr lang="en-US" dirty="0">
-                <a:latin typeface="Source Code Pro" panose="020B0309030403020204" pitchFamily="34" charset="0"/>
-                <a:ea typeface="Source Code Pro" panose="020B0309030403020204" pitchFamily="34" charset="0"/>
-              </a:rPr>
-              <a:t>    return "Hello, " + name</a:t>
-            </a:r>
-          </a:p>
-          <a:p>
-            <a:endParaRPr lang="en-US" dirty="0"/>
+              <a:t> = 'C88C'</a:t>
+            </a:r>
           </a:p>
         </p:txBody>
       </p:sp>
@@ -20624,7 +22447,7 @@
           <p:cNvPr id="7" name="Footer Placeholder 2">
             <a:extLst>
               <a:ext uri="{FF2B5EF4-FFF2-40B4-BE49-F238E27FC236}">
-                <a16:creationId xmlns:a16="http://schemas.microsoft.com/office/drawing/2014/main" id="{6696FC56-6218-6EB4-E825-C4F5714F06E6}"/>
+                <a16:creationId xmlns:a16="http://schemas.microsoft.com/office/drawing/2014/main" id="{FC05780B-A39B-8D6C-E44B-50A98193E6D2}"/>
               </a:ext>
             </a:extLst>
           </p:cNvPr>
@@ -20636,7 +22459,7 @@
         <p:spPr>
           <a:xfrm>
             <a:off x="4038600" y="6416675"/>
-            <a:ext cx="4419600" cy="365125"/>
+            <a:ext cx="4114800" cy="365125"/>
           </a:xfrm>
           <a:prstGeom prst="rect">
             <a:avLst/>
@@ -20774,7 +22597,7 @@
               <a:rPr lang="en-US" dirty="0">
                 <a:latin typeface="FreightMicro Pro Book" panose="02000603020000020004" pitchFamily="2" charset="0"/>
               </a:rPr>
-              <a:t>Michael Ball | UC Berkeley | https://c88c.org | © CC BY-NC-SA</a:t>
+              <a:t>Eric Kim | UC Berkeley | https://c88c.org | © CC BY-NC-SA</a:t>
             </a:r>
           </a:p>
         </p:txBody>
@@ -20782,7 +22605,7 @@
     </p:spTree>
     <p:extLst>
       <p:ext uri="{BB962C8B-B14F-4D97-AF65-F5344CB8AC3E}">
-        <p14:creationId xmlns:p14="http://schemas.microsoft.com/office/powerpoint/2010/main" val="3466968346"/>
+        <p14:creationId xmlns:p14="http://schemas.microsoft.com/office/powerpoint/2010/main" val="1144726566"/>
       </p:ext>
     </p:extLst>
   </p:cSld>
